--- a/How to Access Landsat 8 Data - EarthExplorer US Geological Service.pptx
+++ b/How to Access Landsat 8 Data - EarthExplorer US Geological Service.pptx
@@ -5,10 +5,15 @@
     <p:sldMasterId id="2147483648" r:id="rId1"/>
   </p:sldMasterIdLst>
   <p:sldIdLst>
-    <p:sldId id="256" r:id="rId2"/>
-    <p:sldId id="257" r:id="rId3"/>
-    <p:sldId id="258" r:id="rId4"/>
-    <p:sldId id="259" r:id="rId5"/>
+    <p:sldId id="264" r:id="rId2"/>
+    <p:sldId id="256" r:id="rId3"/>
+    <p:sldId id="257" r:id="rId4"/>
+    <p:sldId id="258" r:id="rId5"/>
+    <p:sldId id="259" r:id="rId6"/>
+    <p:sldId id="260" r:id="rId7"/>
+    <p:sldId id="261" r:id="rId8"/>
+    <p:sldId id="262" r:id="rId9"/>
+    <p:sldId id="263" r:id="rId10"/>
   </p:sldIdLst>
   <p:sldSz cx="12192000" cy="6858000"/>
   <p:notesSz cx="6858000" cy="9144000"/>
@@ -2967,62 +2972,515 @@
           <a:chExt cx="0" cy="0"/>
         </a:xfrm>
       </p:grpSpPr>
+      <p:sp>
+        <p:nvSpPr>
+          <p:cNvPr id="6" name="Title 1"/>
+          <p:cNvSpPr>
+            <a:spLocks noGrp="1"/>
+          </p:cNvSpPr>
+          <p:nvPr>
+            <p:ph type="ctrTitle"/>
+          </p:nvPr>
+        </p:nvSpPr>
+        <p:spPr>
+          <a:xfrm>
+            <a:off x="1523999" y="421595"/>
+            <a:ext cx="9144000" cy="2387600"/>
+          </a:xfrm>
+          <a:solidFill>
+            <a:schemeClr val="accent6">
+              <a:lumMod val="20000"/>
+              <a:lumOff val="80000"/>
+            </a:schemeClr>
+          </a:solidFill>
+        </p:spPr>
+        <p:txBody>
+          <a:bodyPr>
+            <a:normAutofit fontScale="90000"/>
+          </a:bodyPr>
+          <a:lstStyle/>
+          <a:p>
+            <a:r>
+              <a:rPr lang="en-GB" dirty="0" smtClean="0"/>
+              <a:t>How to Access </a:t>
+            </a:r>
+            <a:r>
+              <a:rPr lang="en-GB" dirty="0" smtClean="0"/>
+              <a:t>Landsat </a:t>
+            </a:r>
+            <a:r>
+              <a:rPr lang="en-GB" dirty="0" smtClean="0"/>
+              <a:t>Data</a:t>
+            </a:r>
+            <a:br>
+              <a:rPr lang="en-GB" dirty="0" smtClean="0"/>
+            </a:br>
+            <a:r>
+              <a:rPr lang="en-GB" dirty="0" smtClean="0"/>
+              <a:t>from </a:t>
+            </a:r>
+            <a:br>
+              <a:rPr lang="en-GB" dirty="0" smtClean="0"/>
+            </a:br>
+            <a:r>
+              <a:rPr lang="en-GB" dirty="0" smtClean="0"/>
+              <a:t>USGS </a:t>
+            </a:r>
+            <a:r>
+              <a:rPr lang="en-GB" dirty="0" err="1" smtClean="0"/>
+              <a:t>EarthExplorer</a:t>
+            </a:r>
+            <a:endParaRPr lang="en-GB" dirty="0"/>
+          </a:p>
+        </p:txBody>
+      </p:sp>
       <p:pic>
         <p:nvPicPr>
-          <p:cNvPr id="4" name="Picture 3"/>
+          <p:cNvPr id="2050" name="Picture 2" descr="File:USGS logo green.svg - Wikipedia"/>
           <p:cNvPicPr>
-            <a:picLocks noChangeAspect="1"/>
+            <a:picLocks noChangeAspect="1" noChangeArrowheads="1"/>
           </p:cNvPicPr>
           <p:nvPr/>
         </p:nvPicPr>
-        <p:blipFill rotWithShape="1">
-          <a:blip r:embed="rId2"/>
-          <a:srcRect b="36835"/>
-          <a:stretch/>
+        <p:blipFill>
+          <a:blip r:embed="rId2" cstate="print">
+            <a:extLst>
+              <a:ext uri="{28A0092B-C50C-407E-A947-70E740481C1C}">
+                <a14:useLocalDpi xmlns:a14="http://schemas.microsoft.com/office/drawing/2010/main" val="0"/>
+              </a:ext>
+            </a:extLst>
+          </a:blip>
+          <a:srcRect/>
+          <a:stretch>
+            <a:fillRect/>
+          </a:stretch>
         </p:blipFill>
-        <p:spPr>
+        <p:spPr bwMode="auto">
           <a:xfrm>
-            <a:off x="341246" y="1556752"/>
-            <a:ext cx="11850754" cy="5301248"/>
+            <a:off x="5305424" y="3019425"/>
+            <a:ext cx="1619249" cy="647700"/>
           </a:xfrm>
           <a:prstGeom prst="rect">
             <a:avLst/>
           </a:prstGeom>
+          <a:noFill/>
+          <a:extLst>
+            <a:ext uri="{909E8E84-426E-40DD-AFC4-6F175D3DCCD1}">
+              <a14:hiddenFill xmlns:a14="http://schemas.microsoft.com/office/drawing/2010/main">
+                <a:solidFill>
+                  <a:srgbClr val="FFFFFF"/>
+                </a:solidFill>
+              </a14:hiddenFill>
+            </a:ext>
+          </a:extLst>
         </p:spPr>
       </p:pic>
-      <p:sp>
-        <p:nvSpPr>
-          <p:cNvPr id="5" name="Rectangle 4"/>
-          <p:cNvSpPr/>
+      <p:pic>
+        <p:nvPicPr>
+          <p:cNvPr id="2058" name="Picture 10" descr="Landsat 8 Landsat program Atlas V Logo Service structure, angle, text png |  PNGEgg"/>
+          <p:cNvPicPr>
+            <a:picLocks noChangeAspect="1" noChangeArrowheads="1"/>
+          </p:cNvPicPr>
           <p:nvPr/>
-        </p:nvSpPr>
-        <p:spPr>
+        </p:nvPicPr>
+        <p:blipFill>
+          <a:blip r:embed="rId3" cstate="print">
+            <a:extLst>
+              <a:ext uri="{28A0092B-C50C-407E-A947-70E740481C1C}">
+                <a14:useLocalDpi xmlns:a14="http://schemas.microsoft.com/office/drawing/2010/main" val="0"/>
+              </a:ext>
+            </a:extLst>
+          </a:blip>
+          <a:srcRect/>
+          <a:stretch>
+            <a:fillRect/>
+          </a:stretch>
+        </p:blipFill>
+        <p:spPr bwMode="auto">
           <a:xfrm>
-            <a:off x="1261345" y="710684"/>
-            <a:ext cx="3116109" cy="369332"/>
+            <a:off x="4787898" y="3823044"/>
+            <a:ext cx="2616201" cy="1947617"/>
           </a:xfrm>
           <a:prstGeom prst="rect">
             <a:avLst/>
           </a:prstGeom>
+          <a:noFill/>
+          <a:ln w="28575">
+            <a:solidFill>
+              <a:schemeClr val="accent6">
+                <a:lumMod val="75000"/>
+              </a:schemeClr>
+            </a:solidFill>
+          </a:ln>
+          <a:extLst>
+            <a:ext uri="{909E8E84-426E-40DD-AFC4-6F175D3DCCD1}">
+              <a14:hiddenFill xmlns:a14="http://schemas.microsoft.com/office/drawing/2010/main">
+                <a:solidFill>
+                  <a:srgbClr val="FFFFFF"/>
+                </a:solidFill>
+              </a14:hiddenFill>
+            </a:ext>
+          </a:extLst>
         </p:spPr>
-        <p:txBody>
-          <a:bodyPr wrap="none">
-            <a:spAutoFit/>
-          </a:bodyPr>
+      </p:pic>
+      <p:sp>
+        <p:nvSpPr>
+          <p:cNvPr id="11" name="Rectangle 10"/>
+          <p:cNvSpPr/>
+          <p:nvPr/>
+        </p:nvSpPr>
+        <p:spPr>
+          <a:xfrm>
+            <a:off x="4303484" y="5957185"/>
+            <a:ext cx="3585028" cy="529236"/>
+          </a:xfrm>
+          <a:prstGeom prst="rect">
+            <a:avLst/>
+          </a:prstGeom>
+          <a:noFill/>
+          <a:ln>
+            <a:noFill/>
+          </a:ln>
+        </p:spPr>
+        <p:style>
+          <a:lnRef idx="2">
+            <a:schemeClr val="accent1">
+              <a:shade val="50000"/>
+            </a:schemeClr>
+          </a:lnRef>
+          <a:fillRef idx="1">
+            <a:schemeClr val="accent1"/>
+          </a:fillRef>
+          <a:effectRef idx="0">
+            <a:schemeClr val="accent1"/>
+          </a:effectRef>
+          <a:fontRef idx="minor">
+            <a:schemeClr val="lt1"/>
+          </a:fontRef>
+        </p:style>
+        <p:txBody>
+          <a:bodyPr rtlCol="0" anchor="ctr"/>
           <a:lstStyle/>
           <a:p>
-            <a:r>
-              <a:rPr lang="en-GB" dirty="0" smtClean="0"/>
-              <a:t>https://earthexplorer.usgs.gov/</a:t>
-            </a:r>
-            <a:endParaRPr lang="en-GB" dirty="0"/>
+            <a:pPr algn="ctr"/>
+            <a:r>
+              <a:rPr lang="en-GB" b="1" i="1" dirty="0" smtClean="0">
+                <a:solidFill>
+                  <a:schemeClr val="tx1"/>
+                </a:solidFill>
+              </a:rPr>
+              <a:t>Landsat 8</a:t>
+            </a:r>
+          </a:p>
+          <a:p>
+            <a:pPr algn="ctr"/>
+            <a:r>
+              <a:rPr lang="en-GB" i="1" dirty="0" smtClean="0">
+                <a:solidFill>
+                  <a:schemeClr val="tx1"/>
+                </a:solidFill>
+              </a:rPr>
+              <a:t>Multispectral (e.g</a:t>
+            </a:r>
+            <a:r>
+              <a:rPr lang="en-GB" i="1" dirty="0" smtClean="0">
+                <a:solidFill>
+                  <a:schemeClr val="tx1"/>
+                </a:solidFill>
+              </a:rPr>
+              <a:t>. Optical</a:t>
+            </a:r>
+            <a:r>
+              <a:rPr lang="en-GB" i="1" dirty="0" smtClean="0">
+                <a:solidFill>
+                  <a:schemeClr val="tx1"/>
+                </a:solidFill>
+              </a:rPr>
+              <a:t>)</a:t>
+            </a:r>
+          </a:p>
+          <a:p>
+            <a:pPr algn="ctr"/>
+            <a:r>
+              <a:rPr lang="en-GB" i="1" dirty="0" smtClean="0">
+                <a:solidFill>
+                  <a:schemeClr val="tx1"/>
+                </a:solidFill>
+              </a:rPr>
+              <a:t>Feb 2013 - Current</a:t>
+            </a:r>
+            <a:endParaRPr lang="en-GB" i="1" dirty="0">
+              <a:solidFill>
+                <a:schemeClr val="tx1"/>
+              </a:solidFill>
+            </a:endParaRPr>
+          </a:p>
+        </p:txBody>
+      </p:sp>
+      <p:sp>
+        <p:nvSpPr>
+          <p:cNvPr id="12" name="Rectangle 11"/>
+          <p:cNvSpPr/>
+          <p:nvPr/>
+        </p:nvSpPr>
+        <p:spPr>
+          <a:xfrm>
+            <a:off x="466273" y="4336616"/>
+            <a:ext cx="3585028" cy="920471"/>
+          </a:xfrm>
+          <a:prstGeom prst="rect">
+            <a:avLst/>
+          </a:prstGeom>
+          <a:noFill/>
+          <a:ln>
+            <a:noFill/>
+          </a:ln>
+        </p:spPr>
+        <p:style>
+          <a:lnRef idx="2">
+            <a:schemeClr val="accent1">
+              <a:shade val="50000"/>
+            </a:schemeClr>
+          </a:lnRef>
+          <a:fillRef idx="1">
+            <a:schemeClr val="accent1"/>
+          </a:fillRef>
+          <a:effectRef idx="0">
+            <a:schemeClr val="accent1"/>
+          </a:effectRef>
+          <a:fontRef idx="minor">
+            <a:schemeClr val="lt1"/>
+          </a:fontRef>
+        </p:style>
+        <p:txBody>
+          <a:bodyPr rtlCol="0" anchor="ctr"/>
+          <a:lstStyle/>
+          <a:p>
+            <a:pPr algn="ctr"/>
+            <a:r>
+              <a:rPr lang="en-GB" b="1" i="1" dirty="0" err="1" smtClean="0">
+                <a:solidFill>
+                  <a:schemeClr val="tx1"/>
+                </a:solidFill>
+              </a:rPr>
+              <a:t>Landsats</a:t>
+            </a:r>
+            <a:r>
+              <a:rPr lang="en-GB" b="1" i="1" dirty="0" smtClean="0">
+                <a:solidFill>
+                  <a:schemeClr val="tx1"/>
+                </a:solidFill>
+              </a:rPr>
+              <a:t> 1-7:</a:t>
+            </a:r>
+          </a:p>
+          <a:p>
+            <a:pPr algn="ctr"/>
+            <a:r>
+              <a:rPr lang="en-GB" i="1" dirty="0" smtClean="0">
+                <a:solidFill>
+                  <a:schemeClr val="tx1"/>
+                </a:solidFill>
+              </a:rPr>
+              <a:t>Multispectral over previous time periods</a:t>
+            </a:r>
+          </a:p>
+          <a:p>
+            <a:pPr algn="ctr"/>
+            <a:r>
+              <a:rPr lang="en-GB" i="1" dirty="0" smtClean="0">
+                <a:solidFill>
+                  <a:schemeClr val="tx1"/>
+                </a:solidFill>
+              </a:rPr>
+              <a:t>(Mid 1972 – 6</a:t>
+            </a:r>
+            <a:r>
+              <a:rPr lang="en-GB" i="1" baseline="30000" dirty="0" smtClean="0">
+                <a:solidFill>
+                  <a:schemeClr val="tx1"/>
+                </a:solidFill>
+              </a:rPr>
+              <a:t>th</a:t>
+            </a:r>
+            <a:r>
+              <a:rPr lang="en-GB" i="1" dirty="0" smtClean="0">
+                <a:solidFill>
+                  <a:schemeClr val="tx1"/>
+                </a:solidFill>
+              </a:rPr>
+              <a:t> April 2022)</a:t>
+            </a:r>
+            <a:endParaRPr lang="en-GB" i="1" dirty="0">
+              <a:solidFill>
+                <a:schemeClr val="tx1"/>
+              </a:solidFill>
+            </a:endParaRPr>
+          </a:p>
+        </p:txBody>
+      </p:sp>
+      <p:sp>
+        <p:nvSpPr>
+          <p:cNvPr id="13" name="Rectangle 12"/>
+          <p:cNvSpPr/>
+          <p:nvPr/>
+        </p:nvSpPr>
+        <p:spPr>
+          <a:xfrm>
+            <a:off x="8064497" y="4327802"/>
+            <a:ext cx="3585028" cy="920471"/>
+          </a:xfrm>
+          <a:prstGeom prst="rect">
+            <a:avLst/>
+          </a:prstGeom>
+          <a:noFill/>
+          <a:ln>
+            <a:noFill/>
+          </a:ln>
+        </p:spPr>
+        <p:style>
+          <a:lnRef idx="2">
+            <a:schemeClr val="accent1">
+              <a:shade val="50000"/>
+            </a:schemeClr>
+          </a:lnRef>
+          <a:fillRef idx="1">
+            <a:schemeClr val="accent1"/>
+          </a:fillRef>
+          <a:effectRef idx="0">
+            <a:schemeClr val="accent1"/>
+          </a:effectRef>
+          <a:fontRef idx="minor">
+            <a:schemeClr val="lt1"/>
+          </a:fontRef>
+        </p:style>
+        <p:txBody>
+          <a:bodyPr rtlCol="0" anchor="ctr"/>
+          <a:lstStyle/>
+          <a:p>
+            <a:pPr algn="ctr"/>
+            <a:r>
+              <a:rPr lang="en-GB" b="1" i="1" dirty="0" smtClean="0">
+                <a:solidFill>
+                  <a:schemeClr val="tx1"/>
+                </a:solidFill>
+              </a:rPr>
+              <a:t>Landsat 9 :</a:t>
+            </a:r>
+          </a:p>
+          <a:p>
+            <a:pPr algn="ctr"/>
+            <a:r>
+              <a:rPr lang="en-GB" i="1" dirty="0" smtClean="0">
+                <a:solidFill>
+                  <a:schemeClr val="tx1"/>
+                </a:solidFill>
+              </a:rPr>
+              <a:t>Latest mission</a:t>
+            </a:r>
+          </a:p>
+          <a:p>
+            <a:pPr algn="ctr"/>
+            <a:r>
+              <a:rPr lang="en-GB" i="1" dirty="0" smtClean="0">
+                <a:solidFill>
+                  <a:schemeClr val="tx1"/>
+                </a:solidFill>
+              </a:rPr>
+              <a:t>Sept 2021 - Current</a:t>
+            </a:r>
+            <a:endParaRPr lang="en-GB" i="1" dirty="0">
+              <a:solidFill>
+                <a:schemeClr val="tx1"/>
+              </a:solidFill>
+            </a:endParaRPr>
+          </a:p>
+        </p:txBody>
+      </p:sp>
+      <p:sp>
+        <p:nvSpPr>
+          <p:cNvPr id="16" name="Rectangle 15"/>
+          <p:cNvSpPr/>
+          <p:nvPr/>
+        </p:nvSpPr>
+        <p:spPr>
+          <a:xfrm>
+            <a:off x="8140696" y="5565950"/>
+            <a:ext cx="3585028" cy="920471"/>
+          </a:xfrm>
+          <a:prstGeom prst="rect">
+            <a:avLst/>
+          </a:prstGeom>
+          <a:noFill/>
+          <a:ln>
+            <a:noFill/>
+          </a:ln>
+        </p:spPr>
+        <p:style>
+          <a:lnRef idx="2">
+            <a:schemeClr val="accent1">
+              <a:shade val="50000"/>
+            </a:schemeClr>
+          </a:lnRef>
+          <a:fillRef idx="1">
+            <a:schemeClr val="accent1"/>
+          </a:fillRef>
+          <a:effectRef idx="0">
+            <a:schemeClr val="accent1"/>
+          </a:effectRef>
+          <a:fontRef idx="minor">
+            <a:schemeClr val="lt1"/>
+          </a:fontRef>
+        </p:style>
+        <p:txBody>
+          <a:bodyPr rtlCol="0" anchor="ctr"/>
+          <a:lstStyle/>
+          <a:p>
+            <a:pPr algn="ctr"/>
+            <a:r>
+              <a:rPr lang="en-GB" i="1" dirty="0" smtClean="0">
+                <a:solidFill>
+                  <a:schemeClr val="tx1"/>
+                </a:solidFill>
+              </a:rPr>
+              <a:t>+ </a:t>
+            </a:r>
+            <a:r>
+              <a:rPr lang="en-GB" i="1" dirty="0" err="1" smtClean="0">
+                <a:solidFill>
+                  <a:schemeClr val="tx1"/>
+                </a:solidFill>
+              </a:rPr>
+              <a:t>EarthExplorer</a:t>
+            </a:r>
+            <a:r>
+              <a:rPr lang="en-GB" i="1" dirty="0" smtClean="0">
+                <a:solidFill>
+                  <a:schemeClr val="tx1"/>
+                </a:solidFill>
+              </a:rPr>
+              <a:t> has many other USGS datasets e.g. Aerial surveys, DTMs </a:t>
+            </a:r>
+            <a:r>
+              <a:rPr lang="en-GB" i="1" dirty="0" err="1" smtClean="0">
+                <a:solidFill>
+                  <a:schemeClr val="tx1"/>
+                </a:solidFill>
+              </a:rPr>
+              <a:t>etc</a:t>
+            </a:r>
+            <a:endParaRPr lang="en-GB" i="1" dirty="0">
+              <a:solidFill>
+                <a:schemeClr val="tx1"/>
+              </a:solidFill>
+            </a:endParaRPr>
           </a:p>
         </p:txBody>
       </p:sp>
     </p:spTree>
     <p:extLst>
       <p:ext uri="{BB962C8B-B14F-4D97-AF65-F5344CB8AC3E}">
-        <p14:creationId xmlns:p14="http://schemas.microsoft.com/office/powerpoint/2010/main" val="495431011"/>
+        <p14:creationId xmlns:p14="http://schemas.microsoft.com/office/powerpoint/2010/main" val="2973828736"/>
       </p:ext>
     </p:extLst>
   </p:cSld>
@@ -3049,38 +3507,9 @@
           <a:chExt cx="0" cy="0"/>
         </a:xfrm>
       </p:grpSpPr>
-      <p:sp>
-        <p:nvSpPr>
-          <p:cNvPr id="5" name="Rectangle 4"/>
-          <p:cNvSpPr/>
-          <p:nvPr/>
-        </p:nvSpPr>
-        <p:spPr>
-          <a:xfrm>
-            <a:off x="270745" y="329684"/>
-            <a:ext cx="2767361" cy="369332"/>
-          </a:xfrm>
-          <a:prstGeom prst="rect">
-            <a:avLst/>
-          </a:prstGeom>
-        </p:spPr>
-        <p:txBody>
-          <a:bodyPr wrap="none">
-            <a:spAutoFit/>
-          </a:bodyPr>
-          <a:lstStyle/>
-          <a:p>
-            <a:r>
-              <a:rPr lang="en-GB" dirty="0" smtClean="0"/>
-              <a:t>Select area of interest (AOI)</a:t>
-            </a:r>
-            <a:endParaRPr lang="en-GB" dirty="0"/>
-          </a:p>
-        </p:txBody>
-      </p:sp>
       <p:pic>
         <p:nvPicPr>
-          <p:cNvPr id="2" name="Picture 1"/>
+          <p:cNvPr id="4" name="Picture 3"/>
           <p:cNvPicPr>
             <a:picLocks noChangeAspect="1"/>
           </p:cNvPicPr>
@@ -3088,23 +3517,153 @@
         </p:nvPicPr>
         <p:blipFill rotWithShape="1">
           <a:blip r:embed="rId2"/>
-          <a:srcRect b="18711"/>
+          <a:srcRect b="36835"/>
           <a:stretch/>
         </p:blipFill>
         <p:spPr>
           <a:xfrm>
-            <a:off x="1909045" y="994704"/>
-            <a:ext cx="9082805" cy="5513838"/>
+            <a:off x="152400" y="1214854"/>
+            <a:ext cx="11850754" cy="5301248"/>
           </a:xfrm>
           <a:prstGeom prst="rect">
             <a:avLst/>
           </a:prstGeom>
         </p:spPr>
       </p:pic>
+      <p:sp>
+        <p:nvSpPr>
+          <p:cNvPr id="5" name="Rectangle 4"/>
+          <p:cNvSpPr/>
+          <p:nvPr/>
+        </p:nvSpPr>
+        <p:spPr>
+          <a:xfrm>
+            <a:off x="613645" y="463034"/>
+            <a:ext cx="10247229" cy="523220"/>
+          </a:xfrm>
+          <a:prstGeom prst="rect">
+            <a:avLst/>
+          </a:prstGeom>
+          <a:solidFill>
+            <a:schemeClr val="bg1">
+              <a:lumMod val="95000"/>
+            </a:schemeClr>
+          </a:solidFill>
+          <a:ln>
+            <a:solidFill>
+              <a:srgbClr val="FF0000"/>
+            </a:solidFill>
+          </a:ln>
+        </p:spPr>
+        <p:txBody>
+          <a:bodyPr wrap="none">
+            <a:spAutoFit/>
+          </a:bodyPr>
+          <a:lstStyle/>
+          <a:p>
+            <a:r>
+              <a:rPr lang="en-GB" sz="2800" dirty="0" smtClean="0"/>
+              <a:t>Go to </a:t>
+            </a:r>
+            <a:r>
+              <a:rPr lang="en-GB" sz="2800" b="1" dirty="0" smtClean="0">
+                <a:hlinkClick r:id="rId3"/>
+              </a:rPr>
+              <a:t>https://earthexplorer.usgs.gov/</a:t>
+            </a:r>
+            <a:r>
+              <a:rPr lang="en-GB" sz="2800" dirty="0" smtClean="0"/>
+              <a:t> and Login / Create an Account</a:t>
+            </a:r>
+            <a:endParaRPr lang="en-GB" sz="2800" b="1" dirty="0"/>
+          </a:p>
+        </p:txBody>
+      </p:sp>
+      <p:sp>
+        <p:nvSpPr>
+          <p:cNvPr id="6" name="Rounded Rectangle 5"/>
+          <p:cNvSpPr/>
+          <p:nvPr/>
+        </p:nvSpPr>
+        <p:spPr>
+          <a:xfrm>
+            <a:off x="11087100" y="1790700"/>
+            <a:ext cx="916054" cy="885825"/>
+          </a:xfrm>
+          <a:prstGeom prst="roundRect">
+            <a:avLst/>
+          </a:prstGeom>
+          <a:noFill/>
+          <a:ln w="38100">
+            <a:solidFill>
+              <a:srgbClr val="FF0000"/>
+            </a:solidFill>
+          </a:ln>
+        </p:spPr>
+        <p:style>
+          <a:lnRef idx="2">
+            <a:schemeClr val="accent1">
+              <a:shade val="50000"/>
+            </a:schemeClr>
+          </a:lnRef>
+          <a:fillRef idx="1">
+            <a:schemeClr val="accent1"/>
+          </a:fillRef>
+          <a:effectRef idx="0">
+            <a:schemeClr val="accent1"/>
+          </a:effectRef>
+          <a:fontRef idx="minor">
+            <a:schemeClr val="lt1"/>
+          </a:fontRef>
+        </p:style>
+        <p:txBody>
+          <a:bodyPr rtlCol="0" anchor="ctr"/>
+          <a:lstStyle/>
+          <a:p>
+            <a:pPr algn="ctr"/>
+            <a:endParaRPr lang="en-GB"/>
+          </a:p>
+        </p:txBody>
+      </p:sp>
+      <p:cxnSp>
+        <p:nvCxnSpPr>
+          <p:cNvPr id="8" name="Straight Connector 7"/>
+          <p:cNvCxnSpPr/>
+          <p:nvPr/>
+        </p:nvCxnSpPr>
+        <p:spPr>
+          <a:xfrm flipH="1" flipV="1">
+            <a:off x="10144125" y="986254"/>
+            <a:ext cx="942975" cy="804446"/>
+          </a:xfrm>
+          <a:prstGeom prst="line">
+            <a:avLst/>
+          </a:prstGeom>
+          <a:ln w="28575">
+            <a:solidFill>
+              <a:srgbClr val="FF0000"/>
+            </a:solidFill>
+          </a:ln>
+        </p:spPr>
+        <p:style>
+          <a:lnRef idx="1">
+            <a:schemeClr val="accent1"/>
+          </a:lnRef>
+          <a:fillRef idx="0">
+            <a:schemeClr val="accent1"/>
+          </a:fillRef>
+          <a:effectRef idx="0">
+            <a:schemeClr val="accent1"/>
+          </a:effectRef>
+          <a:fontRef idx="minor">
+            <a:schemeClr val="tx1"/>
+          </a:fontRef>
+        </p:style>
+      </p:cxnSp>
     </p:spTree>
     <p:extLst>
       <p:ext uri="{BB962C8B-B14F-4D97-AF65-F5344CB8AC3E}">
-        <p14:creationId xmlns:p14="http://schemas.microsoft.com/office/powerpoint/2010/main" val="2288384896"/>
+        <p14:creationId xmlns:p14="http://schemas.microsoft.com/office/powerpoint/2010/main" val="495431011"/>
       </p:ext>
     </p:extLst>
   </p:cSld>
@@ -3133,6 +3692,189 @@
       </p:grpSpPr>
       <p:pic>
         <p:nvPicPr>
+          <p:cNvPr id="2" name="Picture 1"/>
+          <p:cNvPicPr>
+            <a:picLocks noChangeAspect="1"/>
+          </p:cNvPicPr>
+          <p:nvPr/>
+        </p:nvPicPr>
+        <p:blipFill rotWithShape="1">
+          <a:blip r:embed="rId2"/>
+          <a:srcRect b="18711"/>
+          <a:stretch/>
+        </p:blipFill>
+        <p:spPr>
+          <a:xfrm>
+            <a:off x="1909045" y="994704"/>
+            <a:ext cx="9082805" cy="5513838"/>
+          </a:xfrm>
+          <a:prstGeom prst="rect">
+            <a:avLst/>
+          </a:prstGeom>
+        </p:spPr>
+      </p:pic>
+      <p:sp>
+        <p:nvSpPr>
+          <p:cNvPr id="7" name="TextBox 6"/>
+          <p:cNvSpPr txBox="1"/>
+          <p:nvPr/>
+        </p:nvSpPr>
+        <p:spPr>
+          <a:xfrm>
+            <a:off x="426187" y="221218"/>
+            <a:ext cx="4783988" cy="646331"/>
+          </a:xfrm>
+          <a:prstGeom prst="rect">
+            <a:avLst/>
+          </a:prstGeom>
+          <a:solidFill>
+            <a:schemeClr val="bg1">
+              <a:lumMod val="95000"/>
+            </a:schemeClr>
+          </a:solidFill>
+          <a:ln>
+            <a:solidFill>
+              <a:srgbClr val="FF0000"/>
+            </a:solidFill>
+          </a:ln>
+        </p:spPr>
+        <p:txBody>
+          <a:bodyPr wrap="square" rtlCol="0">
+            <a:spAutoFit/>
+          </a:bodyPr>
+          <a:lstStyle/>
+          <a:p>
+            <a:r>
+              <a:rPr lang="en-GB" dirty="0" smtClean="0"/>
+              <a:t>Select an </a:t>
+            </a:r>
+            <a:r>
+              <a:rPr lang="en-GB" b="1" dirty="0" smtClean="0"/>
+              <a:t>Area of Interest (AOI)</a:t>
+            </a:r>
+          </a:p>
+          <a:p>
+            <a:r>
+              <a:rPr lang="en-GB" i="1" dirty="0" smtClean="0"/>
+              <a:t>Example below = drop pin to select a coordinate</a:t>
+            </a:r>
+            <a:endParaRPr lang="en-GB" i="1" dirty="0"/>
+          </a:p>
+        </p:txBody>
+      </p:sp>
+      <p:cxnSp>
+        <p:nvCxnSpPr>
+          <p:cNvPr id="8" name="Straight Connector 7"/>
+          <p:cNvCxnSpPr/>
+          <p:nvPr/>
+        </p:nvCxnSpPr>
+        <p:spPr>
+          <a:xfrm>
+            <a:off x="895350" y="867549"/>
+            <a:ext cx="1219200" cy="4780776"/>
+          </a:xfrm>
+          <a:prstGeom prst="line">
+            <a:avLst/>
+          </a:prstGeom>
+          <a:ln w="28575">
+            <a:solidFill>
+              <a:srgbClr val="FF0000"/>
+            </a:solidFill>
+          </a:ln>
+        </p:spPr>
+        <p:style>
+          <a:lnRef idx="1">
+            <a:schemeClr val="accent1"/>
+          </a:lnRef>
+          <a:fillRef idx="0">
+            <a:schemeClr val="accent1"/>
+          </a:fillRef>
+          <a:effectRef idx="0">
+            <a:schemeClr val="accent1"/>
+          </a:effectRef>
+          <a:fontRef idx="minor">
+            <a:schemeClr val="tx1"/>
+          </a:fontRef>
+        </p:style>
+      </p:cxnSp>
+      <p:sp>
+        <p:nvSpPr>
+          <p:cNvPr id="10" name="Rounded Rectangle 9"/>
+          <p:cNvSpPr/>
+          <p:nvPr/>
+        </p:nvSpPr>
+        <p:spPr>
+          <a:xfrm>
+            <a:off x="2114549" y="5362575"/>
+            <a:ext cx="2847975" cy="1145967"/>
+          </a:xfrm>
+          <a:prstGeom prst="roundRect">
+            <a:avLst/>
+          </a:prstGeom>
+          <a:noFill/>
+          <a:ln w="38100">
+            <a:solidFill>
+              <a:srgbClr val="FF0000"/>
+            </a:solidFill>
+          </a:ln>
+        </p:spPr>
+        <p:style>
+          <a:lnRef idx="2">
+            <a:schemeClr val="accent1">
+              <a:shade val="50000"/>
+            </a:schemeClr>
+          </a:lnRef>
+          <a:fillRef idx="1">
+            <a:schemeClr val="accent1"/>
+          </a:fillRef>
+          <a:effectRef idx="0">
+            <a:schemeClr val="accent1"/>
+          </a:effectRef>
+          <a:fontRef idx="minor">
+            <a:schemeClr val="lt1"/>
+          </a:fontRef>
+        </p:style>
+        <p:txBody>
+          <a:bodyPr rtlCol="0" anchor="ctr"/>
+          <a:lstStyle/>
+          <a:p>
+            <a:pPr algn="ctr"/>
+            <a:endParaRPr lang="en-GB"/>
+          </a:p>
+        </p:txBody>
+      </p:sp>
+    </p:spTree>
+    <p:extLst>
+      <p:ext uri="{BB962C8B-B14F-4D97-AF65-F5344CB8AC3E}">
+        <p14:creationId xmlns:p14="http://schemas.microsoft.com/office/powerpoint/2010/main" val="2288384896"/>
+      </p:ext>
+    </p:extLst>
+  </p:cSld>
+  <p:clrMapOvr>
+    <a:masterClrMapping/>
+  </p:clrMapOvr>
+</p:sld>
+</file>
+
+<file path=ppt/slides/slide4.xml><?xml version="1.0" encoding="utf-8"?>
+<p:sld xmlns:a="http://schemas.openxmlformats.org/drawingml/2006/main" xmlns:r="http://schemas.openxmlformats.org/officeDocument/2006/relationships" xmlns:p="http://schemas.openxmlformats.org/presentationml/2006/main">
+  <p:cSld>
+    <p:spTree>
+      <p:nvGrpSpPr>
+        <p:cNvPr id="1" name=""/>
+        <p:cNvGrpSpPr/>
+        <p:nvPr/>
+      </p:nvGrpSpPr>
+      <p:grpSpPr>
+        <a:xfrm>
+          <a:off x="0" y="0"/>
+          <a:ext cx="0" cy="0"/>
+          <a:chOff x="0" y="0"/>
+          <a:chExt cx="0" cy="0"/>
+        </a:xfrm>
+      </p:grpSpPr>
+      <p:pic>
+        <p:nvPicPr>
           <p:cNvPr id="4" name="Picture 3"/>
           <p:cNvPicPr>
             <a:picLocks noChangeAspect="1"/>
@@ -3141,13 +3883,13 @@
         </p:nvPicPr>
         <p:blipFill rotWithShape="1">
           <a:blip r:embed="rId2"/>
-          <a:srcRect t="73951" r="63714" b="4038"/>
+          <a:srcRect t="73951" r="67673" b="4038"/>
           <a:stretch/>
         </p:blipFill>
         <p:spPr>
           <a:xfrm>
-            <a:off x="3105150" y="2724151"/>
-            <a:ext cx="4415555" cy="2000250"/>
+            <a:off x="3105150" y="3076499"/>
+            <a:ext cx="3933825" cy="2000250"/>
           </a:xfrm>
           <a:prstGeom prst="rect">
             <a:avLst/>
@@ -3202,6 +3944,293 @@
           </a:prstGeom>
         </p:spPr>
       </p:pic>
+      <p:sp>
+        <p:nvSpPr>
+          <p:cNvPr id="8" name="TextBox 7"/>
+          <p:cNvSpPr txBox="1"/>
+          <p:nvPr/>
+        </p:nvSpPr>
+        <p:spPr>
+          <a:xfrm>
+            <a:off x="807187" y="572467"/>
+            <a:ext cx="4612538" cy="369332"/>
+          </a:xfrm>
+          <a:prstGeom prst="rect">
+            <a:avLst/>
+          </a:prstGeom>
+          <a:solidFill>
+            <a:schemeClr val="bg1">
+              <a:lumMod val="95000"/>
+            </a:schemeClr>
+          </a:solidFill>
+          <a:ln>
+            <a:solidFill>
+              <a:srgbClr val="FF0000"/>
+            </a:solidFill>
+          </a:ln>
+        </p:spPr>
+        <p:txBody>
+          <a:bodyPr wrap="square" rtlCol="0">
+            <a:spAutoFit/>
+          </a:bodyPr>
+          <a:lstStyle/>
+          <a:p>
+            <a:r>
+              <a:rPr lang="en-GB" i="1" dirty="0" smtClean="0"/>
+              <a:t>Select a </a:t>
+            </a:r>
+            <a:r>
+              <a:rPr lang="en-GB" b="1" i="1" dirty="0" smtClean="0"/>
+              <a:t>Date Range</a:t>
+            </a:r>
+            <a:endParaRPr lang="en-GB" b="1" i="1" dirty="0"/>
+          </a:p>
+        </p:txBody>
+      </p:sp>
+      <p:sp>
+        <p:nvSpPr>
+          <p:cNvPr id="9" name="TextBox 8"/>
+          <p:cNvSpPr txBox="1"/>
+          <p:nvPr/>
+        </p:nvSpPr>
+        <p:spPr>
+          <a:xfrm>
+            <a:off x="2720379" y="2645612"/>
+            <a:ext cx="4784792" cy="861774"/>
+          </a:xfrm>
+          <a:prstGeom prst="rect">
+            <a:avLst/>
+          </a:prstGeom>
+          <a:solidFill>
+            <a:schemeClr val="bg1">
+              <a:lumMod val="95000"/>
+            </a:schemeClr>
+          </a:solidFill>
+          <a:ln>
+            <a:solidFill>
+              <a:srgbClr val="FF0000"/>
+            </a:solidFill>
+          </a:ln>
+        </p:spPr>
+        <p:txBody>
+          <a:bodyPr wrap="square" rtlCol="0">
+            <a:spAutoFit/>
+          </a:bodyPr>
+          <a:lstStyle/>
+          <a:p>
+            <a:r>
+              <a:rPr lang="en-GB" i="1" dirty="0" smtClean="0"/>
+              <a:t>Select a </a:t>
+            </a:r>
+            <a:r>
+              <a:rPr lang="en-GB" b="1" i="1" dirty="0" smtClean="0"/>
+              <a:t>Cloud Cover %</a:t>
+            </a:r>
+          </a:p>
+          <a:p>
+            <a:r>
+              <a:rPr lang="en-GB" sz="1600" i="1" dirty="0" smtClean="0"/>
+              <a:t>Note: For very low % covers e.g. &lt;20% (esp. for Faroe Islands) you will likely need wider date ranges</a:t>
+            </a:r>
+            <a:endParaRPr lang="en-GB" sz="1600" i="1" dirty="0"/>
+          </a:p>
+        </p:txBody>
+      </p:sp>
+      <p:sp>
+        <p:nvSpPr>
+          <p:cNvPr id="10" name="Rounded Rectangle 9"/>
+          <p:cNvSpPr/>
+          <p:nvPr/>
+        </p:nvSpPr>
+        <p:spPr>
+          <a:xfrm>
+            <a:off x="8629649" y="5543551"/>
+            <a:ext cx="1095375" cy="723900"/>
+          </a:xfrm>
+          <a:prstGeom prst="roundRect">
+            <a:avLst/>
+          </a:prstGeom>
+          <a:noFill/>
+          <a:ln w="38100">
+            <a:solidFill>
+              <a:srgbClr val="FF0000"/>
+            </a:solidFill>
+          </a:ln>
+        </p:spPr>
+        <p:style>
+          <a:lnRef idx="2">
+            <a:schemeClr val="accent1">
+              <a:shade val="50000"/>
+            </a:schemeClr>
+          </a:lnRef>
+          <a:fillRef idx="1">
+            <a:schemeClr val="accent1"/>
+          </a:fillRef>
+          <a:effectRef idx="0">
+            <a:schemeClr val="accent1"/>
+          </a:effectRef>
+          <a:fontRef idx="minor">
+            <a:schemeClr val="lt1"/>
+          </a:fontRef>
+        </p:style>
+        <p:txBody>
+          <a:bodyPr rtlCol="0" anchor="ctr"/>
+          <a:lstStyle/>
+          <a:p>
+            <a:pPr algn="ctr"/>
+            <a:endParaRPr lang="en-GB"/>
+          </a:p>
+        </p:txBody>
+      </p:sp>
+      <p:sp>
+        <p:nvSpPr>
+          <p:cNvPr id="11" name="TextBox 10"/>
+          <p:cNvSpPr txBox="1"/>
+          <p:nvPr/>
+        </p:nvSpPr>
+        <p:spPr>
+          <a:xfrm>
+            <a:off x="7919594" y="3735352"/>
+            <a:ext cx="3910730" cy="1107996"/>
+          </a:xfrm>
+          <a:prstGeom prst="rect">
+            <a:avLst/>
+          </a:prstGeom>
+          <a:solidFill>
+            <a:schemeClr val="bg1">
+              <a:lumMod val="95000"/>
+            </a:schemeClr>
+          </a:solidFill>
+          <a:ln>
+            <a:solidFill>
+              <a:srgbClr val="FF0000"/>
+            </a:solidFill>
+          </a:ln>
+        </p:spPr>
+        <p:txBody>
+          <a:bodyPr wrap="square" rtlCol="0">
+            <a:spAutoFit/>
+          </a:bodyPr>
+          <a:lstStyle/>
+          <a:p>
+            <a:r>
+              <a:rPr lang="en-GB" b="1" i="1" dirty="0" smtClean="0"/>
+              <a:t>Click ‘Data Sets’</a:t>
+            </a:r>
+            <a:r>
+              <a:rPr lang="en-GB" i="1" dirty="0" smtClean="0"/>
+              <a:t> to select which USGS </a:t>
+            </a:r>
+            <a:r>
+              <a:rPr lang="en-GB" sz="1600" i="1" dirty="0" smtClean="0"/>
+              <a:t>Data Set you are searching.</a:t>
+            </a:r>
+          </a:p>
+          <a:p>
+            <a:r>
+              <a:rPr lang="en-GB" sz="1600" i="1" dirty="0" smtClean="0"/>
+              <a:t>e.g. Landsat 8, Aerial Surveys, Other USGS data products etc.</a:t>
+            </a:r>
+            <a:endParaRPr lang="en-GB" sz="1600" i="1" dirty="0"/>
+          </a:p>
+        </p:txBody>
+      </p:sp>
+      <p:sp>
+        <p:nvSpPr>
+          <p:cNvPr id="12" name="Right Arrow 11"/>
+          <p:cNvSpPr/>
+          <p:nvPr/>
+        </p:nvSpPr>
+        <p:spPr>
+          <a:xfrm rot="3101251">
+            <a:off x="2095500" y="2399383"/>
+            <a:ext cx="323850" cy="285750"/>
+          </a:xfrm>
+          <a:prstGeom prst="rightArrow">
+            <a:avLst/>
+          </a:prstGeom>
+          <a:solidFill>
+            <a:schemeClr val="accent6">
+              <a:lumMod val="75000"/>
+            </a:schemeClr>
+          </a:solidFill>
+          <a:ln>
+            <a:noFill/>
+          </a:ln>
+        </p:spPr>
+        <p:style>
+          <a:lnRef idx="2">
+            <a:schemeClr val="accent1">
+              <a:shade val="50000"/>
+            </a:schemeClr>
+          </a:lnRef>
+          <a:fillRef idx="1">
+            <a:schemeClr val="accent1"/>
+          </a:fillRef>
+          <a:effectRef idx="0">
+            <a:schemeClr val="accent1"/>
+          </a:effectRef>
+          <a:fontRef idx="minor">
+            <a:schemeClr val="lt1"/>
+          </a:fontRef>
+        </p:style>
+        <p:txBody>
+          <a:bodyPr rtlCol="0" anchor="ctr"/>
+          <a:lstStyle/>
+          <a:p>
+            <a:pPr algn="ctr"/>
+            <a:endParaRPr lang="en-GB"/>
+          </a:p>
+        </p:txBody>
+      </p:sp>
+      <p:sp>
+        <p:nvSpPr>
+          <p:cNvPr id="13" name="Right Arrow 12"/>
+          <p:cNvSpPr/>
+          <p:nvPr/>
+        </p:nvSpPr>
+        <p:spPr>
+          <a:xfrm rot="3101251">
+            <a:off x="7317358" y="3930847"/>
+            <a:ext cx="323850" cy="285750"/>
+          </a:xfrm>
+          <a:prstGeom prst="rightArrow">
+            <a:avLst/>
+          </a:prstGeom>
+          <a:solidFill>
+            <a:schemeClr val="accent6">
+              <a:lumMod val="75000"/>
+            </a:schemeClr>
+          </a:solidFill>
+          <a:ln>
+            <a:noFill/>
+          </a:ln>
+        </p:spPr>
+        <p:style>
+          <a:lnRef idx="2">
+            <a:schemeClr val="accent1">
+              <a:shade val="50000"/>
+            </a:schemeClr>
+          </a:lnRef>
+          <a:fillRef idx="1">
+            <a:schemeClr val="accent1"/>
+          </a:fillRef>
+          <a:effectRef idx="0">
+            <a:schemeClr val="accent1"/>
+          </a:effectRef>
+          <a:fontRef idx="minor">
+            <a:schemeClr val="lt1"/>
+          </a:fontRef>
+        </p:style>
+        <p:txBody>
+          <a:bodyPr rtlCol="0" anchor="ctr"/>
+          <a:lstStyle/>
+          <a:p>
+            <a:pPr algn="ctr"/>
+            <a:endParaRPr lang="en-GB"/>
+          </a:p>
+        </p:txBody>
+      </p:sp>
     </p:spTree>
     <p:extLst>
       <p:ext uri="{BB962C8B-B14F-4D97-AF65-F5344CB8AC3E}">
@@ -3215,7 +4244,452 @@
 </p:sld>
 </file>
 
-<file path=ppt/slides/slide4.xml><?xml version="1.0" encoding="utf-8"?>
+<file path=ppt/slides/slide5.xml><?xml version="1.0" encoding="utf-8"?>
+<p:sld xmlns:a="http://schemas.openxmlformats.org/drawingml/2006/main" xmlns:r="http://schemas.openxmlformats.org/officeDocument/2006/relationships" xmlns:p="http://schemas.openxmlformats.org/presentationml/2006/main">
+  <p:cSld>
+    <p:spTree>
+      <p:nvGrpSpPr>
+        <p:cNvPr id="1" name=""/>
+        <p:cNvGrpSpPr/>
+        <p:nvPr/>
+      </p:nvGrpSpPr>
+      <p:grpSpPr>
+        <a:xfrm>
+          <a:off x="0" y="0"/>
+          <a:ext cx="0" cy="0"/>
+          <a:chOff x="0" y="0"/>
+          <a:chExt cx="0" cy="0"/>
+        </a:xfrm>
+      </p:grpSpPr>
+      <p:pic>
+        <p:nvPicPr>
+          <p:cNvPr id="2" name="Picture 1"/>
+          <p:cNvPicPr>
+            <a:picLocks noChangeAspect="1"/>
+          </p:cNvPicPr>
+          <p:nvPr/>
+        </p:nvPicPr>
+        <p:blipFill>
+          <a:blip r:embed="rId2"/>
+          <a:stretch>
+            <a:fillRect/>
+          </a:stretch>
+        </p:blipFill>
+        <p:spPr>
+          <a:xfrm>
+            <a:off x="971258" y="647700"/>
+            <a:ext cx="3241608" cy="5982240"/>
+          </a:xfrm>
+          <a:prstGeom prst="rect">
+            <a:avLst/>
+          </a:prstGeom>
+        </p:spPr>
+      </p:pic>
+      <p:sp>
+        <p:nvSpPr>
+          <p:cNvPr id="6" name="TextBox 5"/>
+          <p:cNvSpPr txBox="1"/>
+          <p:nvPr/>
+        </p:nvSpPr>
+        <p:spPr>
+          <a:xfrm>
+            <a:off x="5495925" y="1239802"/>
+            <a:ext cx="4267474" cy="338554"/>
+          </a:xfrm>
+          <a:prstGeom prst="rect">
+            <a:avLst/>
+          </a:prstGeom>
+          <a:solidFill>
+            <a:schemeClr val="bg1">
+              <a:lumMod val="95000"/>
+            </a:schemeClr>
+          </a:solidFill>
+          <a:ln>
+            <a:solidFill>
+              <a:srgbClr val="FF0000"/>
+            </a:solidFill>
+          </a:ln>
+        </p:spPr>
+        <p:txBody>
+          <a:bodyPr wrap="square" rtlCol="0">
+            <a:spAutoFit/>
+          </a:bodyPr>
+          <a:lstStyle/>
+          <a:p>
+            <a:r>
+              <a:rPr lang="en-GB" sz="1600" i="1" dirty="0" smtClean="0"/>
+              <a:t>Select the </a:t>
+            </a:r>
+            <a:r>
+              <a:rPr lang="en-GB" sz="1600" b="1" i="1" dirty="0" smtClean="0"/>
+              <a:t>Data Set</a:t>
+            </a:r>
+            <a:r>
+              <a:rPr lang="en-GB" sz="1600" i="1" dirty="0" smtClean="0"/>
+              <a:t> you want</a:t>
+            </a:r>
+            <a:endParaRPr lang="en-GB" sz="1600" i="1" dirty="0"/>
+          </a:p>
+        </p:txBody>
+      </p:sp>
+      <p:sp>
+        <p:nvSpPr>
+          <p:cNvPr id="8" name="TextBox 7"/>
+          <p:cNvSpPr txBox="1"/>
+          <p:nvPr/>
+        </p:nvSpPr>
+        <p:spPr>
+          <a:xfrm>
+            <a:off x="5495925" y="1697002"/>
+            <a:ext cx="3910730" cy="2800767"/>
+          </a:xfrm>
+          <a:prstGeom prst="rect">
+            <a:avLst/>
+          </a:prstGeom>
+          <a:solidFill>
+            <a:schemeClr val="bg1">
+              <a:lumMod val="95000"/>
+            </a:schemeClr>
+          </a:solidFill>
+          <a:ln>
+            <a:solidFill>
+              <a:srgbClr val="FF0000"/>
+            </a:solidFill>
+          </a:ln>
+        </p:spPr>
+        <p:txBody>
+          <a:bodyPr wrap="square" rtlCol="0">
+            <a:spAutoFit/>
+          </a:bodyPr>
+          <a:lstStyle/>
+          <a:p>
+            <a:r>
+              <a:rPr lang="en-GB" sz="1600" dirty="0" smtClean="0"/>
+              <a:t>Want </a:t>
+            </a:r>
+            <a:r>
+              <a:rPr lang="en-GB" sz="1600" b="1" dirty="0" smtClean="0"/>
+              <a:t>Landsat 8-9 OLI/TIRS C2 L2</a:t>
+            </a:r>
+          </a:p>
+          <a:p>
+            <a:endParaRPr lang="en-GB" sz="1600" dirty="0"/>
+          </a:p>
+          <a:p>
+            <a:r>
+              <a:rPr lang="en-GB" sz="1600" dirty="0" smtClean="0"/>
+              <a:t>-&gt; We are using </a:t>
+            </a:r>
+            <a:r>
+              <a:rPr lang="en-GB" sz="1600" b="1" dirty="0" smtClean="0"/>
+              <a:t>Level 2 (L2)</a:t>
+            </a:r>
+            <a:r>
+              <a:rPr lang="en-GB" sz="1600" dirty="0" smtClean="0"/>
+              <a:t> products across our analysis. Levels 0,1,2,3 are consistent across multispectral satellite providers, however there may be subsets e.g. Level 2A, Level 2B in some. </a:t>
+            </a:r>
+          </a:p>
+          <a:p>
+            <a:endParaRPr lang="en-GB" sz="1600" dirty="0"/>
+          </a:p>
+          <a:p>
+            <a:r>
+              <a:rPr lang="en-GB" sz="1600" dirty="0" smtClean="0"/>
+              <a:t>-&gt; Some examples of typical processing at different levels, atmospheric correction is applied for a Level 2 product. </a:t>
+            </a:r>
+          </a:p>
+        </p:txBody>
+      </p:sp>
+      <p:sp>
+        <p:nvSpPr>
+          <p:cNvPr id="9" name="Right Arrow 8"/>
+          <p:cNvSpPr/>
+          <p:nvPr/>
+        </p:nvSpPr>
+        <p:spPr>
+          <a:xfrm>
+            <a:off x="609600" y="4942558"/>
+            <a:ext cx="685508" cy="285750"/>
+          </a:xfrm>
+          <a:prstGeom prst="rightArrow">
+            <a:avLst/>
+          </a:prstGeom>
+          <a:solidFill>
+            <a:schemeClr val="accent6">
+              <a:lumMod val="75000"/>
+            </a:schemeClr>
+          </a:solidFill>
+          <a:ln>
+            <a:noFill/>
+          </a:ln>
+        </p:spPr>
+        <p:style>
+          <a:lnRef idx="2">
+            <a:schemeClr val="accent1">
+              <a:shade val="50000"/>
+            </a:schemeClr>
+          </a:lnRef>
+          <a:fillRef idx="1">
+            <a:schemeClr val="accent1"/>
+          </a:fillRef>
+          <a:effectRef idx="0">
+            <a:schemeClr val="accent1"/>
+          </a:effectRef>
+          <a:fontRef idx="minor">
+            <a:schemeClr val="lt1"/>
+          </a:fontRef>
+        </p:style>
+        <p:txBody>
+          <a:bodyPr rtlCol="0" anchor="ctr"/>
+          <a:lstStyle/>
+          <a:p>
+            <a:pPr algn="ctr"/>
+            <a:endParaRPr lang="en-GB"/>
+          </a:p>
+        </p:txBody>
+      </p:sp>
+      <p:sp>
+        <p:nvSpPr>
+          <p:cNvPr id="10" name="Right Arrow 9"/>
+          <p:cNvSpPr/>
+          <p:nvPr/>
+        </p:nvSpPr>
+        <p:spPr>
+          <a:xfrm rot="5400000">
+            <a:off x="6101362" y="5062074"/>
+            <a:ext cx="379937" cy="352288"/>
+          </a:xfrm>
+          <a:prstGeom prst="rightArrow">
+            <a:avLst/>
+          </a:prstGeom>
+          <a:solidFill>
+            <a:schemeClr val="accent6">
+              <a:lumMod val="75000"/>
+            </a:schemeClr>
+          </a:solidFill>
+          <a:ln>
+            <a:noFill/>
+          </a:ln>
+        </p:spPr>
+        <p:style>
+          <a:lnRef idx="2">
+            <a:schemeClr val="accent1">
+              <a:shade val="50000"/>
+            </a:schemeClr>
+          </a:lnRef>
+          <a:fillRef idx="1">
+            <a:schemeClr val="accent1"/>
+          </a:fillRef>
+          <a:effectRef idx="0">
+            <a:schemeClr val="accent1"/>
+          </a:effectRef>
+          <a:fontRef idx="minor">
+            <a:schemeClr val="lt1"/>
+          </a:fontRef>
+        </p:style>
+        <p:txBody>
+          <a:bodyPr rtlCol="0" anchor="ctr"/>
+          <a:lstStyle/>
+          <a:p>
+            <a:pPr algn="ctr"/>
+            <a:endParaRPr lang="en-GB"/>
+          </a:p>
+        </p:txBody>
+      </p:sp>
+      <p:sp>
+        <p:nvSpPr>
+          <p:cNvPr id="11" name="TextBox 10"/>
+          <p:cNvSpPr txBox="1"/>
+          <p:nvPr/>
+        </p:nvSpPr>
+        <p:spPr>
+          <a:xfrm>
+            <a:off x="4991100" y="6211852"/>
+            <a:ext cx="1714500" cy="338554"/>
+          </a:xfrm>
+          <a:prstGeom prst="rect">
+            <a:avLst/>
+          </a:prstGeom>
+          <a:solidFill>
+            <a:schemeClr val="bg1">
+              <a:lumMod val="95000"/>
+            </a:schemeClr>
+          </a:solidFill>
+          <a:ln>
+            <a:solidFill>
+              <a:srgbClr val="FF0000"/>
+            </a:solidFill>
+          </a:ln>
+        </p:spPr>
+        <p:txBody>
+          <a:bodyPr wrap="square" rtlCol="0">
+            <a:spAutoFit/>
+          </a:bodyPr>
+          <a:lstStyle/>
+          <a:p>
+            <a:r>
+              <a:rPr lang="en-GB" sz="1600" i="1" dirty="0" smtClean="0"/>
+              <a:t>Select for </a:t>
+            </a:r>
+            <a:r>
+              <a:rPr lang="en-GB" sz="1600" b="1" i="1" dirty="0" smtClean="0"/>
+              <a:t>Results</a:t>
+            </a:r>
+            <a:endParaRPr lang="en-GB" sz="1600" b="1" i="1" dirty="0"/>
+          </a:p>
+        </p:txBody>
+      </p:sp>
+      <p:cxnSp>
+        <p:nvCxnSpPr>
+          <p:cNvPr id="12" name="Straight Connector 11"/>
+          <p:cNvCxnSpPr>
+            <a:stCxn id="11" idx="1"/>
+          </p:cNvCxnSpPr>
+          <p:nvPr/>
+        </p:nvCxnSpPr>
+        <p:spPr>
+          <a:xfrm flipH="1" flipV="1">
+            <a:off x="4086225" y="6372225"/>
+            <a:ext cx="904875" cy="8904"/>
+          </a:xfrm>
+          <a:prstGeom prst="line">
+            <a:avLst/>
+          </a:prstGeom>
+          <a:ln w="28575">
+            <a:solidFill>
+              <a:srgbClr val="FF0000"/>
+            </a:solidFill>
+          </a:ln>
+        </p:spPr>
+        <p:style>
+          <a:lnRef idx="1">
+            <a:schemeClr val="accent1"/>
+          </a:lnRef>
+          <a:fillRef idx="0">
+            <a:schemeClr val="accent1"/>
+          </a:fillRef>
+          <a:effectRef idx="0">
+            <a:schemeClr val="accent1"/>
+          </a:effectRef>
+          <a:fontRef idx="minor">
+            <a:schemeClr val="tx1"/>
+          </a:fontRef>
+        </p:style>
+      </p:cxnSp>
+      <p:sp>
+        <p:nvSpPr>
+          <p:cNvPr id="14" name="Rounded Rectangle 13"/>
+          <p:cNvSpPr/>
+          <p:nvPr/>
+        </p:nvSpPr>
+        <p:spPr>
+          <a:xfrm>
+            <a:off x="3419475" y="6211851"/>
+            <a:ext cx="666750" cy="338555"/>
+          </a:xfrm>
+          <a:prstGeom prst="roundRect">
+            <a:avLst/>
+          </a:prstGeom>
+          <a:noFill/>
+          <a:ln w="38100">
+            <a:solidFill>
+              <a:srgbClr val="FF0000"/>
+            </a:solidFill>
+          </a:ln>
+        </p:spPr>
+        <p:style>
+          <a:lnRef idx="2">
+            <a:schemeClr val="accent1">
+              <a:shade val="50000"/>
+            </a:schemeClr>
+          </a:lnRef>
+          <a:fillRef idx="1">
+            <a:schemeClr val="accent1"/>
+          </a:fillRef>
+          <a:effectRef idx="0">
+            <a:schemeClr val="accent1"/>
+          </a:effectRef>
+          <a:fontRef idx="minor">
+            <a:schemeClr val="lt1"/>
+          </a:fontRef>
+        </p:style>
+        <p:txBody>
+          <a:bodyPr rtlCol="0" anchor="ctr"/>
+          <a:lstStyle/>
+          <a:p>
+            <a:pPr algn="ctr"/>
+            <a:endParaRPr lang="en-GB"/>
+          </a:p>
+        </p:txBody>
+      </p:sp>
+    </p:spTree>
+    <p:extLst>
+      <p:ext uri="{BB962C8B-B14F-4D97-AF65-F5344CB8AC3E}">
+        <p14:creationId xmlns:p14="http://schemas.microsoft.com/office/powerpoint/2010/main" val="1125235073"/>
+      </p:ext>
+    </p:extLst>
+  </p:cSld>
+  <p:clrMapOvr>
+    <a:masterClrMapping/>
+  </p:clrMapOvr>
+</p:sld>
+</file>
+
+<file path=ppt/slides/slide6.xml><?xml version="1.0" encoding="utf-8"?>
+<p:sld xmlns:a="http://schemas.openxmlformats.org/drawingml/2006/main" xmlns:r="http://schemas.openxmlformats.org/officeDocument/2006/relationships" xmlns:p="http://schemas.openxmlformats.org/presentationml/2006/main">
+  <p:cSld>
+    <p:spTree>
+      <p:nvGrpSpPr>
+        <p:cNvPr id="1" name=""/>
+        <p:cNvGrpSpPr/>
+        <p:nvPr/>
+      </p:nvGrpSpPr>
+      <p:grpSpPr>
+        <a:xfrm>
+          <a:off x="0" y="0"/>
+          <a:ext cx="0" cy="0"/>
+          <a:chOff x="0" y="0"/>
+          <a:chExt cx="0" cy="0"/>
+        </a:xfrm>
+      </p:grpSpPr>
+      <p:pic>
+        <p:nvPicPr>
+          <p:cNvPr id="3" name="Picture 2"/>
+          <p:cNvPicPr>
+            <a:picLocks noChangeAspect="1"/>
+          </p:cNvPicPr>
+          <p:nvPr/>
+        </p:nvPicPr>
+        <p:blipFill>
+          <a:blip r:embed="rId2"/>
+          <a:stretch>
+            <a:fillRect/>
+          </a:stretch>
+        </p:blipFill>
+        <p:spPr>
+          <a:xfrm>
+            <a:off x="932615" y="392571"/>
+            <a:ext cx="10306885" cy="5965849"/>
+          </a:xfrm>
+          <a:prstGeom prst="rect">
+            <a:avLst/>
+          </a:prstGeom>
+        </p:spPr>
+      </p:pic>
+    </p:spTree>
+    <p:extLst>
+      <p:ext uri="{BB962C8B-B14F-4D97-AF65-F5344CB8AC3E}">
+        <p14:creationId xmlns:p14="http://schemas.microsoft.com/office/powerpoint/2010/main" val="3873837617"/>
+      </p:ext>
+    </p:extLst>
+  </p:cSld>
+  <p:clrMapOvr>
+    <a:masterClrMapping/>
+  </p:clrMapOvr>
+</p:sld>
+</file>
+
+<file path=ppt/slides/slide7.xml><?xml version="1.0" encoding="utf-8"?>
 <p:sld xmlns:a="http://schemas.openxmlformats.org/drawingml/2006/main" xmlns:r="http://schemas.openxmlformats.org/officeDocument/2006/relationships" xmlns:p="http://schemas.openxmlformats.org/presentationml/2006/main">
   <p:cSld>
     <p:spTree>
@@ -3240,15 +4714,70 @@
           </p:cNvPicPr>
           <p:nvPr/>
         </p:nvPicPr>
-        <p:blipFill rotWithShape="1">
+        <p:blipFill>
           <a:blip r:embed="rId2"/>
-          <a:srcRect t="73951" r="63714" b="4038"/>
-          <a:stretch/>
+          <a:stretch>
+            <a:fillRect/>
+          </a:stretch>
         </p:blipFill>
         <p:spPr>
           <a:xfrm>
-            <a:off x="3105150" y="2724151"/>
-            <a:ext cx="4415555" cy="2000250"/>
+            <a:off x="908802" y="432405"/>
+            <a:ext cx="10483098" cy="5921241"/>
+          </a:xfrm>
+          <a:prstGeom prst="rect">
+            <a:avLst/>
+          </a:prstGeom>
+        </p:spPr>
+      </p:pic>
+    </p:spTree>
+    <p:extLst>
+      <p:ext uri="{BB962C8B-B14F-4D97-AF65-F5344CB8AC3E}">
+        <p14:creationId xmlns:p14="http://schemas.microsoft.com/office/powerpoint/2010/main" val="3402361612"/>
+      </p:ext>
+    </p:extLst>
+  </p:cSld>
+  <p:clrMapOvr>
+    <a:masterClrMapping/>
+  </p:clrMapOvr>
+</p:sld>
+</file>
+
+<file path=ppt/slides/slide8.xml><?xml version="1.0" encoding="utf-8"?>
+<p:sld xmlns:a="http://schemas.openxmlformats.org/drawingml/2006/main" xmlns:r="http://schemas.openxmlformats.org/officeDocument/2006/relationships" xmlns:p="http://schemas.openxmlformats.org/presentationml/2006/main">
+  <p:cSld>
+    <p:spTree>
+      <p:nvGrpSpPr>
+        <p:cNvPr id="1" name=""/>
+        <p:cNvGrpSpPr/>
+        <p:nvPr/>
+      </p:nvGrpSpPr>
+      <p:grpSpPr>
+        <a:xfrm>
+          <a:off x="0" y="0"/>
+          <a:ext cx="0" cy="0"/>
+          <a:chOff x="0" y="0"/>
+          <a:chExt cx="0" cy="0"/>
+        </a:xfrm>
+      </p:grpSpPr>
+      <p:pic>
+        <p:nvPicPr>
+          <p:cNvPr id="2" name="Picture 1"/>
+          <p:cNvPicPr>
+            <a:picLocks noChangeAspect="1"/>
+          </p:cNvPicPr>
+          <p:nvPr/>
+        </p:nvPicPr>
+        <p:blipFill>
+          <a:blip r:embed="rId2"/>
+          <a:stretch>
+            <a:fillRect/>
+          </a:stretch>
+        </p:blipFill>
+        <p:spPr>
+          <a:xfrm>
+            <a:off x="3971366" y="280560"/>
+            <a:ext cx="8002117" cy="6125430"/>
           </a:xfrm>
           <a:prstGeom prst="rect">
             <a:avLst/>
@@ -3257,7 +4786,7 @@
       </p:pic>
       <p:pic>
         <p:nvPicPr>
-          <p:cNvPr id="5" name="Picture 4"/>
+          <p:cNvPr id="3" name="Picture 2"/>
           <p:cNvPicPr>
             <a:picLocks noChangeAspect="1"/>
           </p:cNvPicPr>
@@ -3271,32 +4800,8 @@
         </p:blipFill>
         <p:spPr>
           <a:xfrm>
-            <a:off x="1052226" y="757133"/>
-            <a:ext cx="4105848" cy="1495634"/>
-          </a:xfrm>
-          <a:prstGeom prst="rect">
-            <a:avLst/>
-          </a:prstGeom>
-        </p:spPr>
-      </p:pic>
-      <p:pic>
-        <p:nvPicPr>
-          <p:cNvPr id="7" name="Picture 6"/>
-          <p:cNvPicPr>
-            <a:picLocks noChangeAspect="1"/>
-          </p:cNvPicPr>
-          <p:nvPr/>
-        </p:nvPicPr>
-        <p:blipFill>
-          <a:blip r:embed="rId4"/>
-          <a:stretch>
-            <a:fillRect/>
-          </a:stretch>
-        </p:blipFill>
-        <p:spPr>
-          <a:xfrm>
-            <a:off x="7905476" y="5076749"/>
-            <a:ext cx="3924848" cy="1086002"/>
+            <a:off x="414049" y="2552700"/>
+            <a:ext cx="3172557" cy="1238250"/>
           </a:xfrm>
           <a:prstGeom prst="rect">
             <a:avLst/>
@@ -3306,7 +4811,3262 @@
     </p:spTree>
     <p:extLst>
       <p:ext uri="{BB962C8B-B14F-4D97-AF65-F5344CB8AC3E}">
-        <p14:creationId xmlns:p14="http://schemas.microsoft.com/office/powerpoint/2010/main" val="1125235073"/>
+        <p14:creationId xmlns:p14="http://schemas.microsoft.com/office/powerpoint/2010/main" val="2119948210"/>
+      </p:ext>
+    </p:extLst>
+  </p:cSld>
+  <p:clrMapOvr>
+    <a:masterClrMapping/>
+  </p:clrMapOvr>
+</p:sld>
+</file>
+
+<file path=ppt/slides/slide9.xml><?xml version="1.0" encoding="utf-8"?>
+<p:sld xmlns:a="http://schemas.openxmlformats.org/drawingml/2006/main" xmlns:r="http://schemas.openxmlformats.org/officeDocument/2006/relationships" xmlns:p="http://schemas.openxmlformats.org/presentationml/2006/main">
+  <p:cSld>
+    <p:spTree>
+      <p:nvGrpSpPr>
+        <p:cNvPr id="1" name=""/>
+        <p:cNvGrpSpPr/>
+        <p:nvPr/>
+      </p:nvGrpSpPr>
+      <p:grpSpPr>
+        <a:xfrm>
+          <a:off x="0" y="0"/>
+          <a:ext cx="0" cy="0"/>
+          <a:chOff x="0" y="0"/>
+          <a:chExt cx="0" cy="0"/>
+        </a:xfrm>
+      </p:grpSpPr>
+      <p:sp>
+        <p:nvSpPr>
+          <p:cNvPr id="4" name="Rectangle 1"/>
+          <p:cNvSpPr>
+            <a:spLocks noChangeArrowheads="1"/>
+          </p:cNvSpPr>
+          <p:nvPr/>
+        </p:nvSpPr>
+        <p:spPr bwMode="auto">
+          <a:xfrm>
+            <a:off x="676275" y="139685"/>
+            <a:ext cx="4838700" cy="4062651"/>
+          </a:xfrm>
+          <a:prstGeom prst="rect">
+            <a:avLst/>
+          </a:prstGeom>
+          <a:solidFill>
+            <a:srgbClr val="FFFFFF"/>
+          </a:solidFill>
+          <a:ln>
+            <a:noFill/>
+          </a:ln>
+          <a:effectLst/>
+          <a:extLst>
+            <a:ext uri="{91240B29-F687-4F45-9708-019B960494DF}">
+              <a14:hiddenLine xmlns:a14="http://schemas.microsoft.com/office/drawing/2010/main" w="9525">
+                <a:solidFill>
+                  <a:schemeClr val="tx1"/>
+                </a:solidFill>
+                <a:miter lim="800000"/>
+                <a:headEnd/>
+                <a:tailEnd/>
+              </a14:hiddenLine>
+            </a:ext>
+            <a:ext uri="{AF507438-7753-43E0-B8FC-AC1667EBCBE1}">
+              <a14:hiddenEffects xmlns:a14="http://schemas.microsoft.com/office/drawing/2010/main">
+                <a:effectLst>
+                  <a:outerShdw dist="35921" dir="2700000" algn="ctr" rotWithShape="0">
+                    <a:schemeClr val="bg2"/>
+                  </a:outerShdw>
+                </a:effectLst>
+              </a14:hiddenEffects>
+            </a:ext>
+          </a:extLst>
+        </p:spPr>
+        <p:txBody>
+          <a:bodyPr vert="horz" wrap="square" lIns="0" tIns="0" rIns="0" bIns="0" numCol="1" anchor="ctr" anchorCtr="0" compatLnSpc="1">
+            <a:prstTxWarp prst="textNoShape">
+              <a:avLst/>
+            </a:prstTxWarp>
+            <a:spAutoFit/>
+          </a:bodyPr>
+          <a:lstStyle>
+            <a:lvl1pPr eaLnBrk="0" fontAlgn="base" hangingPunct="0">
+              <a:spcBef>
+                <a:spcPct val="0"/>
+              </a:spcBef>
+              <a:spcAft>
+                <a:spcPct val="0"/>
+              </a:spcAft>
+              <a:defRPr>
+                <a:solidFill>
+                  <a:schemeClr val="tx1"/>
+                </a:solidFill>
+                <a:latin typeface="Arial" panose="020B0604020202020204" pitchFamily="34" charset="0"/>
+              </a:defRPr>
+            </a:lvl1pPr>
+            <a:lvl2pPr eaLnBrk="0" fontAlgn="base" hangingPunct="0">
+              <a:spcBef>
+                <a:spcPct val="0"/>
+              </a:spcBef>
+              <a:spcAft>
+                <a:spcPct val="0"/>
+              </a:spcAft>
+              <a:defRPr>
+                <a:solidFill>
+                  <a:schemeClr val="tx1"/>
+                </a:solidFill>
+                <a:latin typeface="Arial" panose="020B0604020202020204" pitchFamily="34" charset="0"/>
+              </a:defRPr>
+            </a:lvl2pPr>
+            <a:lvl3pPr eaLnBrk="0" fontAlgn="base" hangingPunct="0">
+              <a:spcBef>
+                <a:spcPct val="0"/>
+              </a:spcBef>
+              <a:spcAft>
+                <a:spcPct val="0"/>
+              </a:spcAft>
+              <a:defRPr>
+                <a:solidFill>
+                  <a:schemeClr val="tx1"/>
+                </a:solidFill>
+                <a:latin typeface="Arial" panose="020B0604020202020204" pitchFamily="34" charset="0"/>
+              </a:defRPr>
+            </a:lvl3pPr>
+            <a:lvl4pPr eaLnBrk="0" fontAlgn="base" hangingPunct="0">
+              <a:spcBef>
+                <a:spcPct val="0"/>
+              </a:spcBef>
+              <a:spcAft>
+                <a:spcPct val="0"/>
+              </a:spcAft>
+              <a:defRPr>
+                <a:solidFill>
+                  <a:schemeClr val="tx1"/>
+                </a:solidFill>
+                <a:latin typeface="Arial" panose="020B0604020202020204" pitchFamily="34" charset="0"/>
+              </a:defRPr>
+            </a:lvl4pPr>
+            <a:lvl5pPr eaLnBrk="0" fontAlgn="base" hangingPunct="0">
+              <a:spcBef>
+                <a:spcPct val="0"/>
+              </a:spcBef>
+              <a:spcAft>
+                <a:spcPct val="0"/>
+              </a:spcAft>
+              <a:defRPr>
+                <a:solidFill>
+                  <a:schemeClr val="tx1"/>
+                </a:solidFill>
+                <a:latin typeface="Arial" panose="020B0604020202020204" pitchFamily="34" charset="0"/>
+              </a:defRPr>
+            </a:lvl5pPr>
+            <a:lvl6pPr eaLnBrk="0" fontAlgn="base" hangingPunct="0">
+              <a:spcBef>
+                <a:spcPct val="0"/>
+              </a:spcBef>
+              <a:spcAft>
+                <a:spcPct val="0"/>
+              </a:spcAft>
+              <a:defRPr>
+                <a:solidFill>
+                  <a:schemeClr val="tx1"/>
+                </a:solidFill>
+                <a:latin typeface="Arial" panose="020B0604020202020204" pitchFamily="34" charset="0"/>
+              </a:defRPr>
+            </a:lvl6pPr>
+            <a:lvl7pPr eaLnBrk="0" fontAlgn="base" hangingPunct="0">
+              <a:spcBef>
+                <a:spcPct val="0"/>
+              </a:spcBef>
+              <a:spcAft>
+                <a:spcPct val="0"/>
+              </a:spcAft>
+              <a:defRPr>
+                <a:solidFill>
+                  <a:schemeClr val="tx1"/>
+                </a:solidFill>
+                <a:latin typeface="Arial" panose="020B0604020202020204" pitchFamily="34" charset="0"/>
+              </a:defRPr>
+            </a:lvl7pPr>
+            <a:lvl8pPr eaLnBrk="0" fontAlgn="base" hangingPunct="0">
+              <a:spcBef>
+                <a:spcPct val="0"/>
+              </a:spcBef>
+              <a:spcAft>
+                <a:spcPct val="0"/>
+              </a:spcAft>
+              <a:defRPr>
+                <a:solidFill>
+                  <a:schemeClr val="tx1"/>
+                </a:solidFill>
+                <a:latin typeface="Arial" panose="020B0604020202020204" pitchFamily="34" charset="0"/>
+              </a:defRPr>
+            </a:lvl8pPr>
+            <a:lvl9pPr eaLnBrk="0" fontAlgn="base" hangingPunct="0">
+              <a:spcBef>
+                <a:spcPct val="0"/>
+              </a:spcBef>
+              <a:spcAft>
+                <a:spcPct val="0"/>
+              </a:spcAft>
+              <a:defRPr>
+                <a:solidFill>
+                  <a:schemeClr val="tx1"/>
+                </a:solidFill>
+                <a:latin typeface="Arial" panose="020B0604020202020204" pitchFamily="34" charset="0"/>
+              </a:defRPr>
+            </a:lvl9pPr>
+          </a:lstStyle>
+          <a:p>
+            <a:pPr marL="0" marR="0" lvl="0" indent="0" algn="l" defTabSz="914400" rtl="0" eaLnBrk="0" fontAlgn="base" latinLnBrk="0" hangingPunct="0">
+              <a:lnSpc>
+                <a:spcPct val="100000"/>
+              </a:lnSpc>
+              <a:spcBef>
+                <a:spcPct val="0"/>
+              </a:spcBef>
+              <a:spcAft>
+                <a:spcPct val="0"/>
+              </a:spcAft>
+              <a:buClrTx/>
+              <a:buSzTx/>
+              <a:buFontTx/>
+              <a:buNone/>
+              <a:tabLst/>
+            </a:pPr>
+            <a:r>
+              <a:rPr kumimoji="0" lang="en-US" altLang="en-US" sz="1400" b="0" i="0" u="none" strike="noStrike" cap="none" normalizeH="0" baseline="0" dirty="0" smtClean="0">
+                <a:ln>
+                  <a:noFill/>
+                </a:ln>
+                <a:solidFill>
+                  <a:srgbClr val="333333"/>
+                </a:solidFill>
+                <a:effectLst/>
+                <a:latin typeface="Arial" panose="020B0604020202020204" pitchFamily="34" charset="0"/>
+                <a:cs typeface="Arial" panose="020B0604020202020204" pitchFamily="34" charset="0"/>
+              </a:rPr>
+              <a:t>Bands</a:t>
+            </a:r>
+            <a:r>
+              <a:rPr kumimoji="0" lang="en-US" altLang="en-US" sz="1000" b="0" i="0" u="none" strike="noStrike" cap="none" normalizeH="0" baseline="0" dirty="0" smtClean="0">
+                <a:ln>
+                  <a:noFill/>
+                </a:ln>
+                <a:solidFill>
+                  <a:srgbClr val="333333"/>
+                </a:solidFill>
+                <a:effectLst/>
+                <a:latin typeface="Arial" panose="020B0604020202020204" pitchFamily="34" charset="0"/>
+                <a:cs typeface="Arial" panose="020B0604020202020204" pitchFamily="34" charset="0"/>
+              </a:rPr>
+              <a:t> </a:t>
+            </a:r>
+            <a:endParaRPr kumimoji="0" lang="en-US" altLang="en-US" sz="800" b="0" i="0" u="none" strike="noStrike" cap="none" normalizeH="0" baseline="0" dirty="0" smtClean="0">
+              <a:ln>
+                <a:noFill/>
+              </a:ln>
+              <a:solidFill>
+                <a:schemeClr val="tx1"/>
+              </a:solidFill>
+              <a:effectLst/>
+            </a:endParaRPr>
+          </a:p>
+          <a:p>
+            <a:pPr marL="0" marR="0" lvl="0" indent="0" algn="l" defTabSz="914400" rtl="0" eaLnBrk="0" fontAlgn="base" latinLnBrk="0" hangingPunct="0">
+              <a:lnSpc>
+                <a:spcPct val="100000"/>
+              </a:lnSpc>
+              <a:spcBef>
+                <a:spcPct val="0"/>
+              </a:spcBef>
+              <a:spcAft>
+                <a:spcPct val="0"/>
+              </a:spcAft>
+              <a:buClrTx/>
+              <a:buSzTx/>
+              <a:buFontTx/>
+              <a:buNone/>
+              <a:tabLst/>
+            </a:pPr>
+            <a:endParaRPr kumimoji="0" lang="en-US" altLang="en-US" sz="1000" b="1" i="0" u="none" strike="noStrike" cap="none" normalizeH="0" baseline="0" dirty="0" smtClean="0">
+              <a:ln>
+                <a:noFill/>
+              </a:ln>
+              <a:solidFill>
+                <a:srgbClr val="333333"/>
+              </a:solidFill>
+              <a:effectLst/>
+              <a:latin typeface="Arial" panose="020B0604020202020204" pitchFamily="34" charset="0"/>
+              <a:cs typeface="Arial" panose="020B0604020202020204" pitchFamily="34" charset="0"/>
+            </a:endParaRPr>
+          </a:p>
+          <a:p>
+            <a:pPr marL="0" marR="0" lvl="0" indent="0" algn="l" defTabSz="914400" rtl="0" eaLnBrk="0" fontAlgn="base" latinLnBrk="0" hangingPunct="0">
+              <a:lnSpc>
+                <a:spcPct val="100000"/>
+              </a:lnSpc>
+              <a:spcBef>
+                <a:spcPct val="0"/>
+              </a:spcBef>
+              <a:spcAft>
+                <a:spcPct val="0"/>
+              </a:spcAft>
+              <a:buClrTx/>
+              <a:buSzTx/>
+              <a:buFontTx/>
+              <a:buNone/>
+              <a:tabLst/>
+            </a:pPr>
+            <a:r>
+              <a:rPr kumimoji="0" lang="en-US" altLang="en-US" sz="1000" b="1" i="0" u="none" strike="noStrike" cap="none" normalizeH="0" baseline="0" dirty="0" smtClean="0">
+                <a:ln>
+                  <a:noFill/>
+                </a:ln>
+                <a:solidFill>
+                  <a:srgbClr val="333333"/>
+                </a:solidFill>
+                <a:effectLst/>
+                <a:latin typeface="Arial" panose="020B0604020202020204" pitchFamily="34" charset="0"/>
+                <a:cs typeface="Arial" panose="020B0604020202020204" pitchFamily="34" charset="0"/>
+              </a:rPr>
+              <a:t>LC08_L2SP_210016_20211010_20211019_02_T1_SR_B1.TIF</a:t>
+            </a:r>
+            <a:r>
+              <a:rPr kumimoji="0" lang="en-US" altLang="en-US" sz="1000" b="0" i="0" u="none" strike="noStrike" cap="none" normalizeH="0" baseline="0" dirty="0" smtClean="0">
+                <a:ln>
+                  <a:noFill/>
+                </a:ln>
+                <a:solidFill>
+                  <a:srgbClr val="333333"/>
+                </a:solidFill>
+                <a:effectLst/>
+                <a:latin typeface="Arial" panose="020B0604020202020204" pitchFamily="34" charset="0"/>
+                <a:cs typeface="Arial" panose="020B0604020202020204" pitchFamily="34" charset="0"/>
+              </a:rPr>
+              <a:t/>
+            </a:r>
+            <a:br>
+              <a:rPr kumimoji="0" lang="en-US" altLang="en-US" sz="1000" b="0" i="0" u="none" strike="noStrike" cap="none" normalizeH="0" baseline="0" dirty="0" smtClean="0">
+                <a:ln>
+                  <a:noFill/>
+                </a:ln>
+                <a:solidFill>
+                  <a:srgbClr val="333333"/>
+                </a:solidFill>
+                <a:effectLst/>
+                <a:latin typeface="Arial" panose="020B0604020202020204" pitchFamily="34" charset="0"/>
+                <a:cs typeface="Arial" panose="020B0604020202020204" pitchFamily="34" charset="0"/>
+              </a:rPr>
+            </a:br>
+            <a:r>
+              <a:rPr kumimoji="0" lang="en-US" altLang="en-US" sz="1000" b="0" i="1" u="none" strike="noStrike" cap="none" normalizeH="0" baseline="0" dirty="0" smtClean="0">
+                <a:ln>
+                  <a:noFill/>
+                </a:ln>
+                <a:solidFill>
+                  <a:srgbClr val="333333"/>
+                </a:solidFill>
+                <a:effectLst/>
+                <a:latin typeface="Arial" panose="020B0604020202020204" pitchFamily="34" charset="0"/>
+                <a:cs typeface="Arial" panose="020B0604020202020204" pitchFamily="34" charset="0"/>
+              </a:rPr>
+              <a:t>Landsat Collection 2 Level-2 Band File</a:t>
+            </a:r>
+            <a:endParaRPr kumimoji="0" lang="en-US" altLang="en-US" sz="1000" b="0" i="0" u="none" strike="noStrike" cap="none" normalizeH="0" baseline="0" dirty="0" smtClean="0">
+              <a:ln>
+                <a:noFill/>
+              </a:ln>
+              <a:solidFill>
+                <a:srgbClr val="333333"/>
+              </a:solidFill>
+              <a:effectLst/>
+              <a:latin typeface="Arial" panose="020B0604020202020204" pitchFamily="34" charset="0"/>
+              <a:cs typeface="Arial" panose="020B0604020202020204" pitchFamily="34" charset="0"/>
+            </a:endParaRPr>
+          </a:p>
+          <a:p>
+            <a:pPr marL="0" marR="0" lvl="0" indent="0" algn="l" defTabSz="914400" rtl="0" eaLnBrk="0" fontAlgn="base" latinLnBrk="0" hangingPunct="0">
+              <a:lnSpc>
+                <a:spcPct val="100000"/>
+              </a:lnSpc>
+              <a:spcBef>
+                <a:spcPct val="0"/>
+              </a:spcBef>
+              <a:spcAft>
+                <a:spcPct val="0"/>
+              </a:spcAft>
+              <a:buClrTx/>
+              <a:buSzTx/>
+              <a:buFontTx/>
+              <a:buNone/>
+              <a:tabLst/>
+            </a:pPr>
+            <a:r>
+              <a:rPr kumimoji="0" lang="en-US" altLang="en-US" sz="1000" b="0" i="0" u="none" strike="noStrike" cap="none" normalizeH="0" baseline="0" dirty="0" smtClean="0">
+                <a:ln>
+                  <a:noFill/>
+                </a:ln>
+                <a:solidFill>
+                  <a:srgbClr val="333333"/>
+                </a:solidFill>
+                <a:effectLst/>
+                <a:latin typeface="Arial" panose="020B0604020202020204" pitchFamily="34" charset="0"/>
+                <a:cs typeface="Arial" panose="020B0604020202020204" pitchFamily="34" charset="0"/>
+              </a:rPr>
+              <a:t> </a:t>
+            </a:r>
+            <a:endParaRPr kumimoji="0" lang="en-US" altLang="en-US" sz="800" b="0" i="0" u="none" strike="noStrike" cap="none" normalizeH="0" baseline="0" dirty="0" smtClean="0">
+              <a:ln>
+                <a:noFill/>
+              </a:ln>
+              <a:solidFill>
+                <a:schemeClr val="tx1"/>
+              </a:solidFill>
+              <a:effectLst/>
+            </a:endParaRPr>
+          </a:p>
+          <a:p>
+            <a:pPr marL="0" marR="0" lvl="0" indent="0" algn="l" defTabSz="914400" rtl="0" eaLnBrk="0" fontAlgn="base" latinLnBrk="0" hangingPunct="0">
+              <a:lnSpc>
+                <a:spcPct val="100000"/>
+              </a:lnSpc>
+              <a:spcBef>
+                <a:spcPct val="0"/>
+              </a:spcBef>
+              <a:spcAft>
+                <a:spcPct val="0"/>
+              </a:spcAft>
+              <a:buClrTx/>
+              <a:buSzTx/>
+              <a:buFontTx/>
+              <a:buNone/>
+              <a:tabLst/>
+            </a:pPr>
+            <a:r>
+              <a:rPr kumimoji="0" lang="en-US" altLang="en-US" sz="1000" b="1" i="0" u="none" strike="noStrike" cap="none" normalizeH="0" baseline="0" dirty="0" smtClean="0">
+                <a:ln>
+                  <a:noFill/>
+                </a:ln>
+                <a:solidFill>
+                  <a:srgbClr val="333333"/>
+                </a:solidFill>
+                <a:effectLst/>
+                <a:latin typeface="Arial" panose="020B0604020202020204" pitchFamily="34" charset="0"/>
+                <a:cs typeface="Arial" panose="020B0604020202020204" pitchFamily="34" charset="0"/>
+              </a:rPr>
+              <a:t>LC08_L2SP_210016_20211010_20211019_02_T1_SR_B2.TIF</a:t>
+            </a:r>
+            <a:r>
+              <a:rPr kumimoji="0" lang="en-US" altLang="en-US" sz="1000" b="0" i="0" u="none" strike="noStrike" cap="none" normalizeH="0" baseline="0" dirty="0" smtClean="0">
+                <a:ln>
+                  <a:noFill/>
+                </a:ln>
+                <a:solidFill>
+                  <a:srgbClr val="333333"/>
+                </a:solidFill>
+                <a:effectLst/>
+                <a:latin typeface="Arial" panose="020B0604020202020204" pitchFamily="34" charset="0"/>
+                <a:cs typeface="Arial" panose="020B0604020202020204" pitchFamily="34" charset="0"/>
+              </a:rPr>
+              <a:t/>
+            </a:r>
+            <a:br>
+              <a:rPr kumimoji="0" lang="en-US" altLang="en-US" sz="1000" b="0" i="0" u="none" strike="noStrike" cap="none" normalizeH="0" baseline="0" dirty="0" smtClean="0">
+                <a:ln>
+                  <a:noFill/>
+                </a:ln>
+                <a:solidFill>
+                  <a:srgbClr val="333333"/>
+                </a:solidFill>
+                <a:effectLst/>
+                <a:latin typeface="Arial" panose="020B0604020202020204" pitchFamily="34" charset="0"/>
+                <a:cs typeface="Arial" panose="020B0604020202020204" pitchFamily="34" charset="0"/>
+              </a:rPr>
+            </a:br>
+            <a:r>
+              <a:rPr kumimoji="0" lang="en-US" altLang="en-US" sz="1000" b="0" i="1" u="none" strike="noStrike" cap="none" normalizeH="0" baseline="0" dirty="0" smtClean="0">
+                <a:ln>
+                  <a:noFill/>
+                </a:ln>
+                <a:solidFill>
+                  <a:srgbClr val="333333"/>
+                </a:solidFill>
+                <a:effectLst/>
+                <a:latin typeface="Arial" panose="020B0604020202020204" pitchFamily="34" charset="0"/>
+                <a:cs typeface="Arial" panose="020B0604020202020204" pitchFamily="34" charset="0"/>
+              </a:rPr>
+              <a:t>Landsat Collection 2 Level-2 Band File</a:t>
+            </a:r>
+            <a:endParaRPr kumimoji="0" lang="en-US" altLang="en-US" sz="1000" b="0" i="0" u="none" strike="noStrike" cap="none" normalizeH="0" baseline="0" dirty="0" smtClean="0">
+              <a:ln>
+                <a:noFill/>
+              </a:ln>
+              <a:solidFill>
+                <a:srgbClr val="333333"/>
+              </a:solidFill>
+              <a:effectLst/>
+              <a:latin typeface="Arial" panose="020B0604020202020204" pitchFamily="34" charset="0"/>
+              <a:cs typeface="Arial" panose="020B0604020202020204" pitchFamily="34" charset="0"/>
+            </a:endParaRPr>
+          </a:p>
+          <a:p>
+            <a:pPr marL="0" marR="0" lvl="0" indent="0" algn="l" defTabSz="914400" rtl="0" eaLnBrk="0" fontAlgn="base" latinLnBrk="0" hangingPunct="0">
+              <a:lnSpc>
+                <a:spcPct val="100000"/>
+              </a:lnSpc>
+              <a:spcBef>
+                <a:spcPct val="0"/>
+              </a:spcBef>
+              <a:spcAft>
+                <a:spcPct val="0"/>
+              </a:spcAft>
+              <a:buClrTx/>
+              <a:buSzTx/>
+              <a:buFontTx/>
+              <a:buNone/>
+              <a:tabLst/>
+            </a:pPr>
+            <a:r>
+              <a:rPr kumimoji="0" lang="en-US" altLang="en-US" sz="1000" b="0" i="0" u="none" strike="noStrike" cap="none" normalizeH="0" baseline="0" dirty="0" smtClean="0">
+                <a:ln>
+                  <a:noFill/>
+                </a:ln>
+                <a:solidFill>
+                  <a:srgbClr val="333333"/>
+                </a:solidFill>
+                <a:effectLst/>
+                <a:latin typeface="Arial" panose="020B0604020202020204" pitchFamily="34" charset="0"/>
+                <a:cs typeface="Arial" panose="020B0604020202020204" pitchFamily="34" charset="0"/>
+              </a:rPr>
+              <a:t> </a:t>
+            </a:r>
+            <a:endParaRPr kumimoji="0" lang="en-US" altLang="en-US" sz="800" b="0" i="0" u="none" strike="noStrike" cap="none" normalizeH="0" baseline="0" dirty="0" smtClean="0">
+              <a:ln>
+                <a:noFill/>
+              </a:ln>
+              <a:solidFill>
+                <a:schemeClr val="tx1"/>
+              </a:solidFill>
+              <a:effectLst/>
+            </a:endParaRPr>
+          </a:p>
+          <a:p>
+            <a:pPr marL="0" marR="0" lvl="0" indent="0" algn="l" defTabSz="914400" rtl="0" eaLnBrk="0" fontAlgn="base" latinLnBrk="0" hangingPunct="0">
+              <a:lnSpc>
+                <a:spcPct val="100000"/>
+              </a:lnSpc>
+              <a:spcBef>
+                <a:spcPct val="0"/>
+              </a:spcBef>
+              <a:spcAft>
+                <a:spcPct val="0"/>
+              </a:spcAft>
+              <a:buClrTx/>
+              <a:buSzTx/>
+              <a:buFontTx/>
+              <a:buNone/>
+              <a:tabLst/>
+            </a:pPr>
+            <a:r>
+              <a:rPr kumimoji="0" lang="en-US" altLang="en-US" sz="1000" b="1" i="0" u="none" strike="noStrike" cap="none" normalizeH="0" baseline="0" dirty="0" smtClean="0">
+                <a:ln>
+                  <a:noFill/>
+                </a:ln>
+                <a:solidFill>
+                  <a:srgbClr val="333333"/>
+                </a:solidFill>
+                <a:effectLst/>
+                <a:latin typeface="Arial" panose="020B0604020202020204" pitchFamily="34" charset="0"/>
+                <a:cs typeface="Arial" panose="020B0604020202020204" pitchFamily="34" charset="0"/>
+              </a:rPr>
+              <a:t>LC08_L2SP_210016_20211010_20211019_02_T1_SR_B3.TIF</a:t>
+            </a:r>
+            <a:r>
+              <a:rPr kumimoji="0" lang="en-US" altLang="en-US" sz="1000" b="0" i="0" u="none" strike="noStrike" cap="none" normalizeH="0" baseline="0" dirty="0" smtClean="0">
+                <a:ln>
+                  <a:noFill/>
+                </a:ln>
+                <a:solidFill>
+                  <a:srgbClr val="333333"/>
+                </a:solidFill>
+                <a:effectLst/>
+                <a:latin typeface="Arial" panose="020B0604020202020204" pitchFamily="34" charset="0"/>
+                <a:cs typeface="Arial" panose="020B0604020202020204" pitchFamily="34" charset="0"/>
+              </a:rPr>
+              <a:t/>
+            </a:r>
+            <a:br>
+              <a:rPr kumimoji="0" lang="en-US" altLang="en-US" sz="1000" b="0" i="0" u="none" strike="noStrike" cap="none" normalizeH="0" baseline="0" dirty="0" smtClean="0">
+                <a:ln>
+                  <a:noFill/>
+                </a:ln>
+                <a:solidFill>
+                  <a:srgbClr val="333333"/>
+                </a:solidFill>
+                <a:effectLst/>
+                <a:latin typeface="Arial" panose="020B0604020202020204" pitchFamily="34" charset="0"/>
+                <a:cs typeface="Arial" panose="020B0604020202020204" pitchFamily="34" charset="0"/>
+              </a:rPr>
+            </a:br>
+            <a:r>
+              <a:rPr kumimoji="0" lang="en-US" altLang="en-US" sz="1000" b="0" i="1" u="none" strike="noStrike" cap="none" normalizeH="0" baseline="0" dirty="0" smtClean="0">
+                <a:ln>
+                  <a:noFill/>
+                </a:ln>
+                <a:solidFill>
+                  <a:srgbClr val="333333"/>
+                </a:solidFill>
+                <a:effectLst/>
+                <a:latin typeface="Arial" panose="020B0604020202020204" pitchFamily="34" charset="0"/>
+                <a:cs typeface="Arial" panose="020B0604020202020204" pitchFamily="34" charset="0"/>
+              </a:rPr>
+              <a:t>Landsat Collection 2 Level-2 Band File</a:t>
+            </a:r>
+            <a:endParaRPr kumimoji="0" lang="en-US" altLang="en-US" sz="1000" b="0" i="0" u="none" strike="noStrike" cap="none" normalizeH="0" baseline="0" dirty="0" smtClean="0">
+              <a:ln>
+                <a:noFill/>
+              </a:ln>
+              <a:solidFill>
+                <a:srgbClr val="333333"/>
+              </a:solidFill>
+              <a:effectLst/>
+              <a:latin typeface="Arial" panose="020B0604020202020204" pitchFamily="34" charset="0"/>
+              <a:cs typeface="Arial" panose="020B0604020202020204" pitchFamily="34" charset="0"/>
+            </a:endParaRPr>
+          </a:p>
+          <a:p>
+            <a:pPr marL="0" marR="0" lvl="0" indent="0" algn="l" defTabSz="914400" rtl="0" eaLnBrk="0" fontAlgn="base" latinLnBrk="0" hangingPunct="0">
+              <a:lnSpc>
+                <a:spcPct val="100000"/>
+              </a:lnSpc>
+              <a:spcBef>
+                <a:spcPct val="0"/>
+              </a:spcBef>
+              <a:spcAft>
+                <a:spcPct val="0"/>
+              </a:spcAft>
+              <a:buClrTx/>
+              <a:buSzTx/>
+              <a:buFontTx/>
+              <a:buNone/>
+              <a:tabLst/>
+            </a:pPr>
+            <a:r>
+              <a:rPr kumimoji="0" lang="en-US" altLang="en-US" sz="1000" b="0" i="0" u="none" strike="noStrike" cap="none" normalizeH="0" baseline="0" dirty="0" smtClean="0">
+                <a:ln>
+                  <a:noFill/>
+                </a:ln>
+                <a:solidFill>
+                  <a:srgbClr val="333333"/>
+                </a:solidFill>
+                <a:effectLst/>
+                <a:latin typeface="Arial" panose="020B0604020202020204" pitchFamily="34" charset="0"/>
+                <a:cs typeface="Arial" panose="020B0604020202020204" pitchFamily="34" charset="0"/>
+              </a:rPr>
+              <a:t> </a:t>
+            </a:r>
+            <a:endParaRPr kumimoji="0" lang="en-US" altLang="en-US" sz="800" b="0" i="0" u="none" strike="noStrike" cap="none" normalizeH="0" baseline="0" dirty="0" smtClean="0">
+              <a:ln>
+                <a:noFill/>
+              </a:ln>
+              <a:solidFill>
+                <a:schemeClr val="tx1"/>
+              </a:solidFill>
+              <a:effectLst/>
+            </a:endParaRPr>
+          </a:p>
+          <a:p>
+            <a:pPr marL="0" marR="0" lvl="0" indent="0" algn="l" defTabSz="914400" rtl="0" eaLnBrk="0" fontAlgn="base" latinLnBrk="0" hangingPunct="0">
+              <a:lnSpc>
+                <a:spcPct val="100000"/>
+              </a:lnSpc>
+              <a:spcBef>
+                <a:spcPct val="0"/>
+              </a:spcBef>
+              <a:spcAft>
+                <a:spcPct val="0"/>
+              </a:spcAft>
+              <a:buClrTx/>
+              <a:buSzTx/>
+              <a:buFontTx/>
+              <a:buNone/>
+              <a:tabLst/>
+            </a:pPr>
+            <a:r>
+              <a:rPr kumimoji="0" lang="en-US" altLang="en-US" sz="1000" b="1" i="0" u="none" strike="noStrike" cap="none" normalizeH="0" baseline="0" dirty="0" smtClean="0">
+                <a:ln>
+                  <a:noFill/>
+                </a:ln>
+                <a:solidFill>
+                  <a:srgbClr val="333333"/>
+                </a:solidFill>
+                <a:effectLst/>
+                <a:latin typeface="Arial" panose="020B0604020202020204" pitchFamily="34" charset="0"/>
+                <a:cs typeface="Arial" panose="020B0604020202020204" pitchFamily="34" charset="0"/>
+              </a:rPr>
+              <a:t>LC08_L2SP_210016_20211010_20211019_02_T1_SR_B4.TIF</a:t>
+            </a:r>
+            <a:r>
+              <a:rPr kumimoji="0" lang="en-US" altLang="en-US" sz="1000" b="0" i="0" u="none" strike="noStrike" cap="none" normalizeH="0" baseline="0" dirty="0" smtClean="0">
+                <a:ln>
+                  <a:noFill/>
+                </a:ln>
+                <a:solidFill>
+                  <a:srgbClr val="333333"/>
+                </a:solidFill>
+                <a:effectLst/>
+                <a:latin typeface="Arial" panose="020B0604020202020204" pitchFamily="34" charset="0"/>
+                <a:cs typeface="Arial" panose="020B0604020202020204" pitchFamily="34" charset="0"/>
+              </a:rPr>
+              <a:t/>
+            </a:r>
+            <a:br>
+              <a:rPr kumimoji="0" lang="en-US" altLang="en-US" sz="1000" b="0" i="0" u="none" strike="noStrike" cap="none" normalizeH="0" baseline="0" dirty="0" smtClean="0">
+                <a:ln>
+                  <a:noFill/>
+                </a:ln>
+                <a:solidFill>
+                  <a:srgbClr val="333333"/>
+                </a:solidFill>
+                <a:effectLst/>
+                <a:latin typeface="Arial" panose="020B0604020202020204" pitchFamily="34" charset="0"/>
+                <a:cs typeface="Arial" panose="020B0604020202020204" pitchFamily="34" charset="0"/>
+              </a:rPr>
+            </a:br>
+            <a:r>
+              <a:rPr kumimoji="0" lang="en-US" altLang="en-US" sz="1000" b="0" i="1" u="none" strike="noStrike" cap="none" normalizeH="0" baseline="0" dirty="0" smtClean="0">
+                <a:ln>
+                  <a:noFill/>
+                </a:ln>
+                <a:solidFill>
+                  <a:srgbClr val="333333"/>
+                </a:solidFill>
+                <a:effectLst/>
+                <a:latin typeface="Arial" panose="020B0604020202020204" pitchFamily="34" charset="0"/>
+                <a:cs typeface="Arial" panose="020B0604020202020204" pitchFamily="34" charset="0"/>
+              </a:rPr>
+              <a:t>Landsat Collection 2 Level-2 Band File</a:t>
+            </a:r>
+            <a:endParaRPr kumimoji="0" lang="en-US" altLang="en-US" sz="1000" b="0" i="0" u="none" strike="noStrike" cap="none" normalizeH="0" baseline="0" dirty="0" smtClean="0">
+              <a:ln>
+                <a:noFill/>
+              </a:ln>
+              <a:solidFill>
+                <a:srgbClr val="333333"/>
+              </a:solidFill>
+              <a:effectLst/>
+              <a:latin typeface="Arial" panose="020B0604020202020204" pitchFamily="34" charset="0"/>
+              <a:cs typeface="Arial" panose="020B0604020202020204" pitchFamily="34" charset="0"/>
+            </a:endParaRPr>
+          </a:p>
+          <a:p>
+            <a:pPr marL="0" marR="0" lvl="0" indent="0" algn="l" defTabSz="914400" rtl="0" eaLnBrk="0" fontAlgn="base" latinLnBrk="0" hangingPunct="0">
+              <a:lnSpc>
+                <a:spcPct val="100000"/>
+              </a:lnSpc>
+              <a:spcBef>
+                <a:spcPct val="0"/>
+              </a:spcBef>
+              <a:spcAft>
+                <a:spcPct val="0"/>
+              </a:spcAft>
+              <a:buClrTx/>
+              <a:buSzTx/>
+              <a:buFontTx/>
+              <a:buNone/>
+              <a:tabLst/>
+            </a:pPr>
+            <a:r>
+              <a:rPr kumimoji="0" lang="en-US" altLang="en-US" sz="1000" b="0" i="0" u="none" strike="noStrike" cap="none" normalizeH="0" baseline="0" dirty="0" smtClean="0">
+                <a:ln>
+                  <a:noFill/>
+                </a:ln>
+                <a:solidFill>
+                  <a:srgbClr val="333333"/>
+                </a:solidFill>
+                <a:effectLst/>
+                <a:latin typeface="Arial" panose="020B0604020202020204" pitchFamily="34" charset="0"/>
+                <a:cs typeface="Arial" panose="020B0604020202020204" pitchFamily="34" charset="0"/>
+              </a:rPr>
+              <a:t> </a:t>
+            </a:r>
+            <a:endParaRPr kumimoji="0" lang="en-US" altLang="en-US" sz="800" b="0" i="0" u="none" strike="noStrike" cap="none" normalizeH="0" baseline="0" dirty="0" smtClean="0">
+              <a:ln>
+                <a:noFill/>
+              </a:ln>
+              <a:solidFill>
+                <a:schemeClr val="tx1"/>
+              </a:solidFill>
+              <a:effectLst/>
+            </a:endParaRPr>
+          </a:p>
+          <a:p>
+            <a:pPr marL="0" marR="0" lvl="0" indent="0" algn="l" defTabSz="914400" rtl="0" eaLnBrk="0" fontAlgn="base" latinLnBrk="0" hangingPunct="0">
+              <a:lnSpc>
+                <a:spcPct val="100000"/>
+              </a:lnSpc>
+              <a:spcBef>
+                <a:spcPct val="0"/>
+              </a:spcBef>
+              <a:spcAft>
+                <a:spcPct val="0"/>
+              </a:spcAft>
+              <a:buClrTx/>
+              <a:buSzTx/>
+              <a:buFontTx/>
+              <a:buNone/>
+              <a:tabLst/>
+            </a:pPr>
+            <a:r>
+              <a:rPr kumimoji="0" lang="en-US" altLang="en-US" sz="1000" b="1" i="0" u="none" strike="noStrike" cap="none" normalizeH="0" baseline="0" dirty="0" smtClean="0">
+                <a:ln>
+                  <a:noFill/>
+                </a:ln>
+                <a:solidFill>
+                  <a:srgbClr val="333333"/>
+                </a:solidFill>
+                <a:effectLst/>
+                <a:latin typeface="Arial" panose="020B0604020202020204" pitchFamily="34" charset="0"/>
+                <a:cs typeface="Arial" panose="020B0604020202020204" pitchFamily="34" charset="0"/>
+              </a:rPr>
+              <a:t>LC08_L2SP_210016_20211010_20211019_02_T1_SR_B5.TIF</a:t>
+            </a:r>
+            <a:r>
+              <a:rPr kumimoji="0" lang="en-US" altLang="en-US" sz="1000" b="0" i="0" u="none" strike="noStrike" cap="none" normalizeH="0" baseline="0" dirty="0" smtClean="0">
+                <a:ln>
+                  <a:noFill/>
+                </a:ln>
+                <a:solidFill>
+                  <a:srgbClr val="333333"/>
+                </a:solidFill>
+                <a:effectLst/>
+                <a:latin typeface="Arial" panose="020B0604020202020204" pitchFamily="34" charset="0"/>
+                <a:cs typeface="Arial" panose="020B0604020202020204" pitchFamily="34" charset="0"/>
+              </a:rPr>
+              <a:t/>
+            </a:r>
+            <a:br>
+              <a:rPr kumimoji="0" lang="en-US" altLang="en-US" sz="1000" b="0" i="0" u="none" strike="noStrike" cap="none" normalizeH="0" baseline="0" dirty="0" smtClean="0">
+                <a:ln>
+                  <a:noFill/>
+                </a:ln>
+                <a:solidFill>
+                  <a:srgbClr val="333333"/>
+                </a:solidFill>
+                <a:effectLst/>
+                <a:latin typeface="Arial" panose="020B0604020202020204" pitchFamily="34" charset="0"/>
+                <a:cs typeface="Arial" panose="020B0604020202020204" pitchFamily="34" charset="0"/>
+              </a:rPr>
+            </a:br>
+            <a:r>
+              <a:rPr kumimoji="0" lang="en-US" altLang="en-US" sz="1000" b="0" i="1" u="none" strike="noStrike" cap="none" normalizeH="0" baseline="0" dirty="0" smtClean="0">
+                <a:ln>
+                  <a:noFill/>
+                </a:ln>
+                <a:solidFill>
+                  <a:srgbClr val="333333"/>
+                </a:solidFill>
+                <a:effectLst/>
+                <a:latin typeface="Arial" panose="020B0604020202020204" pitchFamily="34" charset="0"/>
+                <a:cs typeface="Arial" panose="020B0604020202020204" pitchFamily="34" charset="0"/>
+              </a:rPr>
+              <a:t>Landsat Collection 2 Level-2 Band File</a:t>
+            </a:r>
+            <a:endParaRPr kumimoji="0" lang="en-US" altLang="en-US" sz="1000" b="0" i="0" u="none" strike="noStrike" cap="none" normalizeH="0" baseline="0" dirty="0" smtClean="0">
+              <a:ln>
+                <a:noFill/>
+              </a:ln>
+              <a:solidFill>
+                <a:srgbClr val="333333"/>
+              </a:solidFill>
+              <a:effectLst/>
+              <a:latin typeface="Arial" panose="020B0604020202020204" pitchFamily="34" charset="0"/>
+              <a:cs typeface="Arial" panose="020B0604020202020204" pitchFamily="34" charset="0"/>
+            </a:endParaRPr>
+          </a:p>
+          <a:p>
+            <a:pPr marL="0" marR="0" lvl="0" indent="0" algn="l" defTabSz="914400" rtl="0" eaLnBrk="0" fontAlgn="base" latinLnBrk="0" hangingPunct="0">
+              <a:lnSpc>
+                <a:spcPct val="100000"/>
+              </a:lnSpc>
+              <a:spcBef>
+                <a:spcPct val="0"/>
+              </a:spcBef>
+              <a:spcAft>
+                <a:spcPct val="0"/>
+              </a:spcAft>
+              <a:buClrTx/>
+              <a:buSzTx/>
+              <a:buFontTx/>
+              <a:buNone/>
+              <a:tabLst/>
+            </a:pPr>
+            <a:r>
+              <a:rPr kumimoji="0" lang="en-US" altLang="en-US" sz="1000" b="0" i="0" u="none" strike="noStrike" cap="none" normalizeH="0" baseline="0" dirty="0" smtClean="0">
+                <a:ln>
+                  <a:noFill/>
+                </a:ln>
+                <a:solidFill>
+                  <a:srgbClr val="333333"/>
+                </a:solidFill>
+                <a:effectLst/>
+                <a:latin typeface="Arial" panose="020B0604020202020204" pitchFamily="34" charset="0"/>
+                <a:cs typeface="Arial" panose="020B0604020202020204" pitchFamily="34" charset="0"/>
+              </a:rPr>
+              <a:t> </a:t>
+            </a:r>
+            <a:endParaRPr kumimoji="0" lang="en-US" altLang="en-US" sz="800" b="0" i="0" u="none" strike="noStrike" cap="none" normalizeH="0" baseline="0" dirty="0" smtClean="0">
+              <a:ln>
+                <a:noFill/>
+              </a:ln>
+              <a:solidFill>
+                <a:schemeClr val="tx1"/>
+              </a:solidFill>
+              <a:effectLst/>
+            </a:endParaRPr>
+          </a:p>
+          <a:p>
+            <a:pPr marL="0" marR="0" lvl="0" indent="0" algn="l" defTabSz="914400" rtl="0" eaLnBrk="0" fontAlgn="base" latinLnBrk="0" hangingPunct="0">
+              <a:lnSpc>
+                <a:spcPct val="100000"/>
+              </a:lnSpc>
+              <a:spcBef>
+                <a:spcPct val="0"/>
+              </a:spcBef>
+              <a:spcAft>
+                <a:spcPct val="0"/>
+              </a:spcAft>
+              <a:buClrTx/>
+              <a:buSzTx/>
+              <a:buFontTx/>
+              <a:buNone/>
+              <a:tabLst/>
+            </a:pPr>
+            <a:r>
+              <a:rPr kumimoji="0" lang="en-US" altLang="en-US" sz="1000" b="1" i="0" u="none" strike="noStrike" cap="none" normalizeH="0" baseline="0" dirty="0" smtClean="0">
+                <a:ln>
+                  <a:noFill/>
+                </a:ln>
+                <a:solidFill>
+                  <a:srgbClr val="333333"/>
+                </a:solidFill>
+                <a:effectLst/>
+                <a:latin typeface="Arial" panose="020B0604020202020204" pitchFamily="34" charset="0"/>
+                <a:cs typeface="Arial" panose="020B0604020202020204" pitchFamily="34" charset="0"/>
+              </a:rPr>
+              <a:t>LC08_L2SP_210016_20211010_20211019_02_T1_SR_B6.TIF</a:t>
+            </a:r>
+            <a:r>
+              <a:rPr kumimoji="0" lang="en-US" altLang="en-US" sz="1000" b="0" i="0" u="none" strike="noStrike" cap="none" normalizeH="0" baseline="0" dirty="0" smtClean="0">
+                <a:ln>
+                  <a:noFill/>
+                </a:ln>
+                <a:solidFill>
+                  <a:srgbClr val="333333"/>
+                </a:solidFill>
+                <a:effectLst/>
+                <a:latin typeface="Arial" panose="020B0604020202020204" pitchFamily="34" charset="0"/>
+                <a:cs typeface="Arial" panose="020B0604020202020204" pitchFamily="34" charset="0"/>
+              </a:rPr>
+              <a:t/>
+            </a:r>
+            <a:br>
+              <a:rPr kumimoji="0" lang="en-US" altLang="en-US" sz="1000" b="0" i="0" u="none" strike="noStrike" cap="none" normalizeH="0" baseline="0" dirty="0" smtClean="0">
+                <a:ln>
+                  <a:noFill/>
+                </a:ln>
+                <a:solidFill>
+                  <a:srgbClr val="333333"/>
+                </a:solidFill>
+                <a:effectLst/>
+                <a:latin typeface="Arial" panose="020B0604020202020204" pitchFamily="34" charset="0"/>
+                <a:cs typeface="Arial" panose="020B0604020202020204" pitchFamily="34" charset="0"/>
+              </a:rPr>
+            </a:br>
+            <a:r>
+              <a:rPr kumimoji="0" lang="en-US" altLang="en-US" sz="1000" b="0" i="1" u="none" strike="noStrike" cap="none" normalizeH="0" baseline="0" dirty="0" smtClean="0">
+                <a:ln>
+                  <a:noFill/>
+                </a:ln>
+                <a:solidFill>
+                  <a:srgbClr val="333333"/>
+                </a:solidFill>
+                <a:effectLst/>
+                <a:latin typeface="Arial" panose="020B0604020202020204" pitchFamily="34" charset="0"/>
+                <a:cs typeface="Arial" panose="020B0604020202020204" pitchFamily="34" charset="0"/>
+              </a:rPr>
+              <a:t>Landsat Collection 2 Level-2 Band File</a:t>
+            </a:r>
+            <a:endParaRPr kumimoji="0" lang="en-US" altLang="en-US" sz="1000" b="0" i="0" u="none" strike="noStrike" cap="none" normalizeH="0" baseline="0" dirty="0" smtClean="0">
+              <a:ln>
+                <a:noFill/>
+              </a:ln>
+              <a:solidFill>
+                <a:srgbClr val="333333"/>
+              </a:solidFill>
+              <a:effectLst/>
+              <a:latin typeface="Arial" panose="020B0604020202020204" pitchFamily="34" charset="0"/>
+              <a:cs typeface="Arial" panose="020B0604020202020204" pitchFamily="34" charset="0"/>
+            </a:endParaRPr>
+          </a:p>
+          <a:p>
+            <a:pPr marL="0" marR="0" lvl="0" indent="0" algn="l" defTabSz="914400" rtl="0" eaLnBrk="0" fontAlgn="base" latinLnBrk="0" hangingPunct="0">
+              <a:lnSpc>
+                <a:spcPct val="100000"/>
+              </a:lnSpc>
+              <a:spcBef>
+                <a:spcPct val="0"/>
+              </a:spcBef>
+              <a:spcAft>
+                <a:spcPct val="0"/>
+              </a:spcAft>
+              <a:buClrTx/>
+              <a:buSzTx/>
+              <a:buFontTx/>
+              <a:buNone/>
+              <a:tabLst/>
+            </a:pPr>
+            <a:r>
+              <a:rPr kumimoji="0" lang="en-US" altLang="en-US" sz="1000" b="0" i="0" u="none" strike="noStrike" cap="none" normalizeH="0" baseline="0" dirty="0" smtClean="0">
+                <a:ln>
+                  <a:noFill/>
+                </a:ln>
+                <a:solidFill>
+                  <a:srgbClr val="333333"/>
+                </a:solidFill>
+                <a:effectLst/>
+                <a:latin typeface="Arial" panose="020B0604020202020204" pitchFamily="34" charset="0"/>
+                <a:cs typeface="Arial" panose="020B0604020202020204" pitchFamily="34" charset="0"/>
+              </a:rPr>
+              <a:t> </a:t>
+            </a:r>
+            <a:endParaRPr kumimoji="0" lang="en-US" altLang="en-US" sz="800" b="0" i="0" u="none" strike="noStrike" cap="none" normalizeH="0" baseline="0" dirty="0" smtClean="0">
+              <a:ln>
+                <a:noFill/>
+              </a:ln>
+              <a:solidFill>
+                <a:schemeClr val="tx1"/>
+              </a:solidFill>
+              <a:effectLst/>
+            </a:endParaRPr>
+          </a:p>
+          <a:p>
+            <a:pPr marL="0" marR="0" lvl="0" indent="0" algn="l" defTabSz="914400" rtl="0" eaLnBrk="0" fontAlgn="base" latinLnBrk="0" hangingPunct="0">
+              <a:lnSpc>
+                <a:spcPct val="100000"/>
+              </a:lnSpc>
+              <a:spcBef>
+                <a:spcPct val="0"/>
+              </a:spcBef>
+              <a:spcAft>
+                <a:spcPct val="0"/>
+              </a:spcAft>
+              <a:buClrTx/>
+              <a:buSzTx/>
+              <a:buFontTx/>
+              <a:buNone/>
+              <a:tabLst/>
+            </a:pPr>
+            <a:r>
+              <a:rPr kumimoji="0" lang="en-US" altLang="en-US" sz="1000" b="1" i="0" u="none" strike="noStrike" cap="none" normalizeH="0" baseline="0" dirty="0" smtClean="0">
+                <a:ln>
+                  <a:noFill/>
+                </a:ln>
+                <a:solidFill>
+                  <a:srgbClr val="333333"/>
+                </a:solidFill>
+                <a:effectLst/>
+                <a:latin typeface="Arial" panose="020B0604020202020204" pitchFamily="34" charset="0"/>
+                <a:cs typeface="Arial" panose="020B0604020202020204" pitchFamily="34" charset="0"/>
+              </a:rPr>
+              <a:t>LC08_L2SP_210016_20211010_20211019_02_T1_SR_B7.TIF</a:t>
+            </a:r>
+            <a:r>
+              <a:rPr kumimoji="0" lang="en-US" altLang="en-US" sz="1000" b="0" i="0" u="none" strike="noStrike" cap="none" normalizeH="0" baseline="0" dirty="0" smtClean="0">
+                <a:ln>
+                  <a:noFill/>
+                </a:ln>
+                <a:solidFill>
+                  <a:srgbClr val="333333"/>
+                </a:solidFill>
+                <a:effectLst/>
+                <a:latin typeface="Arial" panose="020B0604020202020204" pitchFamily="34" charset="0"/>
+                <a:cs typeface="Arial" panose="020B0604020202020204" pitchFamily="34" charset="0"/>
+              </a:rPr>
+              <a:t/>
+            </a:r>
+            <a:br>
+              <a:rPr kumimoji="0" lang="en-US" altLang="en-US" sz="1000" b="0" i="0" u="none" strike="noStrike" cap="none" normalizeH="0" baseline="0" dirty="0" smtClean="0">
+                <a:ln>
+                  <a:noFill/>
+                </a:ln>
+                <a:solidFill>
+                  <a:srgbClr val="333333"/>
+                </a:solidFill>
+                <a:effectLst/>
+                <a:latin typeface="Arial" panose="020B0604020202020204" pitchFamily="34" charset="0"/>
+                <a:cs typeface="Arial" panose="020B0604020202020204" pitchFamily="34" charset="0"/>
+              </a:rPr>
+            </a:br>
+            <a:r>
+              <a:rPr kumimoji="0" lang="en-US" altLang="en-US" sz="1000" b="0" i="1" u="none" strike="noStrike" cap="none" normalizeH="0" baseline="0" dirty="0" smtClean="0">
+                <a:ln>
+                  <a:noFill/>
+                </a:ln>
+                <a:solidFill>
+                  <a:srgbClr val="333333"/>
+                </a:solidFill>
+                <a:effectLst/>
+                <a:latin typeface="Arial" panose="020B0604020202020204" pitchFamily="34" charset="0"/>
+                <a:cs typeface="Arial" panose="020B0604020202020204" pitchFamily="34" charset="0"/>
+              </a:rPr>
+              <a:t>Landsat Collection 2 Level-2 Band File</a:t>
+            </a:r>
+            <a:endParaRPr kumimoji="0" lang="en-US" altLang="en-US" sz="1000" b="0" i="0" u="none" strike="noStrike" cap="none" normalizeH="0" baseline="0" dirty="0" smtClean="0">
+              <a:ln>
+                <a:noFill/>
+              </a:ln>
+              <a:solidFill>
+                <a:srgbClr val="333333"/>
+              </a:solidFill>
+              <a:effectLst/>
+              <a:latin typeface="Arial" panose="020B0604020202020204" pitchFamily="34" charset="0"/>
+              <a:cs typeface="Arial" panose="020B0604020202020204" pitchFamily="34" charset="0"/>
+            </a:endParaRPr>
+          </a:p>
+          <a:p>
+            <a:pPr marL="0" marR="0" lvl="0" indent="0" algn="l" defTabSz="914400" rtl="0" eaLnBrk="0" fontAlgn="base" latinLnBrk="0" hangingPunct="0">
+              <a:lnSpc>
+                <a:spcPct val="100000"/>
+              </a:lnSpc>
+              <a:spcBef>
+                <a:spcPct val="0"/>
+              </a:spcBef>
+              <a:spcAft>
+                <a:spcPct val="0"/>
+              </a:spcAft>
+              <a:buClrTx/>
+              <a:buSzTx/>
+              <a:buFontTx/>
+              <a:buNone/>
+              <a:tabLst/>
+            </a:pPr>
+            <a:r>
+              <a:rPr kumimoji="0" lang="en-US" altLang="en-US" sz="1000" b="0" i="0" u="none" strike="noStrike" cap="none" normalizeH="0" baseline="0" dirty="0" smtClean="0">
+                <a:ln>
+                  <a:noFill/>
+                </a:ln>
+                <a:solidFill>
+                  <a:srgbClr val="333333"/>
+                </a:solidFill>
+                <a:effectLst/>
+                <a:latin typeface="Arial" panose="020B0604020202020204" pitchFamily="34" charset="0"/>
+                <a:cs typeface="Arial" panose="020B0604020202020204" pitchFamily="34" charset="0"/>
+              </a:rPr>
+              <a:t>  </a:t>
+            </a:r>
+            <a:endParaRPr kumimoji="0" lang="en-US" altLang="en-US" sz="800" b="0" i="0" u="none" strike="noStrike" cap="none" normalizeH="0" baseline="0" dirty="0" smtClean="0">
+              <a:ln>
+                <a:noFill/>
+              </a:ln>
+              <a:solidFill>
+                <a:schemeClr val="tx1"/>
+              </a:solidFill>
+              <a:effectLst/>
+            </a:endParaRPr>
+          </a:p>
+          <a:p>
+            <a:pPr marL="0" marR="0" lvl="0" indent="0" algn="l" defTabSz="914400" rtl="0" eaLnBrk="0" fontAlgn="base" latinLnBrk="0" hangingPunct="0">
+              <a:lnSpc>
+                <a:spcPct val="100000"/>
+              </a:lnSpc>
+              <a:spcBef>
+                <a:spcPct val="0"/>
+              </a:spcBef>
+              <a:spcAft>
+                <a:spcPct val="0"/>
+              </a:spcAft>
+              <a:buClrTx/>
+              <a:buSzTx/>
+              <a:buFontTx/>
+              <a:buNone/>
+              <a:tabLst/>
+            </a:pPr>
+            <a:r>
+              <a:rPr kumimoji="0" lang="en-US" altLang="en-US" sz="1000" b="1" i="0" u="none" strike="noStrike" cap="none" normalizeH="0" baseline="0" dirty="0" smtClean="0">
+                <a:ln>
+                  <a:noFill/>
+                </a:ln>
+                <a:solidFill>
+                  <a:srgbClr val="333333"/>
+                </a:solidFill>
+                <a:effectLst/>
+                <a:latin typeface="Arial" panose="020B0604020202020204" pitchFamily="34" charset="0"/>
+                <a:cs typeface="Arial" panose="020B0604020202020204" pitchFamily="34" charset="0"/>
+              </a:rPr>
+              <a:t>LC08_L2SP_210016_20211010_20211019_02_T1_ST_B10.TIF</a:t>
+            </a:r>
+            <a:r>
+              <a:rPr kumimoji="0" lang="en-US" altLang="en-US" sz="1000" b="0" i="0" u="none" strike="noStrike" cap="none" normalizeH="0" baseline="0" dirty="0" smtClean="0">
+                <a:ln>
+                  <a:noFill/>
+                </a:ln>
+                <a:solidFill>
+                  <a:srgbClr val="333333"/>
+                </a:solidFill>
+                <a:effectLst/>
+                <a:latin typeface="Arial" panose="020B0604020202020204" pitchFamily="34" charset="0"/>
+                <a:cs typeface="Arial" panose="020B0604020202020204" pitchFamily="34" charset="0"/>
+              </a:rPr>
+              <a:t/>
+            </a:r>
+            <a:br>
+              <a:rPr kumimoji="0" lang="en-US" altLang="en-US" sz="1000" b="0" i="0" u="none" strike="noStrike" cap="none" normalizeH="0" baseline="0" dirty="0" smtClean="0">
+                <a:ln>
+                  <a:noFill/>
+                </a:ln>
+                <a:solidFill>
+                  <a:srgbClr val="333333"/>
+                </a:solidFill>
+                <a:effectLst/>
+                <a:latin typeface="Arial" panose="020B0604020202020204" pitchFamily="34" charset="0"/>
+                <a:cs typeface="Arial" panose="020B0604020202020204" pitchFamily="34" charset="0"/>
+              </a:rPr>
+            </a:br>
+            <a:r>
+              <a:rPr kumimoji="0" lang="en-US" altLang="en-US" sz="1000" b="0" i="1" u="none" strike="noStrike" cap="none" normalizeH="0" baseline="0" dirty="0" smtClean="0">
+                <a:ln>
+                  <a:noFill/>
+                </a:ln>
+                <a:solidFill>
+                  <a:srgbClr val="333333"/>
+                </a:solidFill>
+                <a:effectLst/>
+                <a:latin typeface="Arial" panose="020B0604020202020204" pitchFamily="34" charset="0"/>
+                <a:cs typeface="Arial" panose="020B0604020202020204" pitchFamily="34" charset="0"/>
+              </a:rPr>
+              <a:t>Landsat Collection 2 Level-2 Band File</a:t>
+            </a:r>
+            <a:endParaRPr kumimoji="0" lang="en-US" altLang="en-US" sz="1000" b="0" i="0" u="none" strike="noStrike" cap="none" normalizeH="0" baseline="0" dirty="0" smtClean="0">
+              <a:ln>
+                <a:noFill/>
+              </a:ln>
+              <a:solidFill>
+                <a:srgbClr val="333333"/>
+              </a:solidFill>
+              <a:effectLst/>
+              <a:latin typeface="Arial" panose="020B0604020202020204" pitchFamily="34" charset="0"/>
+              <a:cs typeface="Arial" panose="020B0604020202020204" pitchFamily="34" charset="0"/>
+            </a:endParaRPr>
+          </a:p>
+          <a:p>
+            <a:pPr marL="0" marR="0" lvl="0" indent="0" algn="l" defTabSz="914400" rtl="0" eaLnBrk="0" fontAlgn="base" latinLnBrk="0" hangingPunct="0">
+              <a:lnSpc>
+                <a:spcPct val="100000"/>
+              </a:lnSpc>
+              <a:spcBef>
+                <a:spcPct val="0"/>
+              </a:spcBef>
+              <a:spcAft>
+                <a:spcPct val="0"/>
+              </a:spcAft>
+              <a:buClrTx/>
+              <a:buSzTx/>
+              <a:buFontTx/>
+              <a:buNone/>
+              <a:tabLst/>
+            </a:pPr>
+            <a:r>
+              <a:rPr kumimoji="0" lang="en-US" altLang="en-US" sz="1000" b="0" i="0" u="none" strike="noStrike" cap="none" normalizeH="0" baseline="0" dirty="0" smtClean="0">
+                <a:ln>
+                  <a:noFill/>
+                </a:ln>
+                <a:solidFill>
+                  <a:srgbClr val="333333"/>
+                </a:solidFill>
+                <a:effectLst/>
+                <a:latin typeface="Arial" panose="020B0604020202020204" pitchFamily="34" charset="0"/>
+                <a:cs typeface="Arial" panose="020B0604020202020204" pitchFamily="34" charset="0"/>
+              </a:rPr>
+              <a:t> </a:t>
+            </a:r>
+            <a:endParaRPr kumimoji="0" lang="en-US" altLang="en-US" sz="800" b="0" i="0" u="none" strike="noStrike" cap="none" normalizeH="0" baseline="0" dirty="0" smtClean="0">
+              <a:ln>
+                <a:noFill/>
+              </a:ln>
+              <a:solidFill>
+                <a:schemeClr val="tx1"/>
+              </a:solidFill>
+              <a:effectLst/>
+            </a:endParaRPr>
+          </a:p>
+        </p:txBody>
+      </p:sp>
+      <p:sp>
+        <p:nvSpPr>
+          <p:cNvPr id="5" name="Rectangle 1"/>
+          <p:cNvSpPr>
+            <a:spLocks noChangeArrowheads="1"/>
+          </p:cNvSpPr>
+          <p:nvPr/>
+        </p:nvSpPr>
+        <p:spPr bwMode="auto">
+          <a:xfrm>
+            <a:off x="5909656" y="112705"/>
+            <a:ext cx="5719156" cy="6524863"/>
+          </a:xfrm>
+          <a:prstGeom prst="rect">
+            <a:avLst/>
+          </a:prstGeom>
+          <a:solidFill>
+            <a:srgbClr val="FFFFFF"/>
+          </a:solidFill>
+          <a:ln>
+            <a:noFill/>
+          </a:ln>
+          <a:effectLst/>
+          <a:extLst>
+            <a:ext uri="{91240B29-F687-4F45-9708-019B960494DF}">
+              <a14:hiddenLine xmlns:a14="http://schemas.microsoft.com/office/drawing/2010/main" w="9525">
+                <a:solidFill>
+                  <a:schemeClr val="tx1"/>
+                </a:solidFill>
+                <a:miter lim="800000"/>
+                <a:headEnd/>
+                <a:tailEnd/>
+              </a14:hiddenLine>
+            </a:ext>
+            <a:ext uri="{AF507438-7753-43E0-B8FC-AC1667EBCBE1}">
+              <a14:hiddenEffects xmlns:a14="http://schemas.microsoft.com/office/drawing/2010/main">
+                <a:effectLst>
+                  <a:outerShdw dist="35921" dir="2700000" algn="ctr" rotWithShape="0">
+                    <a:schemeClr val="bg2"/>
+                  </a:outerShdw>
+                </a:effectLst>
+              </a14:hiddenEffects>
+            </a:ext>
+          </a:extLst>
+        </p:spPr>
+        <p:txBody>
+          <a:bodyPr vert="horz" wrap="square" lIns="0" tIns="0" rIns="0" bIns="0" numCol="1" anchor="ctr" anchorCtr="0" compatLnSpc="1">
+            <a:prstTxWarp prst="textNoShape">
+              <a:avLst/>
+            </a:prstTxWarp>
+            <a:spAutoFit/>
+          </a:bodyPr>
+          <a:lstStyle>
+            <a:lvl1pPr eaLnBrk="0" fontAlgn="base" hangingPunct="0">
+              <a:spcBef>
+                <a:spcPct val="0"/>
+              </a:spcBef>
+              <a:spcAft>
+                <a:spcPct val="0"/>
+              </a:spcAft>
+              <a:defRPr>
+                <a:solidFill>
+                  <a:schemeClr val="tx1"/>
+                </a:solidFill>
+                <a:latin typeface="Arial" panose="020B0604020202020204" pitchFamily="34" charset="0"/>
+              </a:defRPr>
+            </a:lvl1pPr>
+            <a:lvl2pPr eaLnBrk="0" fontAlgn="base" hangingPunct="0">
+              <a:spcBef>
+                <a:spcPct val="0"/>
+              </a:spcBef>
+              <a:spcAft>
+                <a:spcPct val="0"/>
+              </a:spcAft>
+              <a:defRPr>
+                <a:solidFill>
+                  <a:schemeClr val="tx1"/>
+                </a:solidFill>
+                <a:latin typeface="Arial" panose="020B0604020202020204" pitchFamily="34" charset="0"/>
+              </a:defRPr>
+            </a:lvl2pPr>
+            <a:lvl3pPr eaLnBrk="0" fontAlgn="base" hangingPunct="0">
+              <a:spcBef>
+                <a:spcPct val="0"/>
+              </a:spcBef>
+              <a:spcAft>
+                <a:spcPct val="0"/>
+              </a:spcAft>
+              <a:defRPr>
+                <a:solidFill>
+                  <a:schemeClr val="tx1"/>
+                </a:solidFill>
+                <a:latin typeface="Arial" panose="020B0604020202020204" pitchFamily="34" charset="0"/>
+              </a:defRPr>
+            </a:lvl3pPr>
+            <a:lvl4pPr eaLnBrk="0" fontAlgn="base" hangingPunct="0">
+              <a:spcBef>
+                <a:spcPct val="0"/>
+              </a:spcBef>
+              <a:spcAft>
+                <a:spcPct val="0"/>
+              </a:spcAft>
+              <a:defRPr>
+                <a:solidFill>
+                  <a:schemeClr val="tx1"/>
+                </a:solidFill>
+                <a:latin typeface="Arial" panose="020B0604020202020204" pitchFamily="34" charset="0"/>
+              </a:defRPr>
+            </a:lvl4pPr>
+            <a:lvl5pPr eaLnBrk="0" fontAlgn="base" hangingPunct="0">
+              <a:spcBef>
+                <a:spcPct val="0"/>
+              </a:spcBef>
+              <a:spcAft>
+                <a:spcPct val="0"/>
+              </a:spcAft>
+              <a:defRPr>
+                <a:solidFill>
+                  <a:schemeClr val="tx1"/>
+                </a:solidFill>
+                <a:latin typeface="Arial" panose="020B0604020202020204" pitchFamily="34" charset="0"/>
+              </a:defRPr>
+            </a:lvl5pPr>
+            <a:lvl6pPr eaLnBrk="0" fontAlgn="base" hangingPunct="0">
+              <a:spcBef>
+                <a:spcPct val="0"/>
+              </a:spcBef>
+              <a:spcAft>
+                <a:spcPct val="0"/>
+              </a:spcAft>
+              <a:defRPr>
+                <a:solidFill>
+                  <a:schemeClr val="tx1"/>
+                </a:solidFill>
+                <a:latin typeface="Arial" panose="020B0604020202020204" pitchFamily="34" charset="0"/>
+              </a:defRPr>
+            </a:lvl6pPr>
+            <a:lvl7pPr eaLnBrk="0" fontAlgn="base" hangingPunct="0">
+              <a:spcBef>
+                <a:spcPct val="0"/>
+              </a:spcBef>
+              <a:spcAft>
+                <a:spcPct val="0"/>
+              </a:spcAft>
+              <a:defRPr>
+                <a:solidFill>
+                  <a:schemeClr val="tx1"/>
+                </a:solidFill>
+                <a:latin typeface="Arial" panose="020B0604020202020204" pitchFamily="34" charset="0"/>
+              </a:defRPr>
+            </a:lvl7pPr>
+            <a:lvl8pPr eaLnBrk="0" fontAlgn="base" hangingPunct="0">
+              <a:spcBef>
+                <a:spcPct val="0"/>
+              </a:spcBef>
+              <a:spcAft>
+                <a:spcPct val="0"/>
+              </a:spcAft>
+              <a:defRPr>
+                <a:solidFill>
+                  <a:schemeClr val="tx1"/>
+                </a:solidFill>
+                <a:latin typeface="Arial" panose="020B0604020202020204" pitchFamily="34" charset="0"/>
+              </a:defRPr>
+            </a:lvl8pPr>
+            <a:lvl9pPr eaLnBrk="0" fontAlgn="base" hangingPunct="0">
+              <a:spcBef>
+                <a:spcPct val="0"/>
+              </a:spcBef>
+              <a:spcAft>
+                <a:spcPct val="0"/>
+              </a:spcAft>
+              <a:defRPr>
+                <a:solidFill>
+                  <a:schemeClr val="tx1"/>
+                </a:solidFill>
+                <a:latin typeface="Arial" panose="020B0604020202020204" pitchFamily="34" charset="0"/>
+              </a:defRPr>
+            </a:lvl9pPr>
+          </a:lstStyle>
+          <a:p>
+            <a:pPr marL="0" marR="0" lvl="0" indent="0" algn="l" defTabSz="914400" rtl="0" eaLnBrk="0" fontAlgn="base" latinLnBrk="0" hangingPunct="0">
+              <a:lnSpc>
+                <a:spcPct val="100000"/>
+              </a:lnSpc>
+              <a:spcBef>
+                <a:spcPct val="0"/>
+              </a:spcBef>
+              <a:spcAft>
+                <a:spcPct val="0"/>
+              </a:spcAft>
+              <a:buClrTx/>
+              <a:buSzTx/>
+              <a:buFontTx/>
+              <a:buNone/>
+              <a:tabLst/>
+            </a:pPr>
+            <a:r>
+              <a:rPr kumimoji="0" lang="en-US" altLang="en-US" sz="1400" i="0" u="none" strike="noStrike" cap="none" normalizeH="0" baseline="0" dirty="0" smtClean="0">
+                <a:ln>
+                  <a:noFill/>
+                </a:ln>
+                <a:solidFill>
+                  <a:srgbClr val="333333"/>
+                </a:solidFill>
+                <a:effectLst/>
+                <a:latin typeface="Arial" panose="020B0604020202020204" pitchFamily="34" charset="0"/>
+                <a:cs typeface="Arial" panose="020B0604020202020204" pitchFamily="34" charset="0"/>
+              </a:rPr>
+              <a:t>Other Data</a:t>
+            </a:r>
+          </a:p>
+          <a:p>
+            <a:pPr marL="0" marR="0" lvl="0" indent="0" algn="l" defTabSz="914400" rtl="0" eaLnBrk="0" fontAlgn="base" latinLnBrk="0" hangingPunct="0">
+              <a:lnSpc>
+                <a:spcPct val="100000"/>
+              </a:lnSpc>
+              <a:spcBef>
+                <a:spcPct val="0"/>
+              </a:spcBef>
+              <a:spcAft>
+                <a:spcPct val="0"/>
+              </a:spcAft>
+              <a:buClrTx/>
+              <a:buSzTx/>
+              <a:buFontTx/>
+              <a:buNone/>
+              <a:tabLst/>
+            </a:pPr>
+            <a:endParaRPr kumimoji="0" lang="en-US" altLang="en-US" sz="1000" b="1" i="0" u="none" strike="noStrike" cap="none" normalizeH="0" baseline="0" dirty="0" smtClean="0">
+              <a:ln>
+                <a:noFill/>
+              </a:ln>
+              <a:solidFill>
+                <a:srgbClr val="333333"/>
+              </a:solidFill>
+              <a:effectLst/>
+              <a:latin typeface="Arial" panose="020B0604020202020204" pitchFamily="34" charset="0"/>
+              <a:cs typeface="Arial" panose="020B0604020202020204" pitchFamily="34" charset="0"/>
+            </a:endParaRPr>
+          </a:p>
+          <a:p>
+            <a:pPr marL="0" marR="0" lvl="0" indent="0" algn="l" defTabSz="914400" rtl="0" eaLnBrk="0" fontAlgn="base" latinLnBrk="0" hangingPunct="0">
+              <a:lnSpc>
+                <a:spcPct val="100000"/>
+              </a:lnSpc>
+              <a:spcBef>
+                <a:spcPct val="0"/>
+              </a:spcBef>
+              <a:spcAft>
+                <a:spcPct val="0"/>
+              </a:spcAft>
+              <a:buClrTx/>
+              <a:buSzTx/>
+              <a:buFontTx/>
+              <a:buNone/>
+              <a:tabLst/>
+            </a:pPr>
+            <a:r>
+              <a:rPr kumimoji="0" lang="en-US" altLang="en-US" sz="1000" b="1" i="0" u="none" strike="noStrike" cap="none" normalizeH="0" baseline="0" dirty="0" smtClean="0">
+                <a:ln>
+                  <a:noFill/>
+                </a:ln>
+                <a:solidFill>
+                  <a:srgbClr val="333333"/>
+                </a:solidFill>
+                <a:effectLst/>
+                <a:latin typeface="Arial" panose="020B0604020202020204" pitchFamily="34" charset="0"/>
+                <a:cs typeface="Arial" panose="020B0604020202020204" pitchFamily="34" charset="0"/>
+              </a:rPr>
+              <a:t>LC08_L2SP_210016_20211010_20211019_02_T1_ANG.txt</a:t>
+            </a:r>
+            <a:r>
+              <a:rPr kumimoji="0" lang="en-US" altLang="en-US" sz="1000" b="0" i="0" u="none" strike="noStrike" cap="none" normalizeH="0" baseline="0" dirty="0" smtClean="0">
+                <a:ln>
+                  <a:noFill/>
+                </a:ln>
+                <a:solidFill>
+                  <a:srgbClr val="333333"/>
+                </a:solidFill>
+                <a:effectLst/>
+                <a:latin typeface="Arial" panose="020B0604020202020204" pitchFamily="34" charset="0"/>
+                <a:cs typeface="Arial" panose="020B0604020202020204" pitchFamily="34" charset="0"/>
+              </a:rPr>
+              <a:t/>
+            </a:r>
+            <a:br>
+              <a:rPr kumimoji="0" lang="en-US" altLang="en-US" sz="1000" b="0" i="0" u="none" strike="noStrike" cap="none" normalizeH="0" baseline="0" dirty="0" smtClean="0">
+                <a:ln>
+                  <a:noFill/>
+                </a:ln>
+                <a:solidFill>
+                  <a:srgbClr val="333333"/>
+                </a:solidFill>
+                <a:effectLst/>
+                <a:latin typeface="Arial" panose="020B0604020202020204" pitchFamily="34" charset="0"/>
+                <a:cs typeface="Arial" panose="020B0604020202020204" pitchFamily="34" charset="0"/>
+              </a:rPr>
+            </a:br>
+            <a:r>
+              <a:rPr kumimoji="0" lang="en-US" altLang="en-US" sz="1000" b="0" i="1" u="none" strike="noStrike" cap="none" normalizeH="0" baseline="0" dirty="0" smtClean="0">
+                <a:ln>
+                  <a:noFill/>
+                </a:ln>
+                <a:solidFill>
+                  <a:srgbClr val="333333"/>
+                </a:solidFill>
+                <a:effectLst/>
+                <a:latin typeface="Arial" panose="020B0604020202020204" pitchFamily="34" charset="0"/>
+                <a:cs typeface="Arial" panose="020B0604020202020204" pitchFamily="34" charset="0"/>
+              </a:rPr>
+              <a:t>Landsat Collection 2 Level-2 Band File</a:t>
+            </a:r>
+            <a:endParaRPr kumimoji="0" lang="en-US" altLang="en-US" sz="1000" b="0" i="0" u="none" strike="noStrike" cap="none" normalizeH="0" baseline="0" dirty="0" smtClean="0">
+              <a:ln>
+                <a:noFill/>
+              </a:ln>
+              <a:solidFill>
+                <a:srgbClr val="333333"/>
+              </a:solidFill>
+              <a:effectLst/>
+              <a:latin typeface="Arial" panose="020B0604020202020204" pitchFamily="34" charset="0"/>
+              <a:cs typeface="Arial" panose="020B0604020202020204" pitchFamily="34" charset="0"/>
+            </a:endParaRPr>
+          </a:p>
+          <a:p>
+            <a:pPr marL="0" marR="0" lvl="0" indent="0" algn="l" defTabSz="914400" rtl="0" eaLnBrk="0" fontAlgn="base" latinLnBrk="0" hangingPunct="0">
+              <a:lnSpc>
+                <a:spcPct val="100000"/>
+              </a:lnSpc>
+              <a:spcBef>
+                <a:spcPct val="0"/>
+              </a:spcBef>
+              <a:spcAft>
+                <a:spcPct val="0"/>
+              </a:spcAft>
+              <a:buClrTx/>
+              <a:buSzTx/>
+              <a:buFontTx/>
+              <a:buNone/>
+              <a:tabLst/>
+            </a:pPr>
+            <a:r>
+              <a:rPr kumimoji="0" lang="en-US" altLang="en-US" sz="1000" b="0" i="0" u="none" strike="noStrike" cap="none" normalizeH="0" baseline="0" dirty="0" smtClean="0">
+                <a:ln>
+                  <a:noFill/>
+                </a:ln>
+                <a:solidFill>
+                  <a:srgbClr val="333333"/>
+                </a:solidFill>
+                <a:effectLst/>
+                <a:latin typeface="Arial" panose="020B0604020202020204" pitchFamily="34" charset="0"/>
+                <a:cs typeface="Arial" panose="020B0604020202020204" pitchFamily="34" charset="0"/>
+              </a:rPr>
+              <a:t> </a:t>
+            </a:r>
+            <a:endParaRPr kumimoji="0" lang="en-US" altLang="en-US" sz="800" b="0" i="0" u="none" strike="noStrike" cap="none" normalizeH="0" baseline="0" dirty="0" smtClean="0">
+              <a:ln>
+                <a:noFill/>
+              </a:ln>
+              <a:solidFill>
+                <a:schemeClr val="tx1"/>
+              </a:solidFill>
+              <a:effectLst/>
+            </a:endParaRPr>
+          </a:p>
+          <a:p>
+            <a:pPr marL="0" marR="0" lvl="0" indent="0" algn="l" defTabSz="914400" rtl="0" eaLnBrk="0" fontAlgn="base" latinLnBrk="0" hangingPunct="0">
+              <a:lnSpc>
+                <a:spcPct val="100000"/>
+              </a:lnSpc>
+              <a:spcBef>
+                <a:spcPct val="0"/>
+              </a:spcBef>
+              <a:spcAft>
+                <a:spcPct val="0"/>
+              </a:spcAft>
+              <a:buClrTx/>
+              <a:buSzTx/>
+              <a:buFontTx/>
+              <a:buNone/>
+              <a:tabLst/>
+            </a:pPr>
+            <a:r>
+              <a:rPr kumimoji="0" lang="en-US" altLang="en-US" sz="1000" b="1" i="0" u="none" strike="noStrike" cap="none" normalizeH="0" baseline="0" dirty="0" smtClean="0">
+                <a:ln>
+                  <a:noFill/>
+                </a:ln>
+                <a:solidFill>
+                  <a:srgbClr val="333333"/>
+                </a:solidFill>
+                <a:effectLst/>
+                <a:latin typeface="Arial" panose="020B0604020202020204" pitchFamily="34" charset="0"/>
+                <a:cs typeface="Arial" panose="020B0604020202020204" pitchFamily="34" charset="0"/>
+              </a:rPr>
+              <a:t>LC08_L2SP_210016_20211010_20211019_02_T1_MTL.txt</a:t>
+            </a:r>
+            <a:r>
+              <a:rPr kumimoji="0" lang="en-US" altLang="en-US" sz="1000" b="0" i="0" u="none" strike="noStrike" cap="none" normalizeH="0" baseline="0" dirty="0" smtClean="0">
+                <a:ln>
+                  <a:noFill/>
+                </a:ln>
+                <a:solidFill>
+                  <a:srgbClr val="333333"/>
+                </a:solidFill>
+                <a:effectLst/>
+                <a:latin typeface="Arial" panose="020B0604020202020204" pitchFamily="34" charset="0"/>
+                <a:cs typeface="Arial" panose="020B0604020202020204" pitchFamily="34" charset="0"/>
+              </a:rPr>
+              <a:t/>
+            </a:r>
+            <a:br>
+              <a:rPr kumimoji="0" lang="en-US" altLang="en-US" sz="1000" b="0" i="0" u="none" strike="noStrike" cap="none" normalizeH="0" baseline="0" dirty="0" smtClean="0">
+                <a:ln>
+                  <a:noFill/>
+                </a:ln>
+                <a:solidFill>
+                  <a:srgbClr val="333333"/>
+                </a:solidFill>
+                <a:effectLst/>
+                <a:latin typeface="Arial" panose="020B0604020202020204" pitchFamily="34" charset="0"/>
+                <a:cs typeface="Arial" panose="020B0604020202020204" pitchFamily="34" charset="0"/>
+              </a:rPr>
+            </a:br>
+            <a:r>
+              <a:rPr kumimoji="0" lang="en-US" altLang="en-US" sz="1000" b="0" i="1" u="none" strike="noStrike" cap="none" normalizeH="0" baseline="0" dirty="0" smtClean="0">
+                <a:ln>
+                  <a:noFill/>
+                </a:ln>
+                <a:solidFill>
+                  <a:srgbClr val="333333"/>
+                </a:solidFill>
+                <a:effectLst/>
+                <a:latin typeface="Arial" panose="020B0604020202020204" pitchFamily="34" charset="0"/>
+                <a:cs typeface="Arial" panose="020B0604020202020204" pitchFamily="34" charset="0"/>
+              </a:rPr>
+              <a:t>Landsat Collection 2 Level-2 Band File</a:t>
+            </a:r>
+            <a:endParaRPr kumimoji="0" lang="en-US" altLang="en-US" sz="1000" b="0" i="0" u="none" strike="noStrike" cap="none" normalizeH="0" baseline="0" dirty="0" smtClean="0">
+              <a:ln>
+                <a:noFill/>
+              </a:ln>
+              <a:solidFill>
+                <a:srgbClr val="333333"/>
+              </a:solidFill>
+              <a:effectLst/>
+              <a:latin typeface="Arial" panose="020B0604020202020204" pitchFamily="34" charset="0"/>
+              <a:cs typeface="Arial" panose="020B0604020202020204" pitchFamily="34" charset="0"/>
+            </a:endParaRPr>
+          </a:p>
+          <a:p>
+            <a:pPr marL="0" marR="0" lvl="0" indent="0" algn="l" defTabSz="914400" rtl="0" eaLnBrk="0" fontAlgn="base" latinLnBrk="0" hangingPunct="0">
+              <a:lnSpc>
+                <a:spcPct val="100000"/>
+              </a:lnSpc>
+              <a:spcBef>
+                <a:spcPct val="0"/>
+              </a:spcBef>
+              <a:spcAft>
+                <a:spcPct val="0"/>
+              </a:spcAft>
+              <a:buClrTx/>
+              <a:buSzTx/>
+              <a:buFontTx/>
+              <a:buNone/>
+              <a:tabLst/>
+            </a:pPr>
+            <a:r>
+              <a:rPr kumimoji="0" lang="en-US" altLang="en-US" sz="1000" b="0" i="0" u="none" strike="noStrike" cap="none" normalizeH="0" baseline="0" dirty="0" smtClean="0">
+                <a:ln>
+                  <a:noFill/>
+                </a:ln>
+                <a:solidFill>
+                  <a:srgbClr val="333333"/>
+                </a:solidFill>
+                <a:effectLst/>
+                <a:latin typeface="Arial" panose="020B0604020202020204" pitchFamily="34" charset="0"/>
+                <a:cs typeface="Arial" panose="020B0604020202020204" pitchFamily="34" charset="0"/>
+              </a:rPr>
+              <a:t> </a:t>
+            </a:r>
+            <a:endParaRPr kumimoji="0" lang="en-US" altLang="en-US" sz="800" b="0" i="0" u="none" strike="noStrike" cap="none" normalizeH="0" baseline="0" dirty="0" smtClean="0">
+              <a:ln>
+                <a:noFill/>
+              </a:ln>
+              <a:solidFill>
+                <a:schemeClr val="tx1"/>
+              </a:solidFill>
+              <a:effectLst/>
+            </a:endParaRPr>
+          </a:p>
+          <a:p>
+            <a:pPr marL="0" marR="0" lvl="0" indent="0" algn="l" defTabSz="914400" rtl="0" eaLnBrk="0" fontAlgn="base" latinLnBrk="0" hangingPunct="0">
+              <a:lnSpc>
+                <a:spcPct val="100000"/>
+              </a:lnSpc>
+              <a:spcBef>
+                <a:spcPct val="0"/>
+              </a:spcBef>
+              <a:spcAft>
+                <a:spcPct val="0"/>
+              </a:spcAft>
+              <a:buClrTx/>
+              <a:buSzTx/>
+              <a:buFontTx/>
+              <a:buNone/>
+              <a:tabLst/>
+            </a:pPr>
+            <a:r>
+              <a:rPr kumimoji="0" lang="en-US" altLang="en-US" sz="1000" b="1" i="0" u="none" strike="noStrike" cap="none" normalizeH="0" baseline="0" dirty="0" smtClean="0">
+                <a:ln>
+                  <a:noFill/>
+                </a:ln>
+                <a:solidFill>
+                  <a:srgbClr val="333333"/>
+                </a:solidFill>
+                <a:effectLst/>
+                <a:latin typeface="Arial" panose="020B0604020202020204" pitchFamily="34" charset="0"/>
+                <a:cs typeface="Arial" panose="020B0604020202020204" pitchFamily="34" charset="0"/>
+              </a:rPr>
+              <a:t>LC08_L2SP_210016_20211010_20211019_02_T1_MTL.xml</a:t>
+            </a:r>
+            <a:r>
+              <a:rPr kumimoji="0" lang="en-US" altLang="en-US" sz="1000" b="0" i="0" u="none" strike="noStrike" cap="none" normalizeH="0" baseline="0" dirty="0" smtClean="0">
+                <a:ln>
+                  <a:noFill/>
+                </a:ln>
+                <a:solidFill>
+                  <a:srgbClr val="333333"/>
+                </a:solidFill>
+                <a:effectLst/>
+                <a:latin typeface="Arial" panose="020B0604020202020204" pitchFamily="34" charset="0"/>
+                <a:cs typeface="Arial" panose="020B0604020202020204" pitchFamily="34" charset="0"/>
+              </a:rPr>
+              <a:t/>
+            </a:r>
+            <a:br>
+              <a:rPr kumimoji="0" lang="en-US" altLang="en-US" sz="1000" b="0" i="0" u="none" strike="noStrike" cap="none" normalizeH="0" baseline="0" dirty="0" smtClean="0">
+                <a:ln>
+                  <a:noFill/>
+                </a:ln>
+                <a:solidFill>
+                  <a:srgbClr val="333333"/>
+                </a:solidFill>
+                <a:effectLst/>
+                <a:latin typeface="Arial" panose="020B0604020202020204" pitchFamily="34" charset="0"/>
+                <a:cs typeface="Arial" panose="020B0604020202020204" pitchFamily="34" charset="0"/>
+              </a:rPr>
+            </a:br>
+            <a:r>
+              <a:rPr kumimoji="0" lang="en-US" altLang="en-US" sz="1000" b="0" i="1" u="none" strike="noStrike" cap="none" normalizeH="0" baseline="0" dirty="0" smtClean="0">
+                <a:ln>
+                  <a:noFill/>
+                </a:ln>
+                <a:solidFill>
+                  <a:srgbClr val="333333"/>
+                </a:solidFill>
+                <a:effectLst/>
+                <a:latin typeface="Arial" panose="020B0604020202020204" pitchFamily="34" charset="0"/>
+                <a:cs typeface="Arial" panose="020B0604020202020204" pitchFamily="34" charset="0"/>
+              </a:rPr>
+              <a:t>Landsat Collection 2 Level-2 Band File</a:t>
+            </a:r>
+            <a:endParaRPr kumimoji="0" lang="en-US" altLang="en-US" sz="1000" b="0" i="0" u="none" strike="noStrike" cap="none" normalizeH="0" baseline="0" dirty="0" smtClean="0">
+              <a:ln>
+                <a:noFill/>
+              </a:ln>
+              <a:solidFill>
+                <a:srgbClr val="333333"/>
+              </a:solidFill>
+              <a:effectLst/>
+              <a:latin typeface="Arial" panose="020B0604020202020204" pitchFamily="34" charset="0"/>
+              <a:cs typeface="Arial" panose="020B0604020202020204" pitchFamily="34" charset="0"/>
+            </a:endParaRPr>
+          </a:p>
+          <a:p>
+            <a:pPr marL="0" marR="0" lvl="0" indent="0" algn="l" defTabSz="914400" rtl="0" eaLnBrk="0" fontAlgn="base" latinLnBrk="0" hangingPunct="0">
+              <a:lnSpc>
+                <a:spcPct val="100000"/>
+              </a:lnSpc>
+              <a:spcBef>
+                <a:spcPct val="0"/>
+              </a:spcBef>
+              <a:spcAft>
+                <a:spcPct val="0"/>
+              </a:spcAft>
+              <a:buClrTx/>
+              <a:buSzTx/>
+              <a:buFontTx/>
+              <a:buNone/>
+              <a:tabLst/>
+            </a:pPr>
+            <a:r>
+              <a:rPr kumimoji="0" lang="en-US" altLang="en-US" sz="1000" b="0" i="0" u="none" strike="noStrike" cap="none" normalizeH="0" baseline="0" dirty="0" smtClean="0">
+                <a:ln>
+                  <a:noFill/>
+                </a:ln>
+                <a:solidFill>
+                  <a:srgbClr val="333333"/>
+                </a:solidFill>
+                <a:effectLst/>
+                <a:latin typeface="Arial" panose="020B0604020202020204" pitchFamily="34" charset="0"/>
+                <a:cs typeface="Arial" panose="020B0604020202020204" pitchFamily="34" charset="0"/>
+              </a:rPr>
+              <a:t> </a:t>
+            </a:r>
+            <a:endParaRPr kumimoji="0" lang="en-US" altLang="en-US" sz="800" b="0" i="0" u="none" strike="noStrike" cap="none" normalizeH="0" baseline="0" dirty="0" smtClean="0">
+              <a:ln>
+                <a:noFill/>
+              </a:ln>
+              <a:solidFill>
+                <a:schemeClr val="tx1"/>
+              </a:solidFill>
+              <a:effectLst/>
+            </a:endParaRPr>
+          </a:p>
+          <a:p>
+            <a:pPr marL="0" marR="0" lvl="0" indent="0" algn="l" defTabSz="914400" rtl="0" eaLnBrk="0" fontAlgn="base" latinLnBrk="0" hangingPunct="0">
+              <a:lnSpc>
+                <a:spcPct val="100000"/>
+              </a:lnSpc>
+              <a:spcBef>
+                <a:spcPct val="0"/>
+              </a:spcBef>
+              <a:spcAft>
+                <a:spcPct val="0"/>
+              </a:spcAft>
+              <a:buClrTx/>
+              <a:buSzTx/>
+              <a:buFontTx/>
+              <a:buNone/>
+              <a:tabLst/>
+            </a:pPr>
+            <a:r>
+              <a:rPr kumimoji="0" lang="en-US" altLang="en-US" sz="1000" b="1" i="0" u="none" strike="noStrike" cap="none" normalizeH="0" baseline="0" dirty="0" smtClean="0">
+                <a:ln>
+                  <a:noFill/>
+                </a:ln>
+                <a:solidFill>
+                  <a:srgbClr val="333333"/>
+                </a:solidFill>
+                <a:effectLst/>
+                <a:latin typeface="Arial" panose="020B0604020202020204" pitchFamily="34" charset="0"/>
+                <a:cs typeface="Arial" panose="020B0604020202020204" pitchFamily="34" charset="0"/>
+              </a:rPr>
+              <a:t>LC08_L2SP_210016_20211010_20211019_02_T1_QA_PIXEL.TIF</a:t>
+            </a:r>
+            <a:r>
+              <a:rPr kumimoji="0" lang="en-US" altLang="en-US" sz="1000" b="0" i="0" u="none" strike="noStrike" cap="none" normalizeH="0" baseline="0" dirty="0" smtClean="0">
+                <a:ln>
+                  <a:noFill/>
+                </a:ln>
+                <a:solidFill>
+                  <a:srgbClr val="333333"/>
+                </a:solidFill>
+                <a:effectLst/>
+                <a:latin typeface="Arial" panose="020B0604020202020204" pitchFamily="34" charset="0"/>
+                <a:cs typeface="Arial" panose="020B0604020202020204" pitchFamily="34" charset="0"/>
+              </a:rPr>
+              <a:t/>
+            </a:r>
+            <a:br>
+              <a:rPr kumimoji="0" lang="en-US" altLang="en-US" sz="1000" b="0" i="0" u="none" strike="noStrike" cap="none" normalizeH="0" baseline="0" dirty="0" smtClean="0">
+                <a:ln>
+                  <a:noFill/>
+                </a:ln>
+                <a:solidFill>
+                  <a:srgbClr val="333333"/>
+                </a:solidFill>
+                <a:effectLst/>
+                <a:latin typeface="Arial" panose="020B0604020202020204" pitchFamily="34" charset="0"/>
+                <a:cs typeface="Arial" panose="020B0604020202020204" pitchFamily="34" charset="0"/>
+              </a:rPr>
+            </a:br>
+            <a:r>
+              <a:rPr kumimoji="0" lang="en-US" altLang="en-US" sz="1000" b="0" i="1" u="none" strike="noStrike" cap="none" normalizeH="0" baseline="0" dirty="0" smtClean="0">
+                <a:ln>
+                  <a:noFill/>
+                </a:ln>
+                <a:solidFill>
+                  <a:srgbClr val="333333"/>
+                </a:solidFill>
+                <a:effectLst/>
+                <a:latin typeface="Arial" panose="020B0604020202020204" pitchFamily="34" charset="0"/>
+                <a:cs typeface="Arial" panose="020B0604020202020204" pitchFamily="34" charset="0"/>
+              </a:rPr>
+              <a:t>Landsat Collection 2 Level-2 Band File</a:t>
+            </a:r>
+            <a:endParaRPr kumimoji="0" lang="en-US" altLang="en-US" sz="1000" b="0" i="0" u="none" strike="noStrike" cap="none" normalizeH="0" baseline="0" dirty="0" smtClean="0">
+              <a:ln>
+                <a:noFill/>
+              </a:ln>
+              <a:solidFill>
+                <a:srgbClr val="333333"/>
+              </a:solidFill>
+              <a:effectLst/>
+              <a:latin typeface="Arial" panose="020B0604020202020204" pitchFamily="34" charset="0"/>
+              <a:cs typeface="Arial" panose="020B0604020202020204" pitchFamily="34" charset="0"/>
+            </a:endParaRPr>
+          </a:p>
+          <a:p>
+            <a:pPr marL="0" marR="0" lvl="0" indent="0" algn="l" defTabSz="914400" rtl="0" eaLnBrk="0" fontAlgn="base" latinLnBrk="0" hangingPunct="0">
+              <a:lnSpc>
+                <a:spcPct val="100000"/>
+              </a:lnSpc>
+              <a:spcBef>
+                <a:spcPct val="0"/>
+              </a:spcBef>
+              <a:spcAft>
+                <a:spcPct val="0"/>
+              </a:spcAft>
+              <a:buClrTx/>
+              <a:buSzTx/>
+              <a:buFontTx/>
+              <a:buNone/>
+              <a:tabLst/>
+            </a:pPr>
+            <a:r>
+              <a:rPr kumimoji="0" lang="en-US" altLang="en-US" sz="1000" b="0" i="0" u="none" strike="noStrike" cap="none" normalizeH="0" baseline="0" dirty="0" smtClean="0">
+                <a:ln>
+                  <a:noFill/>
+                </a:ln>
+                <a:solidFill>
+                  <a:srgbClr val="333333"/>
+                </a:solidFill>
+                <a:effectLst/>
+                <a:latin typeface="Arial" panose="020B0604020202020204" pitchFamily="34" charset="0"/>
+                <a:cs typeface="Arial" panose="020B0604020202020204" pitchFamily="34" charset="0"/>
+              </a:rPr>
+              <a:t> </a:t>
+            </a:r>
+            <a:endParaRPr kumimoji="0" lang="en-US" altLang="en-US" sz="800" b="0" i="0" u="none" strike="noStrike" cap="none" normalizeH="0" baseline="0" dirty="0" smtClean="0">
+              <a:ln>
+                <a:noFill/>
+              </a:ln>
+              <a:solidFill>
+                <a:schemeClr val="tx1"/>
+              </a:solidFill>
+              <a:effectLst/>
+            </a:endParaRPr>
+          </a:p>
+          <a:p>
+            <a:pPr marL="0" marR="0" lvl="0" indent="0" algn="l" defTabSz="914400" rtl="0" eaLnBrk="0" fontAlgn="base" latinLnBrk="0" hangingPunct="0">
+              <a:lnSpc>
+                <a:spcPct val="100000"/>
+              </a:lnSpc>
+              <a:spcBef>
+                <a:spcPct val="0"/>
+              </a:spcBef>
+              <a:spcAft>
+                <a:spcPct val="0"/>
+              </a:spcAft>
+              <a:buClrTx/>
+              <a:buSzTx/>
+              <a:buFontTx/>
+              <a:buNone/>
+              <a:tabLst/>
+            </a:pPr>
+            <a:r>
+              <a:rPr kumimoji="0" lang="en-US" altLang="en-US" sz="1000" b="1" i="0" u="none" strike="noStrike" cap="none" normalizeH="0" baseline="0" dirty="0" smtClean="0">
+                <a:ln>
+                  <a:noFill/>
+                </a:ln>
+                <a:solidFill>
+                  <a:srgbClr val="333333"/>
+                </a:solidFill>
+                <a:effectLst/>
+                <a:latin typeface="Arial" panose="020B0604020202020204" pitchFamily="34" charset="0"/>
+                <a:cs typeface="Arial" panose="020B0604020202020204" pitchFamily="34" charset="0"/>
+              </a:rPr>
+              <a:t>LC08_L2SP_210016_20211010_20211019_02_T1_QA_RADSAT.TIF</a:t>
+            </a:r>
+            <a:r>
+              <a:rPr kumimoji="0" lang="en-US" altLang="en-US" sz="1000" b="0" i="0" u="none" strike="noStrike" cap="none" normalizeH="0" baseline="0" dirty="0" smtClean="0">
+                <a:ln>
+                  <a:noFill/>
+                </a:ln>
+                <a:solidFill>
+                  <a:srgbClr val="333333"/>
+                </a:solidFill>
+                <a:effectLst/>
+                <a:latin typeface="Arial" panose="020B0604020202020204" pitchFamily="34" charset="0"/>
+                <a:cs typeface="Arial" panose="020B0604020202020204" pitchFamily="34" charset="0"/>
+              </a:rPr>
+              <a:t/>
+            </a:r>
+            <a:br>
+              <a:rPr kumimoji="0" lang="en-US" altLang="en-US" sz="1000" b="0" i="0" u="none" strike="noStrike" cap="none" normalizeH="0" baseline="0" dirty="0" smtClean="0">
+                <a:ln>
+                  <a:noFill/>
+                </a:ln>
+                <a:solidFill>
+                  <a:srgbClr val="333333"/>
+                </a:solidFill>
+                <a:effectLst/>
+                <a:latin typeface="Arial" panose="020B0604020202020204" pitchFamily="34" charset="0"/>
+                <a:cs typeface="Arial" panose="020B0604020202020204" pitchFamily="34" charset="0"/>
+              </a:rPr>
+            </a:br>
+            <a:r>
+              <a:rPr kumimoji="0" lang="en-US" altLang="en-US" sz="1000" b="0" i="1" u="none" strike="noStrike" cap="none" normalizeH="0" baseline="0" dirty="0" smtClean="0">
+                <a:ln>
+                  <a:noFill/>
+                </a:ln>
+                <a:solidFill>
+                  <a:srgbClr val="333333"/>
+                </a:solidFill>
+                <a:effectLst/>
+                <a:latin typeface="Arial" panose="020B0604020202020204" pitchFamily="34" charset="0"/>
+                <a:cs typeface="Arial" panose="020B0604020202020204" pitchFamily="34" charset="0"/>
+              </a:rPr>
+              <a:t>Landsat Collection 2 Level-2 Band File</a:t>
+            </a:r>
+            <a:endParaRPr kumimoji="0" lang="en-US" altLang="en-US" sz="1000" b="0" i="0" u="none" strike="noStrike" cap="none" normalizeH="0" baseline="0" dirty="0" smtClean="0">
+              <a:ln>
+                <a:noFill/>
+              </a:ln>
+              <a:solidFill>
+                <a:srgbClr val="333333"/>
+              </a:solidFill>
+              <a:effectLst/>
+              <a:latin typeface="Arial" panose="020B0604020202020204" pitchFamily="34" charset="0"/>
+              <a:cs typeface="Arial" panose="020B0604020202020204" pitchFamily="34" charset="0"/>
+            </a:endParaRPr>
+          </a:p>
+          <a:p>
+            <a:pPr marL="0" marR="0" lvl="0" indent="0" algn="l" defTabSz="914400" rtl="0" eaLnBrk="0" fontAlgn="base" latinLnBrk="0" hangingPunct="0">
+              <a:lnSpc>
+                <a:spcPct val="100000"/>
+              </a:lnSpc>
+              <a:spcBef>
+                <a:spcPct val="0"/>
+              </a:spcBef>
+              <a:spcAft>
+                <a:spcPct val="0"/>
+              </a:spcAft>
+              <a:buClrTx/>
+              <a:buSzTx/>
+              <a:buFontTx/>
+              <a:buNone/>
+              <a:tabLst/>
+            </a:pPr>
+            <a:r>
+              <a:rPr kumimoji="0" lang="en-US" altLang="en-US" sz="1000" b="0" i="0" u="none" strike="noStrike" cap="none" normalizeH="0" baseline="0" dirty="0" smtClean="0">
+                <a:ln>
+                  <a:noFill/>
+                </a:ln>
+                <a:solidFill>
+                  <a:srgbClr val="333333"/>
+                </a:solidFill>
+                <a:effectLst/>
+                <a:latin typeface="Arial" panose="020B0604020202020204" pitchFamily="34" charset="0"/>
+                <a:cs typeface="Arial" panose="020B0604020202020204" pitchFamily="34" charset="0"/>
+              </a:rPr>
+              <a:t>  </a:t>
+            </a:r>
+            <a:endParaRPr kumimoji="0" lang="en-US" altLang="en-US" sz="800" b="0" i="0" u="none" strike="noStrike" cap="none" normalizeH="0" baseline="0" dirty="0" smtClean="0">
+              <a:ln>
+                <a:noFill/>
+              </a:ln>
+              <a:solidFill>
+                <a:schemeClr val="tx1"/>
+              </a:solidFill>
+              <a:effectLst/>
+            </a:endParaRPr>
+          </a:p>
+          <a:p>
+            <a:pPr marL="0" marR="0" lvl="0" indent="0" algn="l" defTabSz="914400" rtl="0" eaLnBrk="0" fontAlgn="base" latinLnBrk="0" hangingPunct="0">
+              <a:lnSpc>
+                <a:spcPct val="100000"/>
+              </a:lnSpc>
+              <a:spcBef>
+                <a:spcPct val="0"/>
+              </a:spcBef>
+              <a:spcAft>
+                <a:spcPct val="0"/>
+              </a:spcAft>
+              <a:buClrTx/>
+              <a:buSzTx/>
+              <a:buFontTx/>
+              <a:buNone/>
+              <a:tabLst/>
+            </a:pPr>
+            <a:r>
+              <a:rPr kumimoji="0" lang="en-US" altLang="en-US" sz="1000" b="1" i="0" u="none" strike="noStrike" cap="none" normalizeH="0" baseline="0" dirty="0" smtClean="0">
+                <a:ln>
+                  <a:noFill/>
+                </a:ln>
+                <a:solidFill>
+                  <a:srgbClr val="333333"/>
+                </a:solidFill>
+                <a:effectLst/>
+                <a:latin typeface="Arial" panose="020B0604020202020204" pitchFamily="34" charset="0"/>
+                <a:cs typeface="Arial" panose="020B0604020202020204" pitchFamily="34" charset="0"/>
+              </a:rPr>
+              <a:t>LC08_L2SP_210016_20211010_20211019_02_T1_SR_QA_AEROSOL.TIF</a:t>
+            </a:r>
+            <a:r>
+              <a:rPr kumimoji="0" lang="en-US" altLang="en-US" sz="1000" b="0" i="0" u="none" strike="noStrike" cap="none" normalizeH="0" baseline="0" dirty="0" smtClean="0">
+                <a:ln>
+                  <a:noFill/>
+                </a:ln>
+                <a:solidFill>
+                  <a:srgbClr val="333333"/>
+                </a:solidFill>
+                <a:effectLst/>
+                <a:latin typeface="Arial" panose="020B0604020202020204" pitchFamily="34" charset="0"/>
+                <a:cs typeface="Arial" panose="020B0604020202020204" pitchFamily="34" charset="0"/>
+              </a:rPr>
+              <a:t/>
+            </a:r>
+            <a:br>
+              <a:rPr kumimoji="0" lang="en-US" altLang="en-US" sz="1000" b="0" i="0" u="none" strike="noStrike" cap="none" normalizeH="0" baseline="0" dirty="0" smtClean="0">
+                <a:ln>
+                  <a:noFill/>
+                </a:ln>
+                <a:solidFill>
+                  <a:srgbClr val="333333"/>
+                </a:solidFill>
+                <a:effectLst/>
+                <a:latin typeface="Arial" panose="020B0604020202020204" pitchFamily="34" charset="0"/>
+                <a:cs typeface="Arial" panose="020B0604020202020204" pitchFamily="34" charset="0"/>
+              </a:rPr>
+            </a:br>
+            <a:r>
+              <a:rPr kumimoji="0" lang="en-US" altLang="en-US" sz="1000" b="0" i="1" u="none" strike="noStrike" cap="none" normalizeH="0" baseline="0" dirty="0" smtClean="0">
+                <a:ln>
+                  <a:noFill/>
+                </a:ln>
+                <a:solidFill>
+                  <a:srgbClr val="333333"/>
+                </a:solidFill>
+                <a:effectLst/>
+                <a:latin typeface="Arial" panose="020B0604020202020204" pitchFamily="34" charset="0"/>
+                <a:cs typeface="Arial" panose="020B0604020202020204" pitchFamily="34" charset="0"/>
+              </a:rPr>
+              <a:t>Landsat Collection 2 Level-2 Band File</a:t>
+            </a:r>
+            <a:endParaRPr kumimoji="0" lang="en-US" altLang="en-US" sz="1000" b="0" i="0" u="none" strike="noStrike" cap="none" normalizeH="0" baseline="0" dirty="0" smtClean="0">
+              <a:ln>
+                <a:noFill/>
+              </a:ln>
+              <a:solidFill>
+                <a:srgbClr val="333333"/>
+              </a:solidFill>
+              <a:effectLst/>
+              <a:latin typeface="Arial" panose="020B0604020202020204" pitchFamily="34" charset="0"/>
+              <a:cs typeface="Arial" panose="020B0604020202020204" pitchFamily="34" charset="0"/>
+            </a:endParaRPr>
+          </a:p>
+          <a:p>
+            <a:pPr marL="0" marR="0" lvl="0" indent="0" algn="l" defTabSz="914400" rtl="0" eaLnBrk="0" fontAlgn="base" latinLnBrk="0" hangingPunct="0">
+              <a:lnSpc>
+                <a:spcPct val="100000"/>
+              </a:lnSpc>
+              <a:spcBef>
+                <a:spcPct val="0"/>
+              </a:spcBef>
+              <a:spcAft>
+                <a:spcPct val="0"/>
+              </a:spcAft>
+              <a:buClrTx/>
+              <a:buSzTx/>
+              <a:buFontTx/>
+              <a:buNone/>
+              <a:tabLst/>
+            </a:pPr>
+            <a:r>
+              <a:rPr kumimoji="0" lang="en-US" altLang="en-US" sz="1000" b="0" i="0" u="none" strike="noStrike" cap="none" normalizeH="0" baseline="0" dirty="0" smtClean="0">
+                <a:ln>
+                  <a:noFill/>
+                </a:ln>
+                <a:solidFill>
+                  <a:srgbClr val="333333"/>
+                </a:solidFill>
+                <a:effectLst/>
+                <a:latin typeface="Arial" panose="020B0604020202020204" pitchFamily="34" charset="0"/>
+                <a:cs typeface="Arial" panose="020B0604020202020204" pitchFamily="34" charset="0"/>
+              </a:rPr>
+              <a:t> </a:t>
+            </a:r>
+            <a:endParaRPr kumimoji="0" lang="en-US" altLang="en-US" sz="800" b="0" i="0" u="none" strike="noStrike" cap="none" normalizeH="0" baseline="0" dirty="0" smtClean="0">
+              <a:ln>
+                <a:noFill/>
+              </a:ln>
+              <a:solidFill>
+                <a:schemeClr val="tx1"/>
+              </a:solidFill>
+              <a:effectLst/>
+            </a:endParaRPr>
+          </a:p>
+          <a:p>
+            <a:pPr marL="0" marR="0" lvl="0" indent="0" algn="l" defTabSz="914400" rtl="0" eaLnBrk="0" fontAlgn="base" latinLnBrk="0" hangingPunct="0">
+              <a:lnSpc>
+                <a:spcPct val="100000"/>
+              </a:lnSpc>
+              <a:spcBef>
+                <a:spcPct val="0"/>
+              </a:spcBef>
+              <a:spcAft>
+                <a:spcPct val="0"/>
+              </a:spcAft>
+              <a:buClrTx/>
+              <a:buSzTx/>
+              <a:buFontTx/>
+              <a:buNone/>
+              <a:tabLst/>
+            </a:pPr>
+            <a:r>
+              <a:rPr kumimoji="0" lang="en-US" altLang="en-US" sz="1000" b="1" i="0" u="none" strike="noStrike" cap="none" normalizeH="0" baseline="0" dirty="0" smtClean="0">
+                <a:ln>
+                  <a:noFill/>
+                </a:ln>
+                <a:solidFill>
+                  <a:srgbClr val="333333"/>
+                </a:solidFill>
+                <a:effectLst/>
+                <a:latin typeface="Arial" panose="020B0604020202020204" pitchFamily="34" charset="0"/>
+                <a:cs typeface="Arial" panose="020B0604020202020204" pitchFamily="34" charset="0"/>
+              </a:rPr>
+              <a:t>LC08_L2SP_210016_20211010_20211019_02_T1_ST_ATRAN.TIF</a:t>
+            </a:r>
+            <a:r>
+              <a:rPr kumimoji="0" lang="en-US" altLang="en-US" sz="1000" b="0" i="0" u="none" strike="noStrike" cap="none" normalizeH="0" baseline="0" dirty="0" smtClean="0">
+                <a:ln>
+                  <a:noFill/>
+                </a:ln>
+                <a:solidFill>
+                  <a:srgbClr val="333333"/>
+                </a:solidFill>
+                <a:effectLst/>
+                <a:latin typeface="Arial" panose="020B0604020202020204" pitchFamily="34" charset="0"/>
+                <a:cs typeface="Arial" panose="020B0604020202020204" pitchFamily="34" charset="0"/>
+              </a:rPr>
+              <a:t/>
+            </a:r>
+            <a:br>
+              <a:rPr kumimoji="0" lang="en-US" altLang="en-US" sz="1000" b="0" i="0" u="none" strike="noStrike" cap="none" normalizeH="0" baseline="0" dirty="0" smtClean="0">
+                <a:ln>
+                  <a:noFill/>
+                </a:ln>
+                <a:solidFill>
+                  <a:srgbClr val="333333"/>
+                </a:solidFill>
+                <a:effectLst/>
+                <a:latin typeface="Arial" panose="020B0604020202020204" pitchFamily="34" charset="0"/>
+                <a:cs typeface="Arial" panose="020B0604020202020204" pitchFamily="34" charset="0"/>
+              </a:rPr>
+            </a:br>
+            <a:r>
+              <a:rPr kumimoji="0" lang="en-US" altLang="en-US" sz="1000" b="0" i="1" u="none" strike="noStrike" cap="none" normalizeH="0" baseline="0" dirty="0" smtClean="0">
+                <a:ln>
+                  <a:noFill/>
+                </a:ln>
+                <a:solidFill>
+                  <a:srgbClr val="333333"/>
+                </a:solidFill>
+                <a:effectLst/>
+                <a:latin typeface="Arial" panose="020B0604020202020204" pitchFamily="34" charset="0"/>
+                <a:cs typeface="Arial" panose="020B0604020202020204" pitchFamily="34" charset="0"/>
+              </a:rPr>
+              <a:t>Landsat Collection 2 Level-2 Band File</a:t>
+            </a:r>
+            <a:endParaRPr kumimoji="0" lang="en-US" altLang="en-US" sz="1000" b="0" i="0" u="none" strike="noStrike" cap="none" normalizeH="0" baseline="0" dirty="0" smtClean="0">
+              <a:ln>
+                <a:noFill/>
+              </a:ln>
+              <a:solidFill>
+                <a:srgbClr val="333333"/>
+              </a:solidFill>
+              <a:effectLst/>
+              <a:latin typeface="Arial" panose="020B0604020202020204" pitchFamily="34" charset="0"/>
+              <a:cs typeface="Arial" panose="020B0604020202020204" pitchFamily="34" charset="0"/>
+            </a:endParaRPr>
+          </a:p>
+          <a:p>
+            <a:pPr marL="0" marR="0" lvl="0" indent="0" algn="l" defTabSz="914400" rtl="0" eaLnBrk="0" fontAlgn="base" latinLnBrk="0" hangingPunct="0">
+              <a:lnSpc>
+                <a:spcPct val="100000"/>
+              </a:lnSpc>
+              <a:spcBef>
+                <a:spcPct val="0"/>
+              </a:spcBef>
+              <a:spcAft>
+                <a:spcPct val="0"/>
+              </a:spcAft>
+              <a:buClrTx/>
+              <a:buSzTx/>
+              <a:buFontTx/>
+              <a:buNone/>
+              <a:tabLst/>
+            </a:pPr>
+            <a:r>
+              <a:rPr kumimoji="0" lang="en-US" altLang="en-US" sz="1000" b="0" i="0" u="none" strike="noStrike" cap="none" normalizeH="0" baseline="0" dirty="0" smtClean="0">
+                <a:ln>
+                  <a:noFill/>
+                </a:ln>
+                <a:solidFill>
+                  <a:srgbClr val="333333"/>
+                </a:solidFill>
+                <a:effectLst/>
+                <a:latin typeface="Arial" panose="020B0604020202020204" pitchFamily="34" charset="0"/>
+                <a:cs typeface="Arial" panose="020B0604020202020204" pitchFamily="34" charset="0"/>
+              </a:rPr>
+              <a:t> </a:t>
+            </a:r>
+            <a:endParaRPr kumimoji="0" lang="en-US" altLang="en-US" sz="800" b="0" i="0" u="none" strike="noStrike" cap="none" normalizeH="0" baseline="0" dirty="0" smtClean="0">
+              <a:ln>
+                <a:noFill/>
+              </a:ln>
+              <a:solidFill>
+                <a:schemeClr val="tx1"/>
+              </a:solidFill>
+              <a:effectLst/>
+            </a:endParaRPr>
+          </a:p>
+          <a:p>
+            <a:pPr marL="0" marR="0" lvl="0" indent="0" algn="l" defTabSz="914400" rtl="0" eaLnBrk="0" fontAlgn="base" latinLnBrk="0" hangingPunct="0">
+              <a:lnSpc>
+                <a:spcPct val="100000"/>
+              </a:lnSpc>
+              <a:spcBef>
+                <a:spcPct val="0"/>
+              </a:spcBef>
+              <a:spcAft>
+                <a:spcPct val="0"/>
+              </a:spcAft>
+              <a:buClrTx/>
+              <a:buSzTx/>
+              <a:buFontTx/>
+              <a:buNone/>
+              <a:tabLst/>
+            </a:pPr>
+            <a:r>
+              <a:rPr kumimoji="0" lang="en-US" altLang="en-US" sz="1000" b="1" i="0" u="none" strike="noStrike" cap="none" normalizeH="0" baseline="0" dirty="0" smtClean="0">
+                <a:ln>
+                  <a:noFill/>
+                </a:ln>
+                <a:solidFill>
+                  <a:srgbClr val="333333"/>
+                </a:solidFill>
+                <a:effectLst/>
+                <a:latin typeface="Arial" panose="020B0604020202020204" pitchFamily="34" charset="0"/>
+                <a:cs typeface="Arial" panose="020B0604020202020204" pitchFamily="34" charset="0"/>
+              </a:rPr>
+              <a:t>LC08_L2SP_210016_20211010_20211019_02_T1_ST_CDIST.TIF</a:t>
+            </a:r>
+            <a:r>
+              <a:rPr kumimoji="0" lang="en-US" altLang="en-US" sz="1000" b="0" i="0" u="none" strike="noStrike" cap="none" normalizeH="0" baseline="0" dirty="0" smtClean="0">
+                <a:ln>
+                  <a:noFill/>
+                </a:ln>
+                <a:solidFill>
+                  <a:srgbClr val="333333"/>
+                </a:solidFill>
+                <a:effectLst/>
+                <a:latin typeface="Arial" panose="020B0604020202020204" pitchFamily="34" charset="0"/>
+                <a:cs typeface="Arial" panose="020B0604020202020204" pitchFamily="34" charset="0"/>
+              </a:rPr>
+              <a:t/>
+            </a:r>
+            <a:br>
+              <a:rPr kumimoji="0" lang="en-US" altLang="en-US" sz="1000" b="0" i="0" u="none" strike="noStrike" cap="none" normalizeH="0" baseline="0" dirty="0" smtClean="0">
+                <a:ln>
+                  <a:noFill/>
+                </a:ln>
+                <a:solidFill>
+                  <a:srgbClr val="333333"/>
+                </a:solidFill>
+                <a:effectLst/>
+                <a:latin typeface="Arial" panose="020B0604020202020204" pitchFamily="34" charset="0"/>
+                <a:cs typeface="Arial" panose="020B0604020202020204" pitchFamily="34" charset="0"/>
+              </a:rPr>
+            </a:br>
+            <a:r>
+              <a:rPr kumimoji="0" lang="en-US" altLang="en-US" sz="1000" b="0" i="1" u="none" strike="noStrike" cap="none" normalizeH="0" baseline="0" dirty="0" smtClean="0">
+                <a:ln>
+                  <a:noFill/>
+                </a:ln>
+                <a:solidFill>
+                  <a:srgbClr val="333333"/>
+                </a:solidFill>
+                <a:effectLst/>
+                <a:latin typeface="Arial" panose="020B0604020202020204" pitchFamily="34" charset="0"/>
+                <a:cs typeface="Arial" panose="020B0604020202020204" pitchFamily="34" charset="0"/>
+              </a:rPr>
+              <a:t>Landsat Collection 2 Level-2 Band File</a:t>
+            </a:r>
+            <a:endParaRPr kumimoji="0" lang="en-US" altLang="en-US" sz="1000" b="0" i="0" u="none" strike="noStrike" cap="none" normalizeH="0" baseline="0" dirty="0" smtClean="0">
+              <a:ln>
+                <a:noFill/>
+              </a:ln>
+              <a:solidFill>
+                <a:srgbClr val="333333"/>
+              </a:solidFill>
+              <a:effectLst/>
+              <a:latin typeface="Arial" panose="020B0604020202020204" pitchFamily="34" charset="0"/>
+              <a:cs typeface="Arial" panose="020B0604020202020204" pitchFamily="34" charset="0"/>
+            </a:endParaRPr>
+          </a:p>
+          <a:p>
+            <a:pPr marL="0" marR="0" lvl="0" indent="0" algn="l" defTabSz="914400" rtl="0" eaLnBrk="0" fontAlgn="base" latinLnBrk="0" hangingPunct="0">
+              <a:lnSpc>
+                <a:spcPct val="100000"/>
+              </a:lnSpc>
+              <a:spcBef>
+                <a:spcPct val="0"/>
+              </a:spcBef>
+              <a:spcAft>
+                <a:spcPct val="0"/>
+              </a:spcAft>
+              <a:buClrTx/>
+              <a:buSzTx/>
+              <a:buFontTx/>
+              <a:buNone/>
+              <a:tabLst/>
+            </a:pPr>
+            <a:r>
+              <a:rPr kumimoji="0" lang="en-US" altLang="en-US" sz="1000" b="0" i="0" u="none" strike="noStrike" cap="none" normalizeH="0" baseline="0" dirty="0" smtClean="0">
+                <a:ln>
+                  <a:noFill/>
+                </a:ln>
+                <a:solidFill>
+                  <a:srgbClr val="333333"/>
+                </a:solidFill>
+                <a:effectLst/>
+                <a:latin typeface="Arial" panose="020B0604020202020204" pitchFamily="34" charset="0"/>
+                <a:cs typeface="Arial" panose="020B0604020202020204" pitchFamily="34" charset="0"/>
+              </a:rPr>
+              <a:t> </a:t>
+            </a:r>
+            <a:endParaRPr kumimoji="0" lang="en-US" altLang="en-US" sz="800" b="0" i="0" u="none" strike="noStrike" cap="none" normalizeH="0" baseline="0" dirty="0" smtClean="0">
+              <a:ln>
+                <a:noFill/>
+              </a:ln>
+              <a:solidFill>
+                <a:schemeClr val="tx1"/>
+              </a:solidFill>
+              <a:effectLst/>
+            </a:endParaRPr>
+          </a:p>
+          <a:p>
+            <a:pPr marL="0" marR="0" lvl="0" indent="0" algn="l" defTabSz="914400" rtl="0" eaLnBrk="0" fontAlgn="base" latinLnBrk="0" hangingPunct="0">
+              <a:lnSpc>
+                <a:spcPct val="100000"/>
+              </a:lnSpc>
+              <a:spcBef>
+                <a:spcPct val="0"/>
+              </a:spcBef>
+              <a:spcAft>
+                <a:spcPct val="0"/>
+              </a:spcAft>
+              <a:buClrTx/>
+              <a:buSzTx/>
+              <a:buFontTx/>
+              <a:buNone/>
+              <a:tabLst/>
+            </a:pPr>
+            <a:r>
+              <a:rPr kumimoji="0" lang="en-US" altLang="en-US" sz="1000" b="1" i="0" u="none" strike="noStrike" cap="none" normalizeH="0" baseline="0" dirty="0" smtClean="0">
+                <a:ln>
+                  <a:noFill/>
+                </a:ln>
+                <a:solidFill>
+                  <a:srgbClr val="333333"/>
+                </a:solidFill>
+                <a:effectLst/>
+                <a:latin typeface="Arial" panose="020B0604020202020204" pitchFamily="34" charset="0"/>
+                <a:cs typeface="Arial" panose="020B0604020202020204" pitchFamily="34" charset="0"/>
+              </a:rPr>
+              <a:t>LC08_L2SP_210016_20211010_20211019_02_T1_ST_DRAD.TIF</a:t>
+            </a:r>
+            <a:r>
+              <a:rPr kumimoji="0" lang="en-US" altLang="en-US" sz="1000" b="0" i="0" u="none" strike="noStrike" cap="none" normalizeH="0" baseline="0" dirty="0" smtClean="0">
+                <a:ln>
+                  <a:noFill/>
+                </a:ln>
+                <a:solidFill>
+                  <a:srgbClr val="333333"/>
+                </a:solidFill>
+                <a:effectLst/>
+                <a:latin typeface="Arial" panose="020B0604020202020204" pitchFamily="34" charset="0"/>
+                <a:cs typeface="Arial" panose="020B0604020202020204" pitchFamily="34" charset="0"/>
+              </a:rPr>
+              <a:t/>
+            </a:r>
+            <a:br>
+              <a:rPr kumimoji="0" lang="en-US" altLang="en-US" sz="1000" b="0" i="0" u="none" strike="noStrike" cap="none" normalizeH="0" baseline="0" dirty="0" smtClean="0">
+                <a:ln>
+                  <a:noFill/>
+                </a:ln>
+                <a:solidFill>
+                  <a:srgbClr val="333333"/>
+                </a:solidFill>
+                <a:effectLst/>
+                <a:latin typeface="Arial" panose="020B0604020202020204" pitchFamily="34" charset="0"/>
+                <a:cs typeface="Arial" panose="020B0604020202020204" pitchFamily="34" charset="0"/>
+              </a:rPr>
+            </a:br>
+            <a:r>
+              <a:rPr kumimoji="0" lang="en-US" altLang="en-US" sz="1000" b="0" i="1" u="none" strike="noStrike" cap="none" normalizeH="0" baseline="0" dirty="0" smtClean="0">
+                <a:ln>
+                  <a:noFill/>
+                </a:ln>
+                <a:solidFill>
+                  <a:srgbClr val="333333"/>
+                </a:solidFill>
+                <a:effectLst/>
+                <a:latin typeface="Arial" panose="020B0604020202020204" pitchFamily="34" charset="0"/>
+                <a:cs typeface="Arial" panose="020B0604020202020204" pitchFamily="34" charset="0"/>
+              </a:rPr>
+              <a:t>Landsat Collection 2 Level-2 Band File</a:t>
+            </a:r>
+            <a:endParaRPr kumimoji="0" lang="en-US" altLang="en-US" sz="1000" b="0" i="0" u="none" strike="noStrike" cap="none" normalizeH="0" baseline="0" dirty="0" smtClean="0">
+              <a:ln>
+                <a:noFill/>
+              </a:ln>
+              <a:solidFill>
+                <a:srgbClr val="333333"/>
+              </a:solidFill>
+              <a:effectLst/>
+              <a:latin typeface="Arial" panose="020B0604020202020204" pitchFamily="34" charset="0"/>
+              <a:cs typeface="Arial" panose="020B0604020202020204" pitchFamily="34" charset="0"/>
+            </a:endParaRPr>
+          </a:p>
+          <a:p>
+            <a:pPr marL="0" marR="0" lvl="0" indent="0" algn="l" defTabSz="914400" rtl="0" eaLnBrk="0" fontAlgn="base" latinLnBrk="0" hangingPunct="0">
+              <a:lnSpc>
+                <a:spcPct val="100000"/>
+              </a:lnSpc>
+              <a:spcBef>
+                <a:spcPct val="0"/>
+              </a:spcBef>
+              <a:spcAft>
+                <a:spcPct val="0"/>
+              </a:spcAft>
+              <a:buClrTx/>
+              <a:buSzTx/>
+              <a:buFontTx/>
+              <a:buNone/>
+              <a:tabLst/>
+            </a:pPr>
+            <a:r>
+              <a:rPr kumimoji="0" lang="en-US" altLang="en-US" sz="1000" b="0" i="0" u="none" strike="noStrike" cap="none" normalizeH="0" baseline="0" dirty="0" smtClean="0">
+                <a:ln>
+                  <a:noFill/>
+                </a:ln>
+                <a:solidFill>
+                  <a:srgbClr val="333333"/>
+                </a:solidFill>
+                <a:effectLst/>
+                <a:latin typeface="Arial" panose="020B0604020202020204" pitchFamily="34" charset="0"/>
+                <a:cs typeface="Arial" panose="020B0604020202020204" pitchFamily="34" charset="0"/>
+              </a:rPr>
+              <a:t> </a:t>
+            </a:r>
+            <a:endParaRPr kumimoji="0" lang="en-US" altLang="en-US" sz="800" b="0" i="0" u="none" strike="noStrike" cap="none" normalizeH="0" baseline="0" dirty="0" smtClean="0">
+              <a:ln>
+                <a:noFill/>
+              </a:ln>
+              <a:solidFill>
+                <a:schemeClr val="tx1"/>
+              </a:solidFill>
+              <a:effectLst/>
+            </a:endParaRPr>
+          </a:p>
+          <a:p>
+            <a:pPr marL="0" marR="0" lvl="0" indent="0" algn="l" defTabSz="914400" rtl="0" eaLnBrk="0" fontAlgn="base" latinLnBrk="0" hangingPunct="0">
+              <a:lnSpc>
+                <a:spcPct val="100000"/>
+              </a:lnSpc>
+              <a:spcBef>
+                <a:spcPct val="0"/>
+              </a:spcBef>
+              <a:spcAft>
+                <a:spcPct val="0"/>
+              </a:spcAft>
+              <a:buClrTx/>
+              <a:buSzTx/>
+              <a:buFontTx/>
+              <a:buNone/>
+              <a:tabLst/>
+            </a:pPr>
+            <a:r>
+              <a:rPr kumimoji="0" lang="en-US" altLang="en-US" sz="1000" b="1" i="0" u="none" strike="noStrike" cap="none" normalizeH="0" baseline="0" dirty="0" smtClean="0">
+                <a:ln>
+                  <a:noFill/>
+                </a:ln>
+                <a:solidFill>
+                  <a:srgbClr val="333333"/>
+                </a:solidFill>
+                <a:effectLst/>
+                <a:latin typeface="Arial" panose="020B0604020202020204" pitchFamily="34" charset="0"/>
+                <a:cs typeface="Arial" panose="020B0604020202020204" pitchFamily="34" charset="0"/>
+              </a:rPr>
+              <a:t>LC08_L2SP_210016_20211010_20211019_02_T1_ST_EMIS.TIF</a:t>
+            </a:r>
+            <a:r>
+              <a:rPr kumimoji="0" lang="en-US" altLang="en-US" sz="1000" b="0" i="0" u="none" strike="noStrike" cap="none" normalizeH="0" baseline="0" dirty="0" smtClean="0">
+                <a:ln>
+                  <a:noFill/>
+                </a:ln>
+                <a:solidFill>
+                  <a:srgbClr val="333333"/>
+                </a:solidFill>
+                <a:effectLst/>
+                <a:latin typeface="Arial" panose="020B0604020202020204" pitchFamily="34" charset="0"/>
+                <a:cs typeface="Arial" panose="020B0604020202020204" pitchFamily="34" charset="0"/>
+              </a:rPr>
+              <a:t/>
+            </a:r>
+            <a:br>
+              <a:rPr kumimoji="0" lang="en-US" altLang="en-US" sz="1000" b="0" i="0" u="none" strike="noStrike" cap="none" normalizeH="0" baseline="0" dirty="0" smtClean="0">
+                <a:ln>
+                  <a:noFill/>
+                </a:ln>
+                <a:solidFill>
+                  <a:srgbClr val="333333"/>
+                </a:solidFill>
+                <a:effectLst/>
+                <a:latin typeface="Arial" panose="020B0604020202020204" pitchFamily="34" charset="0"/>
+                <a:cs typeface="Arial" panose="020B0604020202020204" pitchFamily="34" charset="0"/>
+              </a:rPr>
+            </a:br>
+            <a:r>
+              <a:rPr kumimoji="0" lang="en-US" altLang="en-US" sz="1000" b="0" i="1" u="none" strike="noStrike" cap="none" normalizeH="0" baseline="0" dirty="0" smtClean="0">
+                <a:ln>
+                  <a:noFill/>
+                </a:ln>
+                <a:solidFill>
+                  <a:srgbClr val="333333"/>
+                </a:solidFill>
+                <a:effectLst/>
+                <a:latin typeface="Arial" panose="020B0604020202020204" pitchFamily="34" charset="0"/>
+                <a:cs typeface="Arial" panose="020B0604020202020204" pitchFamily="34" charset="0"/>
+              </a:rPr>
+              <a:t>Landsat Collection 2 Level-2 Band File</a:t>
+            </a:r>
+            <a:endParaRPr kumimoji="0" lang="en-US" altLang="en-US" sz="1000" b="0" i="0" u="none" strike="noStrike" cap="none" normalizeH="0" baseline="0" dirty="0" smtClean="0">
+              <a:ln>
+                <a:noFill/>
+              </a:ln>
+              <a:solidFill>
+                <a:srgbClr val="333333"/>
+              </a:solidFill>
+              <a:effectLst/>
+              <a:latin typeface="Arial" panose="020B0604020202020204" pitchFamily="34" charset="0"/>
+              <a:cs typeface="Arial" panose="020B0604020202020204" pitchFamily="34" charset="0"/>
+            </a:endParaRPr>
+          </a:p>
+          <a:p>
+            <a:pPr marL="0" marR="0" lvl="0" indent="0" algn="l" defTabSz="914400" rtl="0" eaLnBrk="0" fontAlgn="base" latinLnBrk="0" hangingPunct="0">
+              <a:lnSpc>
+                <a:spcPct val="100000"/>
+              </a:lnSpc>
+              <a:spcBef>
+                <a:spcPct val="0"/>
+              </a:spcBef>
+              <a:spcAft>
+                <a:spcPct val="0"/>
+              </a:spcAft>
+              <a:buClrTx/>
+              <a:buSzTx/>
+              <a:buFontTx/>
+              <a:buNone/>
+              <a:tabLst/>
+            </a:pPr>
+            <a:r>
+              <a:rPr kumimoji="0" lang="en-US" altLang="en-US" sz="1000" b="0" i="0" u="none" strike="noStrike" cap="none" normalizeH="0" baseline="0" dirty="0" smtClean="0">
+                <a:ln>
+                  <a:noFill/>
+                </a:ln>
+                <a:solidFill>
+                  <a:srgbClr val="333333"/>
+                </a:solidFill>
+                <a:effectLst/>
+                <a:latin typeface="Arial" panose="020B0604020202020204" pitchFamily="34" charset="0"/>
+                <a:cs typeface="Arial" panose="020B0604020202020204" pitchFamily="34" charset="0"/>
+              </a:rPr>
+              <a:t> </a:t>
+            </a:r>
+            <a:endParaRPr kumimoji="0" lang="en-US" altLang="en-US" sz="800" b="0" i="0" u="none" strike="noStrike" cap="none" normalizeH="0" baseline="0" dirty="0" smtClean="0">
+              <a:ln>
+                <a:noFill/>
+              </a:ln>
+              <a:solidFill>
+                <a:schemeClr val="tx1"/>
+              </a:solidFill>
+              <a:effectLst/>
+            </a:endParaRPr>
+          </a:p>
+          <a:p>
+            <a:pPr marL="0" marR="0" lvl="0" indent="0" algn="l" defTabSz="914400" rtl="0" eaLnBrk="0" fontAlgn="base" latinLnBrk="0" hangingPunct="0">
+              <a:lnSpc>
+                <a:spcPct val="100000"/>
+              </a:lnSpc>
+              <a:spcBef>
+                <a:spcPct val="0"/>
+              </a:spcBef>
+              <a:spcAft>
+                <a:spcPct val="0"/>
+              </a:spcAft>
+              <a:buClrTx/>
+              <a:buSzTx/>
+              <a:buFontTx/>
+              <a:buNone/>
+              <a:tabLst/>
+            </a:pPr>
+            <a:r>
+              <a:rPr kumimoji="0" lang="en-US" altLang="en-US" sz="1000" b="1" i="0" u="none" strike="noStrike" cap="none" normalizeH="0" baseline="0" dirty="0" smtClean="0">
+                <a:ln>
+                  <a:noFill/>
+                </a:ln>
+                <a:solidFill>
+                  <a:srgbClr val="333333"/>
+                </a:solidFill>
+                <a:effectLst/>
+                <a:latin typeface="Arial" panose="020B0604020202020204" pitchFamily="34" charset="0"/>
+                <a:cs typeface="Arial" panose="020B0604020202020204" pitchFamily="34" charset="0"/>
+              </a:rPr>
+              <a:t>LC08_L2SP_210016_20211010_20211019_02_T1_ST_EMSD.TIF</a:t>
+            </a:r>
+            <a:r>
+              <a:rPr kumimoji="0" lang="en-US" altLang="en-US" sz="1000" b="0" i="0" u="none" strike="noStrike" cap="none" normalizeH="0" baseline="0" dirty="0" smtClean="0">
+                <a:ln>
+                  <a:noFill/>
+                </a:ln>
+                <a:solidFill>
+                  <a:srgbClr val="333333"/>
+                </a:solidFill>
+                <a:effectLst/>
+                <a:latin typeface="Arial" panose="020B0604020202020204" pitchFamily="34" charset="0"/>
+                <a:cs typeface="Arial" panose="020B0604020202020204" pitchFamily="34" charset="0"/>
+              </a:rPr>
+              <a:t/>
+            </a:r>
+            <a:br>
+              <a:rPr kumimoji="0" lang="en-US" altLang="en-US" sz="1000" b="0" i="0" u="none" strike="noStrike" cap="none" normalizeH="0" baseline="0" dirty="0" smtClean="0">
+                <a:ln>
+                  <a:noFill/>
+                </a:ln>
+                <a:solidFill>
+                  <a:srgbClr val="333333"/>
+                </a:solidFill>
+                <a:effectLst/>
+                <a:latin typeface="Arial" panose="020B0604020202020204" pitchFamily="34" charset="0"/>
+                <a:cs typeface="Arial" panose="020B0604020202020204" pitchFamily="34" charset="0"/>
+              </a:rPr>
+            </a:br>
+            <a:r>
+              <a:rPr kumimoji="0" lang="en-US" altLang="en-US" sz="1000" b="0" i="1" u="none" strike="noStrike" cap="none" normalizeH="0" baseline="0" dirty="0" smtClean="0">
+                <a:ln>
+                  <a:noFill/>
+                </a:ln>
+                <a:solidFill>
+                  <a:srgbClr val="333333"/>
+                </a:solidFill>
+                <a:effectLst/>
+                <a:latin typeface="Arial" panose="020B0604020202020204" pitchFamily="34" charset="0"/>
+                <a:cs typeface="Arial" panose="020B0604020202020204" pitchFamily="34" charset="0"/>
+              </a:rPr>
+              <a:t>Landsat Collection 2 Level-2 Band File</a:t>
+            </a:r>
+            <a:endParaRPr kumimoji="0" lang="en-US" altLang="en-US" sz="1000" b="0" i="0" u="none" strike="noStrike" cap="none" normalizeH="0" baseline="0" dirty="0" smtClean="0">
+              <a:ln>
+                <a:noFill/>
+              </a:ln>
+              <a:solidFill>
+                <a:srgbClr val="333333"/>
+              </a:solidFill>
+              <a:effectLst/>
+              <a:latin typeface="Arial" panose="020B0604020202020204" pitchFamily="34" charset="0"/>
+              <a:cs typeface="Arial" panose="020B0604020202020204" pitchFamily="34" charset="0"/>
+            </a:endParaRPr>
+          </a:p>
+          <a:p>
+            <a:pPr marL="0" marR="0" lvl="0" indent="0" algn="l" defTabSz="914400" rtl="0" eaLnBrk="0" fontAlgn="base" latinLnBrk="0" hangingPunct="0">
+              <a:lnSpc>
+                <a:spcPct val="100000"/>
+              </a:lnSpc>
+              <a:spcBef>
+                <a:spcPct val="0"/>
+              </a:spcBef>
+              <a:spcAft>
+                <a:spcPct val="0"/>
+              </a:spcAft>
+              <a:buClrTx/>
+              <a:buSzTx/>
+              <a:buFontTx/>
+              <a:buNone/>
+              <a:tabLst/>
+            </a:pPr>
+            <a:r>
+              <a:rPr kumimoji="0" lang="en-US" altLang="en-US" sz="1000" b="0" i="0" u="none" strike="noStrike" cap="none" normalizeH="0" baseline="0" dirty="0" smtClean="0">
+                <a:ln>
+                  <a:noFill/>
+                </a:ln>
+                <a:solidFill>
+                  <a:srgbClr val="333333"/>
+                </a:solidFill>
+                <a:effectLst/>
+                <a:latin typeface="Arial" panose="020B0604020202020204" pitchFamily="34" charset="0"/>
+                <a:cs typeface="Arial" panose="020B0604020202020204" pitchFamily="34" charset="0"/>
+              </a:rPr>
+              <a:t> </a:t>
+            </a:r>
+            <a:endParaRPr kumimoji="0" lang="en-US" altLang="en-US" sz="800" b="0" i="0" u="none" strike="noStrike" cap="none" normalizeH="0" baseline="0" dirty="0" smtClean="0">
+              <a:ln>
+                <a:noFill/>
+              </a:ln>
+              <a:solidFill>
+                <a:schemeClr val="tx1"/>
+              </a:solidFill>
+              <a:effectLst/>
+            </a:endParaRPr>
+          </a:p>
+          <a:p>
+            <a:pPr marL="0" marR="0" lvl="0" indent="0" algn="l" defTabSz="914400" rtl="0" eaLnBrk="0" fontAlgn="base" latinLnBrk="0" hangingPunct="0">
+              <a:lnSpc>
+                <a:spcPct val="100000"/>
+              </a:lnSpc>
+              <a:spcBef>
+                <a:spcPct val="0"/>
+              </a:spcBef>
+              <a:spcAft>
+                <a:spcPct val="0"/>
+              </a:spcAft>
+              <a:buClrTx/>
+              <a:buSzTx/>
+              <a:buFontTx/>
+              <a:buNone/>
+              <a:tabLst/>
+            </a:pPr>
+            <a:r>
+              <a:rPr kumimoji="0" lang="en-US" altLang="en-US" sz="1000" b="1" i="0" u="none" strike="noStrike" cap="none" normalizeH="0" baseline="0" dirty="0" smtClean="0">
+                <a:ln>
+                  <a:noFill/>
+                </a:ln>
+                <a:solidFill>
+                  <a:srgbClr val="333333"/>
+                </a:solidFill>
+                <a:effectLst/>
+                <a:latin typeface="Arial" panose="020B0604020202020204" pitchFamily="34" charset="0"/>
+                <a:cs typeface="Arial" panose="020B0604020202020204" pitchFamily="34" charset="0"/>
+              </a:rPr>
+              <a:t>LC08_L2SP_210016_20211010_20211019_02_T1_ST_QA.TIF</a:t>
+            </a:r>
+            <a:r>
+              <a:rPr kumimoji="0" lang="en-US" altLang="en-US" sz="1000" b="0" i="0" u="none" strike="noStrike" cap="none" normalizeH="0" baseline="0" dirty="0" smtClean="0">
+                <a:ln>
+                  <a:noFill/>
+                </a:ln>
+                <a:solidFill>
+                  <a:srgbClr val="333333"/>
+                </a:solidFill>
+                <a:effectLst/>
+                <a:latin typeface="Arial" panose="020B0604020202020204" pitchFamily="34" charset="0"/>
+                <a:cs typeface="Arial" panose="020B0604020202020204" pitchFamily="34" charset="0"/>
+              </a:rPr>
+              <a:t/>
+            </a:r>
+            <a:br>
+              <a:rPr kumimoji="0" lang="en-US" altLang="en-US" sz="1000" b="0" i="0" u="none" strike="noStrike" cap="none" normalizeH="0" baseline="0" dirty="0" smtClean="0">
+                <a:ln>
+                  <a:noFill/>
+                </a:ln>
+                <a:solidFill>
+                  <a:srgbClr val="333333"/>
+                </a:solidFill>
+                <a:effectLst/>
+                <a:latin typeface="Arial" panose="020B0604020202020204" pitchFamily="34" charset="0"/>
+                <a:cs typeface="Arial" panose="020B0604020202020204" pitchFamily="34" charset="0"/>
+              </a:rPr>
+            </a:br>
+            <a:r>
+              <a:rPr kumimoji="0" lang="en-US" altLang="en-US" sz="1000" b="0" i="1" u="none" strike="noStrike" cap="none" normalizeH="0" baseline="0" dirty="0" smtClean="0">
+                <a:ln>
+                  <a:noFill/>
+                </a:ln>
+                <a:solidFill>
+                  <a:srgbClr val="333333"/>
+                </a:solidFill>
+                <a:effectLst/>
+                <a:latin typeface="Arial" panose="020B0604020202020204" pitchFamily="34" charset="0"/>
+                <a:cs typeface="Arial" panose="020B0604020202020204" pitchFamily="34" charset="0"/>
+              </a:rPr>
+              <a:t>Landsat Collection 2 Level-2 Band File</a:t>
+            </a:r>
+            <a:endParaRPr kumimoji="0" lang="en-US" altLang="en-US" sz="1000" b="0" i="0" u="none" strike="noStrike" cap="none" normalizeH="0" baseline="0" dirty="0" smtClean="0">
+              <a:ln>
+                <a:noFill/>
+              </a:ln>
+              <a:solidFill>
+                <a:srgbClr val="333333"/>
+              </a:solidFill>
+              <a:effectLst/>
+              <a:latin typeface="Arial" panose="020B0604020202020204" pitchFamily="34" charset="0"/>
+              <a:cs typeface="Arial" panose="020B0604020202020204" pitchFamily="34" charset="0"/>
+            </a:endParaRPr>
+          </a:p>
+          <a:p>
+            <a:pPr marL="0" marR="0" lvl="0" indent="0" algn="l" defTabSz="914400" rtl="0" eaLnBrk="0" fontAlgn="base" latinLnBrk="0" hangingPunct="0">
+              <a:lnSpc>
+                <a:spcPct val="100000"/>
+              </a:lnSpc>
+              <a:spcBef>
+                <a:spcPct val="0"/>
+              </a:spcBef>
+              <a:spcAft>
+                <a:spcPct val="0"/>
+              </a:spcAft>
+              <a:buClrTx/>
+              <a:buSzTx/>
+              <a:buFontTx/>
+              <a:buNone/>
+              <a:tabLst/>
+            </a:pPr>
+            <a:r>
+              <a:rPr kumimoji="0" lang="en-US" altLang="en-US" sz="1000" b="0" i="0" u="none" strike="noStrike" cap="none" normalizeH="0" baseline="0" dirty="0" smtClean="0">
+                <a:ln>
+                  <a:noFill/>
+                </a:ln>
+                <a:solidFill>
+                  <a:srgbClr val="333333"/>
+                </a:solidFill>
+                <a:effectLst/>
+                <a:latin typeface="Arial" panose="020B0604020202020204" pitchFamily="34" charset="0"/>
+                <a:cs typeface="Arial" panose="020B0604020202020204" pitchFamily="34" charset="0"/>
+              </a:rPr>
+              <a:t> </a:t>
+            </a:r>
+            <a:endParaRPr kumimoji="0" lang="en-US" altLang="en-US" sz="800" b="0" i="0" u="none" strike="noStrike" cap="none" normalizeH="0" baseline="0" dirty="0" smtClean="0">
+              <a:ln>
+                <a:noFill/>
+              </a:ln>
+              <a:solidFill>
+                <a:schemeClr val="tx1"/>
+              </a:solidFill>
+              <a:effectLst/>
+            </a:endParaRPr>
+          </a:p>
+          <a:p>
+            <a:pPr marL="0" marR="0" lvl="0" indent="0" algn="l" defTabSz="914400" rtl="0" eaLnBrk="0" fontAlgn="base" latinLnBrk="0" hangingPunct="0">
+              <a:lnSpc>
+                <a:spcPct val="100000"/>
+              </a:lnSpc>
+              <a:spcBef>
+                <a:spcPct val="0"/>
+              </a:spcBef>
+              <a:spcAft>
+                <a:spcPct val="0"/>
+              </a:spcAft>
+              <a:buClrTx/>
+              <a:buSzTx/>
+              <a:buFontTx/>
+              <a:buNone/>
+              <a:tabLst/>
+            </a:pPr>
+            <a:r>
+              <a:rPr kumimoji="0" lang="en-US" altLang="en-US" sz="1000" b="1" i="0" u="none" strike="noStrike" cap="none" normalizeH="0" baseline="0" dirty="0" smtClean="0">
+                <a:ln>
+                  <a:noFill/>
+                </a:ln>
+                <a:solidFill>
+                  <a:srgbClr val="333333"/>
+                </a:solidFill>
+                <a:effectLst/>
+                <a:latin typeface="Arial" panose="020B0604020202020204" pitchFamily="34" charset="0"/>
+                <a:cs typeface="Arial" panose="020B0604020202020204" pitchFamily="34" charset="0"/>
+              </a:rPr>
+              <a:t>LC08_L2SP_210016_20211010_20211019_02_T1_ST_TRAD.TIF</a:t>
+            </a:r>
+            <a:r>
+              <a:rPr kumimoji="0" lang="en-US" altLang="en-US" sz="1000" b="0" i="0" u="none" strike="noStrike" cap="none" normalizeH="0" baseline="0" dirty="0" smtClean="0">
+                <a:ln>
+                  <a:noFill/>
+                </a:ln>
+                <a:solidFill>
+                  <a:srgbClr val="333333"/>
+                </a:solidFill>
+                <a:effectLst/>
+                <a:latin typeface="Arial" panose="020B0604020202020204" pitchFamily="34" charset="0"/>
+                <a:cs typeface="Arial" panose="020B0604020202020204" pitchFamily="34" charset="0"/>
+              </a:rPr>
+              <a:t/>
+            </a:r>
+            <a:br>
+              <a:rPr kumimoji="0" lang="en-US" altLang="en-US" sz="1000" b="0" i="0" u="none" strike="noStrike" cap="none" normalizeH="0" baseline="0" dirty="0" smtClean="0">
+                <a:ln>
+                  <a:noFill/>
+                </a:ln>
+                <a:solidFill>
+                  <a:srgbClr val="333333"/>
+                </a:solidFill>
+                <a:effectLst/>
+                <a:latin typeface="Arial" panose="020B0604020202020204" pitchFamily="34" charset="0"/>
+                <a:cs typeface="Arial" panose="020B0604020202020204" pitchFamily="34" charset="0"/>
+              </a:rPr>
+            </a:br>
+            <a:r>
+              <a:rPr kumimoji="0" lang="en-US" altLang="en-US" sz="1000" b="0" i="1" u="none" strike="noStrike" cap="none" normalizeH="0" baseline="0" dirty="0" smtClean="0">
+                <a:ln>
+                  <a:noFill/>
+                </a:ln>
+                <a:solidFill>
+                  <a:srgbClr val="333333"/>
+                </a:solidFill>
+                <a:effectLst/>
+                <a:latin typeface="Arial" panose="020B0604020202020204" pitchFamily="34" charset="0"/>
+                <a:cs typeface="Arial" panose="020B0604020202020204" pitchFamily="34" charset="0"/>
+              </a:rPr>
+              <a:t>Landsat Collection 2 Level-2 Band File</a:t>
+            </a:r>
+            <a:endParaRPr kumimoji="0" lang="en-US" altLang="en-US" sz="1000" b="0" i="0" u="none" strike="noStrike" cap="none" normalizeH="0" baseline="0" dirty="0" smtClean="0">
+              <a:ln>
+                <a:noFill/>
+              </a:ln>
+              <a:solidFill>
+                <a:srgbClr val="333333"/>
+              </a:solidFill>
+              <a:effectLst/>
+              <a:latin typeface="Arial" panose="020B0604020202020204" pitchFamily="34" charset="0"/>
+              <a:cs typeface="Arial" panose="020B0604020202020204" pitchFamily="34" charset="0"/>
+            </a:endParaRPr>
+          </a:p>
+          <a:p>
+            <a:pPr marL="0" marR="0" lvl="0" indent="0" algn="l" defTabSz="914400" rtl="0" eaLnBrk="0" fontAlgn="base" latinLnBrk="0" hangingPunct="0">
+              <a:lnSpc>
+                <a:spcPct val="100000"/>
+              </a:lnSpc>
+              <a:spcBef>
+                <a:spcPct val="0"/>
+              </a:spcBef>
+              <a:spcAft>
+                <a:spcPct val="0"/>
+              </a:spcAft>
+              <a:buClrTx/>
+              <a:buSzTx/>
+              <a:buFontTx/>
+              <a:buNone/>
+              <a:tabLst/>
+            </a:pPr>
+            <a:r>
+              <a:rPr kumimoji="0" lang="en-US" altLang="en-US" sz="1000" b="0" i="0" u="none" strike="noStrike" cap="none" normalizeH="0" baseline="0" dirty="0" smtClean="0">
+                <a:ln>
+                  <a:noFill/>
+                </a:ln>
+                <a:solidFill>
+                  <a:srgbClr val="333333"/>
+                </a:solidFill>
+                <a:effectLst/>
+                <a:latin typeface="Arial" panose="020B0604020202020204" pitchFamily="34" charset="0"/>
+                <a:cs typeface="Arial" panose="020B0604020202020204" pitchFamily="34" charset="0"/>
+              </a:rPr>
+              <a:t> </a:t>
+            </a:r>
+            <a:endParaRPr kumimoji="0" lang="en-US" altLang="en-US" sz="800" b="0" i="0" u="none" strike="noStrike" cap="none" normalizeH="0" baseline="0" dirty="0" smtClean="0">
+              <a:ln>
+                <a:noFill/>
+              </a:ln>
+              <a:solidFill>
+                <a:schemeClr val="tx1"/>
+              </a:solidFill>
+              <a:effectLst/>
+            </a:endParaRPr>
+          </a:p>
+          <a:p>
+            <a:pPr marL="0" marR="0" lvl="0" indent="0" algn="l" defTabSz="914400" rtl="0" eaLnBrk="0" fontAlgn="base" latinLnBrk="0" hangingPunct="0">
+              <a:lnSpc>
+                <a:spcPct val="100000"/>
+              </a:lnSpc>
+              <a:spcBef>
+                <a:spcPct val="0"/>
+              </a:spcBef>
+              <a:spcAft>
+                <a:spcPct val="0"/>
+              </a:spcAft>
+              <a:buClrTx/>
+              <a:buSzTx/>
+              <a:buFontTx/>
+              <a:buNone/>
+              <a:tabLst/>
+            </a:pPr>
+            <a:r>
+              <a:rPr kumimoji="0" lang="en-US" altLang="en-US" sz="1000" b="1" i="0" u="none" strike="noStrike" cap="none" normalizeH="0" baseline="0" dirty="0" smtClean="0">
+                <a:ln>
+                  <a:noFill/>
+                </a:ln>
+                <a:solidFill>
+                  <a:srgbClr val="333333"/>
+                </a:solidFill>
+                <a:effectLst/>
+                <a:latin typeface="Arial" panose="020B0604020202020204" pitchFamily="34" charset="0"/>
+                <a:cs typeface="Arial" panose="020B0604020202020204" pitchFamily="34" charset="0"/>
+              </a:rPr>
+              <a:t>LC08_L2SP_210016_20211010_20211019_02_T1_ST_URAD.TIF</a:t>
+            </a:r>
+            <a:endParaRPr kumimoji="0" lang="en-US" altLang="en-US" sz="1800" b="0" i="0" u="none" strike="noStrike" cap="none" normalizeH="0" baseline="0" dirty="0" smtClean="0">
+              <a:ln>
+                <a:noFill/>
+              </a:ln>
+              <a:solidFill>
+                <a:schemeClr val="tx1"/>
+              </a:solidFill>
+              <a:effectLst/>
+              <a:latin typeface="Arial" panose="020B0604020202020204" pitchFamily="34" charset="0"/>
+            </a:endParaRPr>
+          </a:p>
+        </p:txBody>
+      </p:sp>
+      <p:sp>
+        <p:nvSpPr>
+          <p:cNvPr id="6" name="Rounded Rectangle 5"/>
+          <p:cNvSpPr/>
+          <p:nvPr/>
+        </p:nvSpPr>
+        <p:spPr>
+          <a:xfrm>
+            <a:off x="676275" y="4648200"/>
+            <a:ext cx="2705100" cy="1219200"/>
+          </a:xfrm>
+          <a:prstGeom prst="roundRect">
+            <a:avLst/>
+          </a:prstGeom>
+          <a:solidFill>
+            <a:schemeClr val="bg2">
+              <a:lumMod val="90000"/>
+            </a:schemeClr>
+          </a:solidFill>
+        </p:spPr>
+        <p:style>
+          <a:lnRef idx="2">
+            <a:schemeClr val="accent1">
+              <a:shade val="50000"/>
+            </a:schemeClr>
+          </a:lnRef>
+          <a:fillRef idx="1">
+            <a:schemeClr val="accent1"/>
+          </a:fillRef>
+          <a:effectRef idx="0">
+            <a:schemeClr val="accent1"/>
+          </a:effectRef>
+          <a:fontRef idx="minor">
+            <a:schemeClr val="lt1"/>
+          </a:fontRef>
+        </p:style>
+        <p:txBody>
+          <a:bodyPr rtlCol="0" anchor="ctr"/>
+          <a:lstStyle/>
+          <a:p>
+            <a:pPr algn="ctr"/>
+            <a:r>
+              <a:rPr lang="en-GB" dirty="0" smtClean="0"/>
+              <a:t>TIF files are…</a:t>
+            </a:r>
+            <a:endParaRPr lang="en-GB" dirty="0"/>
+          </a:p>
+        </p:txBody>
+      </p:sp>
+    </p:spTree>
+    <p:extLst>
+      <p:ext uri="{BB962C8B-B14F-4D97-AF65-F5344CB8AC3E}">
+        <p14:creationId xmlns:p14="http://schemas.microsoft.com/office/powerpoint/2010/main" val="2074246548"/>
       </p:ext>
     </p:extLst>
   </p:cSld>
